--- a/Capstone_PPT_VivekJeswani.pptx
+++ b/Capstone_PPT_VivekJeswani.pptx
@@ -9,16 +9,18 @@
     <p:sldId id="257" r:id="rId3"/>
     <p:sldId id="258" r:id="rId4"/>
     <p:sldId id="260" r:id="rId5"/>
-    <p:sldId id="263" r:id="rId6"/>
-    <p:sldId id="262" r:id="rId7"/>
-    <p:sldId id="261" r:id="rId8"/>
-    <p:sldId id="264" r:id="rId9"/>
-    <p:sldId id="266" r:id="rId10"/>
-    <p:sldId id="286" r:id="rId11"/>
-    <p:sldId id="267" r:id="rId12"/>
-    <p:sldId id="265" r:id="rId13"/>
-    <p:sldId id="269" r:id="rId14"/>
-    <p:sldId id="284" r:id="rId15"/>
+    <p:sldId id="288" r:id="rId6"/>
+    <p:sldId id="263" r:id="rId7"/>
+    <p:sldId id="262" r:id="rId8"/>
+    <p:sldId id="261" r:id="rId9"/>
+    <p:sldId id="264" r:id="rId10"/>
+    <p:sldId id="266" r:id="rId11"/>
+    <p:sldId id="286" r:id="rId12"/>
+    <p:sldId id="287" r:id="rId13"/>
+    <p:sldId id="267" r:id="rId14"/>
+    <p:sldId id="265" r:id="rId15"/>
+    <p:sldId id="269" r:id="rId16"/>
+    <p:sldId id="284" r:id="rId17"/>
   </p:sldIdLst>
   <p:sldSz cx="12192000" cy="6858000"/>
   <p:notesSz cx="6858000" cy="9144000"/>
@@ -274,7 +276,7 @@
           <a:p>
             <a:fld id="{6D3052E0-193B-4471-BAD0-B156ECCE0645}" type="datetimeFigureOut">
               <a:rPr lang="en-IN" smtClean="0"/>
-              <a:t>01-05-2023</a:t>
+              <a:t>03-05-2023</a:t>
             </a:fld>
             <a:endParaRPr lang="en-IN"/>
           </a:p>
@@ -474,7 +476,7 @@
           <a:p>
             <a:fld id="{6D3052E0-193B-4471-BAD0-B156ECCE0645}" type="datetimeFigureOut">
               <a:rPr lang="en-IN" smtClean="0"/>
-              <a:t>01-05-2023</a:t>
+              <a:t>03-05-2023</a:t>
             </a:fld>
             <a:endParaRPr lang="en-IN"/>
           </a:p>
@@ -684,7 +686,7 @@
           <a:p>
             <a:fld id="{6D3052E0-193B-4471-BAD0-B156ECCE0645}" type="datetimeFigureOut">
               <a:rPr lang="en-IN" smtClean="0"/>
-              <a:t>01-05-2023</a:t>
+              <a:t>03-05-2023</a:t>
             </a:fld>
             <a:endParaRPr lang="en-IN"/>
           </a:p>
@@ -884,7 +886,7 @@
           <a:p>
             <a:fld id="{6D3052E0-193B-4471-BAD0-B156ECCE0645}" type="datetimeFigureOut">
               <a:rPr lang="en-IN" smtClean="0"/>
-              <a:t>01-05-2023</a:t>
+              <a:t>03-05-2023</a:t>
             </a:fld>
             <a:endParaRPr lang="en-IN"/>
           </a:p>
@@ -1160,7 +1162,7 @@
           <a:p>
             <a:fld id="{6D3052E0-193B-4471-BAD0-B156ECCE0645}" type="datetimeFigureOut">
               <a:rPr lang="en-IN" smtClean="0"/>
-              <a:t>01-05-2023</a:t>
+              <a:t>03-05-2023</a:t>
             </a:fld>
             <a:endParaRPr lang="en-IN"/>
           </a:p>
@@ -1428,7 +1430,7 @@
           <a:p>
             <a:fld id="{6D3052E0-193B-4471-BAD0-B156ECCE0645}" type="datetimeFigureOut">
               <a:rPr lang="en-IN" smtClean="0"/>
-              <a:t>01-05-2023</a:t>
+              <a:t>03-05-2023</a:t>
             </a:fld>
             <a:endParaRPr lang="en-IN"/>
           </a:p>
@@ -1843,7 +1845,7 @@
           <a:p>
             <a:fld id="{6D3052E0-193B-4471-BAD0-B156ECCE0645}" type="datetimeFigureOut">
               <a:rPr lang="en-IN" smtClean="0"/>
-              <a:t>01-05-2023</a:t>
+              <a:t>03-05-2023</a:t>
             </a:fld>
             <a:endParaRPr lang="en-IN"/>
           </a:p>
@@ -1985,7 +1987,7 @@
           <a:p>
             <a:fld id="{6D3052E0-193B-4471-BAD0-B156ECCE0645}" type="datetimeFigureOut">
               <a:rPr lang="en-IN" smtClean="0"/>
-              <a:t>01-05-2023</a:t>
+              <a:t>03-05-2023</a:t>
             </a:fld>
             <a:endParaRPr lang="en-IN"/>
           </a:p>
@@ -2098,7 +2100,7 @@
           <a:p>
             <a:fld id="{6D3052E0-193B-4471-BAD0-B156ECCE0645}" type="datetimeFigureOut">
               <a:rPr lang="en-IN" smtClean="0"/>
-              <a:t>01-05-2023</a:t>
+              <a:t>03-05-2023</a:t>
             </a:fld>
             <a:endParaRPr lang="en-IN"/>
           </a:p>
@@ -2411,7 +2413,7 @@
           <a:p>
             <a:fld id="{6D3052E0-193B-4471-BAD0-B156ECCE0645}" type="datetimeFigureOut">
               <a:rPr lang="en-IN" smtClean="0"/>
-              <a:t>01-05-2023</a:t>
+              <a:t>03-05-2023</a:t>
             </a:fld>
             <a:endParaRPr lang="en-IN"/>
           </a:p>
@@ -2704,7 +2706,7 @@
           <a:p>
             <a:fld id="{6D3052E0-193B-4471-BAD0-B156ECCE0645}" type="datetimeFigureOut">
               <a:rPr lang="en-IN" smtClean="0"/>
-              <a:t>01-05-2023</a:t>
+              <a:t>03-05-2023</a:t>
             </a:fld>
             <a:endParaRPr lang="en-IN"/>
           </a:p>
@@ -2947,7 +2949,7 @@
           <a:p>
             <a:fld id="{6D3052E0-193B-4471-BAD0-B156ECCE0645}" type="datetimeFigureOut">
               <a:rPr lang="en-IN" smtClean="0"/>
-              <a:t>01-05-2023</a:t>
+              <a:t>03-05-2023</a:t>
             </a:fld>
             <a:endParaRPr lang="en-IN"/>
           </a:p>
@@ -3601,23 +3603,7 @@
                 <a:latin typeface="Times New Roman" panose="02020603050405020304" pitchFamily="18" charset="0"/>
                 <a:ea typeface="Arial" panose="020B0604020202020204" pitchFamily="34" charset="0"/>
               </a:rPr>
-              <a:t>Batch : </a:t>
-            </a:r>
-            <a:r>
-              <a:rPr lang="en-IN" sz="1800" b="1" dirty="0" err="1">
-                <a:effectLst/>
-                <a:latin typeface="Times New Roman" panose="02020603050405020304" pitchFamily="18" charset="0"/>
-                <a:ea typeface="Arial" panose="020B0604020202020204" pitchFamily="34" charset="0"/>
-              </a:rPr>
-              <a:t>Hdfc</a:t>
-            </a:r>
-            <a:r>
-              <a:rPr lang="en-IN" sz="1800" b="1" dirty="0">
-                <a:effectLst/>
-                <a:latin typeface="Times New Roman" panose="02020603050405020304" pitchFamily="18" charset="0"/>
-                <a:ea typeface="Arial" panose="020B0604020202020204" pitchFamily="34" charset="0"/>
-              </a:rPr>
-              <a:t> Bank API Developer</a:t>
+              <a:t>Batch : HDFC BANK API Developer</a:t>
             </a:r>
             <a:endParaRPr lang="en-IN" sz="1050" dirty="0">
               <a:effectLst/>
@@ -3932,10 +3918,10 @@
       </p:sp>
       <p:pic>
         <p:nvPicPr>
-          <p:cNvPr id="9" name="Picture 8">
-            <a:extLst>
-              <a:ext uri="{FF2B5EF4-FFF2-40B4-BE49-F238E27FC236}">
-                <a16:creationId xmlns:a16="http://schemas.microsoft.com/office/drawing/2014/main" id="{AEED53AD-0B10-455C-82D8-71B9D6034AE7}"/>
+          <p:cNvPr id="3" name="Picture 2">
+            <a:extLst>
+              <a:ext uri="{FF2B5EF4-FFF2-40B4-BE49-F238E27FC236}">
+                <a16:creationId xmlns:a16="http://schemas.microsoft.com/office/drawing/2014/main" id="{A309F8C1-5D2D-DE91-4D2C-42865E7B4CD0}"/>
               </a:ext>
             </a:extLst>
           </p:cNvPr>
@@ -3945,45 +3931,21 @@
           <p:nvPr/>
         </p:nvPicPr>
         <p:blipFill>
-          <a:blip r:embed="rId5"/>
+          <a:blip r:embed="rId5">
+            <a:extLst>
+              <a:ext uri="{28A0092B-C50C-407E-A947-70E740481C1C}">
+                <a14:useLocalDpi xmlns:a14="http://schemas.microsoft.com/office/drawing/2010/main" val="0"/>
+              </a:ext>
+            </a:extLst>
+          </a:blip>
           <a:stretch>
             <a:fillRect/>
           </a:stretch>
         </p:blipFill>
         <p:spPr>
           <a:xfrm>
-            <a:off x="4492486" y="1777029"/>
-            <a:ext cx="7699513" cy="4460725"/>
-          </a:xfrm>
-          <a:prstGeom prst="rect">
-            <a:avLst/>
-          </a:prstGeom>
-        </p:spPr>
-      </p:pic>
-      <p:pic>
-        <p:nvPicPr>
-          <p:cNvPr id="3" name="Picture 2">
-            <a:extLst>
-              <a:ext uri="{FF2B5EF4-FFF2-40B4-BE49-F238E27FC236}">
-                <a16:creationId xmlns:a16="http://schemas.microsoft.com/office/drawing/2014/main" id="{531D834A-FD1A-B269-05AA-80A647FC068F}"/>
-              </a:ext>
-            </a:extLst>
-          </p:cNvPr>
-          <p:cNvPicPr>
-            <a:picLocks noChangeAspect="1"/>
-          </p:cNvPicPr>
-          <p:nvPr/>
-        </p:nvPicPr>
-        <p:blipFill>
-          <a:blip r:embed="rId6"/>
-          <a:stretch>
-            <a:fillRect/>
-          </a:stretch>
-        </p:blipFill>
-        <p:spPr>
-          <a:xfrm>
-            <a:off x="0" y="2397274"/>
-            <a:ext cx="6183824" cy="4460725"/>
+            <a:off x="830580" y="1520189"/>
+            <a:ext cx="10530840" cy="4530753"/>
           </a:xfrm>
           <a:prstGeom prst="rect">
             <a:avLst/>
@@ -3993,7 +3955,7 @@
     </p:spTree>
     <p:extLst>
       <p:ext uri="{BB962C8B-B14F-4D97-AF65-F5344CB8AC3E}">
-        <p14:creationId xmlns:p14="http://schemas.microsoft.com/office/powerpoint/2010/main" val="80963539"/>
+        <p14:creationId xmlns:p14="http://schemas.microsoft.com/office/powerpoint/2010/main" val="294745817"/>
       </p:ext>
     </p:extLst>
   </p:cSld>
@@ -4006,6 +3968,11 @@
 <file path=ppt/slides/slide11.xml><?xml version="1.0" encoding="utf-8"?>
 <p:sld xmlns:a="http://schemas.openxmlformats.org/drawingml/2006/main" xmlns:r="http://schemas.openxmlformats.org/officeDocument/2006/relationships" xmlns:p="http://schemas.openxmlformats.org/presentationml/2006/main">
   <p:cSld>
+    <p:bg>
+      <p:bgRef idx="1001">
+        <a:schemeClr val="bg1"/>
+      </p:bgRef>
+    </p:bg>
     <p:spTree>
       <p:nvGrpSpPr>
         <p:cNvPr id="1" name=""/>
@@ -4035,7 +4002,7 @@
           <p:nvPr/>
         </p:nvPicPr>
         <p:blipFill>
-          <a:blip r:embed="rId2" cstate="email">
+          <a:blip r:embed="rId3" cstate="email">
             <a:extLst>
               <a:ext uri="{28A0092B-C50C-407E-A947-70E740481C1C}">
                 <a14:useLocalDpi xmlns:a14="http://schemas.microsoft.com/office/drawing/2010/main"/>
@@ -4114,7 +4081,7 @@
           <p:nvPr/>
         </p:nvPicPr>
         <p:blipFill>
-          <a:blip r:embed="rId3">
+          <a:blip r:embed="rId4">
             <a:extLst>
               <a:ext uri="{28A0092B-C50C-407E-A947-70E740481C1C}">
                 <a14:useLocalDpi xmlns:a14="http://schemas.microsoft.com/office/drawing/2010/main" val="0"/>
@@ -4178,114 +4145,80 @@
                 </a:solidFill>
                 <a:latin typeface="Times New Roman" panose="02020603050405020304" pitchFamily="18" charset="0"/>
               </a:rPr>
-              <a:t>Conclusion</a:t>
-            </a:r>
-          </a:p>
-        </p:txBody>
-      </p:sp>
-      <p:sp>
-        <p:nvSpPr>
-          <p:cNvPr id="7" name="TextBox 6">
-            <a:extLst>
-              <a:ext uri="{FF2B5EF4-FFF2-40B4-BE49-F238E27FC236}">
-                <a16:creationId xmlns:a16="http://schemas.microsoft.com/office/drawing/2014/main" id="{B4E07FE1-E878-E386-9DF4-34E931415690}"/>
-              </a:ext>
-            </a:extLst>
-          </p:cNvPr>
-          <p:cNvSpPr txBox="1"/>
-          <p:nvPr/>
-        </p:nvSpPr>
-        <p:spPr>
-          <a:xfrm>
-            <a:off x="490219" y="1349647"/>
-            <a:ext cx="10828019" cy="3603359"/>
+              <a:t>Deployment</a:t>
+            </a:r>
+          </a:p>
+        </p:txBody>
+      </p:sp>
+      <p:pic>
+        <p:nvPicPr>
+          <p:cNvPr id="9" name="Picture 8">
+            <a:extLst>
+              <a:ext uri="{FF2B5EF4-FFF2-40B4-BE49-F238E27FC236}">
+                <a16:creationId xmlns:a16="http://schemas.microsoft.com/office/drawing/2014/main" id="{AEED53AD-0B10-455C-82D8-71B9D6034AE7}"/>
+              </a:ext>
+            </a:extLst>
+          </p:cNvPr>
+          <p:cNvPicPr>
+            <a:picLocks noChangeAspect="1"/>
+          </p:cNvPicPr>
+          <p:nvPr/>
+        </p:nvPicPr>
+        <p:blipFill>
+          <a:blip r:embed="rId5"/>
+          <a:stretch>
+            <a:fillRect/>
+          </a:stretch>
+        </p:blipFill>
+        <p:spPr>
+          <a:xfrm>
+            <a:off x="4492486" y="1777029"/>
+            <a:ext cx="7699513" cy="4460725"/>
           </a:xfrm>
           <a:prstGeom prst="rect">
             <a:avLst/>
           </a:prstGeom>
-          <a:noFill/>
-        </p:spPr>
-        <p:txBody>
-          <a:bodyPr wrap="square">
-            <a:spAutoFit/>
-          </a:bodyPr>
-          <a:lstStyle/>
-          <a:p>
-            <a:pPr marL="342900" indent="-342900" algn="just">
-              <a:lnSpc>
-                <a:spcPct val="115000"/>
-              </a:lnSpc>
-              <a:buFont typeface="Wingdings" panose="05000000000000000000" pitchFamily="2" charset="2"/>
-              <a:buChar char="ü"/>
-            </a:pPr>
-            <a:r>
-              <a:rPr lang="en-US" sz="2000" dirty="0">
-                <a:effectLst/>
-                <a:latin typeface="Times New Roman" panose="02020603050405020304" pitchFamily="18" charset="0"/>
-                <a:ea typeface="Arial" panose="020B0604020202020204" pitchFamily="34" charset="0"/>
-                <a:cs typeface="Times New Roman" panose="02020603050405020304" pitchFamily="18" charset="0"/>
-              </a:rPr>
-              <a:t>The Employee web service project, in conclusion, is a comprehensive solution that enables users to query employee information by ID, exposes the web service as an HTTPS endpoint with a self-signed certificate, encrypts sensitive data, and containerizes the service for deployment on Kubernetes.</a:t>
-            </a:r>
-          </a:p>
-          <a:p>
-            <a:pPr marL="342900" indent="-342900" algn="just">
-              <a:lnSpc>
-                <a:spcPct val="115000"/>
-              </a:lnSpc>
-              <a:buFont typeface="Wingdings" panose="05000000000000000000" pitchFamily="2" charset="2"/>
-              <a:buChar char="ü"/>
-            </a:pPr>
-            <a:r>
-              <a:rPr lang="en-US" sz="2000" dirty="0">
-                <a:effectLst/>
-                <a:latin typeface="Times New Roman" panose="02020603050405020304" pitchFamily="18" charset="0"/>
-                <a:ea typeface="Arial" panose="020B0604020202020204" pitchFamily="34" charset="0"/>
-                <a:cs typeface="Times New Roman" panose="02020603050405020304" pitchFamily="18" charset="0"/>
-              </a:rPr>
-              <a:t>This project demonstrates the development of a full-stack solution using modern technologies such as Spring Boot, Java, Kubernetes, and Jenkins. It also demonstrates the value of testing, particularly unit testing and API testing, during the development process.</a:t>
-            </a:r>
-            <a:endParaRPr lang="en-US" sz="2000" dirty="0">
-              <a:latin typeface="Times New Roman" panose="02020603050405020304" pitchFamily="18" charset="0"/>
-              <a:ea typeface="Arial" panose="020B0604020202020204" pitchFamily="34" charset="0"/>
-              <a:cs typeface="Times New Roman" panose="02020603050405020304" pitchFamily="18" charset="0"/>
-            </a:endParaRPr>
-          </a:p>
-          <a:p>
-            <a:pPr marL="342900" indent="-342900" algn="just">
-              <a:lnSpc>
-                <a:spcPct val="115000"/>
-              </a:lnSpc>
-              <a:buFont typeface="Wingdings" panose="05000000000000000000" pitchFamily="2" charset="2"/>
-              <a:buChar char="ü"/>
-            </a:pPr>
-            <a:r>
-              <a:rPr lang="en-US" sz="2000" dirty="0">
-                <a:effectLst/>
-                <a:latin typeface="Times New Roman" panose="02020603050405020304" pitchFamily="18" charset="0"/>
-                <a:ea typeface="Arial" panose="020B0604020202020204" pitchFamily="34" charset="0"/>
-                <a:cs typeface="Times New Roman" panose="02020603050405020304" pitchFamily="18" charset="0"/>
-              </a:rPr>
-              <a:t>Overall, this project offers a real-world illustration of how to create a reliable and secure web service that can be used in a variety of fields, such as human resources, payroll administration, and employee performance assessment.</a:t>
-            </a:r>
-            <a:endParaRPr lang="en-IN" sz="2000" dirty="0">
-              <a:effectLst/>
-              <a:latin typeface="Times New Roman" panose="02020603050405020304" pitchFamily="18" charset="0"/>
-              <a:ea typeface="Arial" panose="020B0604020202020204" pitchFamily="34" charset="0"/>
-              <a:cs typeface="Times New Roman" panose="02020603050405020304" pitchFamily="18" charset="0"/>
-            </a:endParaRPr>
-          </a:p>
-        </p:txBody>
-      </p:sp>
+        </p:spPr>
+      </p:pic>
+      <p:pic>
+        <p:nvPicPr>
+          <p:cNvPr id="3" name="Picture 2">
+            <a:extLst>
+              <a:ext uri="{FF2B5EF4-FFF2-40B4-BE49-F238E27FC236}">
+                <a16:creationId xmlns:a16="http://schemas.microsoft.com/office/drawing/2014/main" id="{531D834A-FD1A-B269-05AA-80A647FC068F}"/>
+              </a:ext>
+            </a:extLst>
+          </p:cNvPr>
+          <p:cNvPicPr>
+            <a:picLocks noChangeAspect="1"/>
+          </p:cNvPicPr>
+          <p:nvPr/>
+        </p:nvPicPr>
+        <p:blipFill>
+          <a:blip r:embed="rId6"/>
+          <a:stretch>
+            <a:fillRect/>
+          </a:stretch>
+        </p:blipFill>
+        <p:spPr>
+          <a:xfrm>
+            <a:off x="0" y="2397274"/>
+            <a:ext cx="6183824" cy="4460725"/>
+          </a:xfrm>
+          <a:prstGeom prst="rect">
+            <a:avLst/>
+          </a:prstGeom>
+        </p:spPr>
+      </p:pic>
     </p:spTree>
     <p:extLst>
       <p:ext uri="{BB962C8B-B14F-4D97-AF65-F5344CB8AC3E}">
-        <p14:creationId xmlns:p14="http://schemas.microsoft.com/office/powerpoint/2010/main" val="984102935"/>
+        <p14:creationId xmlns:p14="http://schemas.microsoft.com/office/powerpoint/2010/main" val="80963539"/>
       </p:ext>
     </p:extLst>
   </p:cSld>
   <p:clrMapOvr>
-    <a:masterClrMapping/>
+    <a:overrideClrMapping bg1="lt1" tx1="dk1" bg2="lt2" tx2="dk2" accent1="accent1" accent2="accent2" accent3="accent3" accent4="accent4" accent5="accent5" accent6="accent6" hlink="hlink" folHlink="folHlink"/>
   </p:clrMapOvr>
 </p:sld>
 </file>
@@ -4293,6 +4226,11 @@
 <file path=ppt/slides/slide12.xml><?xml version="1.0" encoding="utf-8"?>
 <p:sld xmlns:a="http://schemas.openxmlformats.org/drawingml/2006/main" xmlns:r="http://schemas.openxmlformats.org/officeDocument/2006/relationships" xmlns:p="http://schemas.openxmlformats.org/presentationml/2006/main">
   <p:cSld>
+    <p:bg>
+      <p:bgRef idx="1001">
+        <a:schemeClr val="bg1"/>
+      </p:bgRef>
+    </p:bg>
     <p:spTree>
       <p:nvGrpSpPr>
         <p:cNvPr id="1" name=""/>
@@ -4322,7 +4260,7 @@
           <p:nvPr/>
         </p:nvPicPr>
         <p:blipFill>
-          <a:blip r:embed="rId2" cstate="email">
+          <a:blip r:embed="rId3" cstate="email">
             <a:extLst>
               <a:ext uri="{28A0092B-C50C-407E-A947-70E740481C1C}">
                 <a14:useLocalDpi xmlns:a14="http://schemas.microsoft.com/office/drawing/2010/main"/>
@@ -4335,7 +4273,7 @@
         </p:blipFill>
         <p:spPr>
           <a:xfrm flipH="1">
-            <a:off x="0" y="-20320"/>
+            <a:off x="0" y="0"/>
             <a:ext cx="12192000" cy="6858000"/>
           </a:xfrm>
           <a:prstGeom prst="rect">
@@ -4401,7 +4339,7 @@
           <p:nvPr/>
         </p:nvPicPr>
         <p:blipFill>
-          <a:blip r:embed="rId3">
+          <a:blip r:embed="rId4">
             <a:extLst>
               <a:ext uri="{28A0092B-C50C-407E-A947-70E740481C1C}">
                 <a14:useLocalDpi xmlns:a14="http://schemas.microsoft.com/office/drawing/2010/main" val="0"/>
@@ -4465,171 +4403,50 @@
                 </a:solidFill>
                 <a:latin typeface="Times New Roman" panose="02020603050405020304" pitchFamily="18" charset="0"/>
               </a:rPr>
-              <a:t>Future Work</a:t>
-            </a:r>
-          </a:p>
-        </p:txBody>
-      </p:sp>
-      <p:sp>
-        <p:nvSpPr>
-          <p:cNvPr id="7" name="TextBox 6">
-            <a:extLst>
-              <a:ext uri="{FF2B5EF4-FFF2-40B4-BE49-F238E27FC236}">
-                <a16:creationId xmlns:a16="http://schemas.microsoft.com/office/drawing/2014/main" id="{7A00B694-CE8C-1B3C-6470-234A7FE34C41}"/>
-              </a:ext>
-            </a:extLst>
-          </p:cNvPr>
-          <p:cNvSpPr txBox="1"/>
-          <p:nvPr/>
-        </p:nvSpPr>
-        <p:spPr>
-          <a:xfrm>
-            <a:off x="490219" y="1349647"/>
-            <a:ext cx="10737018" cy="4526496"/>
+              <a:t>Deployment</a:t>
+            </a:r>
+          </a:p>
+        </p:txBody>
+      </p:sp>
+      <p:pic>
+        <p:nvPicPr>
+          <p:cNvPr id="7" name="Picture 6">
+            <a:extLst>
+              <a:ext uri="{FF2B5EF4-FFF2-40B4-BE49-F238E27FC236}">
+                <a16:creationId xmlns:a16="http://schemas.microsoft.com/office/drawing/2014/main" id="{69E2C031-AD08-8AEB-D8AF-02D0A98A2370}"/>
+              </a:ext>
+            </a:extLst>
+          </p:cNvPr>
+          <p:cNvPicPr>
+            <a:picLocks noChangeAspect="1"/>
+          </p:cNvPicPr>
+          <p:nvPr/>
+        </p:nvPicPr>
+        <p:blipFill>
+          <a:blip r:embed="rId5"/>
+          <a:stretch>
+            <a:fillRect/>
+          </a:stretch>
+        </p:blipFill>
+        <p:spPr>
+          <a:xfrm>
+            <a:off x="1226398" y="1573369"/>
+            <a:ext cx="9739204" cy="4429866"/>
           </a:xfrm>
           <a:prstGeom prst="rect">
             <a:avLst/>
           </a:prstGeom>
-          <a:noFill/>
-        </p:spPr>
-        <p:txBody>
-          <a:bodyPr wrap="square">
-            <a:spAutoFit/>
-          </a:bodyPr>
-          <a:lstStyle/>
-          <a:p>
-            <a:pPr algn="just">
-              <a:lnSpc>
-                <a:spcPct val="115000"/>
-              </a:lnSpc>
-            </a:pPr>
-            <a:r>
-              <a:rPr lang="en-US" b="1" dirty="0">
-                <a:effectLst/>
-                <a:latin typeface="Times New Roman" panose="02020603050405020304" pitchFamily="18" charset="0"/>
-                <a:ea typeface="Arial" panose="020B0604020202020204" pitchFamily="34" charset="0"/>
-                <a:cs typeface="Times New Roman" panose="02020603050405020304" pitchFamily="18" charset="0"/>
-              </a:rPr>
-              <a:t>Authorization and Authentication: </a:t>
-            </a:r>
-            <a:r>
-              <a:rPr lang="en-US" dirty="0">
-                <a:effectLst/>
-                <a:latin typeface="Times New Roman" panose="02020603050405020304" pitchFamily="18" charset="0"/>
-                <a:ea typeface="Arial" panose="020B0604020202020204" pitchFamily="34" charset="0"/>
-                <a:cs typeface="Times New Roman" panose="02020603050405020304" pitchFamily="18" charset="0"/>
-              </a:rPr>
-              <a:t>The web service currently lacks any authorization or authentication procedures. Using authentication and permission would improve service security by ensuring that only authorized users have access to sensitive employee data.</a:t>
-            </a:r>
-          </a:p>
-          <a:p>
-            <a:pPr algn="just">
-              <a:lnSpc>
-                <a:spcPct val="115000"/>
-              </a:lnSpc>
-            </a:pPr>
-            <a:r>
-              <a:rPr lang="en-US" b="1" dirty="0">
-                <a:effectLst/>
-                <a:latin typeface="Times New Roman" panose="02020603050405020304" pitchFamily="18" charset="0"/>
-                <a:ea typeface="Arial" panose="020B0604020202020204" pitchFamily="34" charset="0"/>
-                <a:cs typeface="Times New Roman" panose="02020603050405020304" pitchFamily="18" charset="0"/>
-              </a:rPr>
-              <a:t>Caching: </a:t>
-            </a:r>
-            <a:r>
-              <a:rPr lang="en-US" dirty="0">
-                <a:effectLst/>
-                <a:latin typeface="Times New Roman" panose="02020603050405020304" pitchFamily="18" charset="0"/>
-                <a:ea typeface="Arial" panose="020B0604020202020204" pitchFamily="34" charset="0"/>
-                <a:cs typeface="Times New Roman" panose="02020603050405020304" pitchFamily="18" charset="0"/>
-              </a:rPr>
-              <a:t>By lowering the number of database queries, caching can be implemented to the web service to increase speed. This would help to minimize response time and improve service scalability.</a:t>
-            </a:r>
-          </a:p>
-          <a:p>
-            <a:pPr algn="just">
-              <a:lnSpc>
-                <a:spcPct val="115000"/>
-              </a:lnSpc>
-            </a:pPr>
-            <a:r>
-              <a:rPr lang="en-US" b="1" dirty="0">
-                <a:effectLst/>
-                <a:latin typeface="Times New Roman" panose="02020603050405020304" pitchFamily="18" charset="0"/>
-                <a:ea typeface="Arial" panose="020B0604020202020204" pitchFamily="34" charset="0"/>
-                <a:cs typeface="Times New Roman" panose="02020603050405020304" pitchFamily="18" charset="0"/>
-              </a:rPr>
-              <a:t>Authorization and Authentication: </a:t>
-            </a:r>
-            <a:r>
-              <a:rPr lang="en-US" dirty="0">
-                <a:effectLst/>
-                <a:latin typeface="Times New Roman" panose="02020603050405020304" pitchFamily="18" charset="0"/>
-                <a:ea typeface="Arial" panose="020B0604020202020204" pitchFamily="34" charset="0"/>
-                <a:cs typeface="Times New Roman" panose="02020603050405020304" pitchFamily="18" charset="0"/>
-              </a:rPr>
-              <a:t>The web service currently lacks any authorization or authentication procedures. Using authentication and permission would improve service security by ensuring that only authorized users have access to sensitive employee data.</a:t>
-            </a:r>
-          </a:p>
-          <a:p>
-            <a:pPr algn="just">
-              <a:lnSpc>
-                <a:spcPct val="115000"/>
-              </a:lnSpc>
-            </a:pPr>
-            <a:r>
-              <a:rPr lang="en-US" b="1" dirty="0">
-                <a:effectLst/>
-                <a:latin typeface="Times New Roman" panose="02020603050405020304" pitchFamily="18" charset="0"/>
-                <a:ea typeface="Arial" panose="020B0604020202020204" pitchFamily="34" charset="0"/>
-                <a:cs typeface="Times New Roman" panose="02020603050405020304" pitchFamily="18" charset="0"/>
-              </a:rPr>
-              <a:t>API Documentation</a:t>
-            </a:r>
-            <a:r>
-              <a:rPr lang="en-US" dirty="0">
-                <a:effectLst/>
-                <a:latin typeface="Times New Roman" panose="02020603050405020304" pitchFamily="18" charset="0"/>
-                <a:ea typeface="Arial" panose="020B0604020202020204" pitchFamily="34" charset="0"/>
-                <a:cs typeface="Times New Roman" panose="02020603050405020304" pitchFamily="18" charset="0"/>
-              </a:rPr>
-              <a:t>: Creating detailed documentation for the online service. APIs can help developers understand and use a service more easily. This can improve public key infrastructure (PKI) and digital certificates, which can provide more robust and scalable security mechanisms than SSL. PKI can provide secure authentication and encryption of data in transit, as well as a way for confirming the server and client identities.</a:t>
-            </a:r>
-          </a:p>
-          <a:p>
-            <a:pPr algn="just">
-              <a:lnSpc>
-                <a:spcPct val="115000"/>
-              </a:lnSpc>
-            </a:pPr>
-            <a:r>
-              <a:rPr lang="en-US" dirty="0">
-                <a:effectLst/>
-                <a:latin typeface="Times New Roman" panose="02020603050405020304" pitchFamily="18" charset="0"/>
-                <a:ea typeface="Arial" panose="020B0604020202020204" pitchFamily="34" charset="0"/>
-                <a:cs typeface="Times New Roman" panose="02020603050405020304" pitchFamily="18" charset="0"/>
-              </a:rPr>
-              <a:t>Overall, these future work areas can improve the Employee web service's functionality, usability, and scalability, making it a more valuable tool for enterprises and organizations.</a:t>
-            </a:r>
-            <a:endParaRPr lang="en-IN" dirty="0">
-              <a:effectLst/>
-              <a:latin typeface="Times New Roman" panose="02020603050405020304" pitchFamily="18" charset="0"/>
-              <a:ea typeface="Arial" panose="020B0604020202020204" pitchFamily="34" charset="0"/>
-              <a:cs typeface="Times New Roman" panose="02020603050405020304" pitchFamily="18" charset="0"/>
-            </a:endParaRPr>
-          </a:p>
-        </p:txBody>
-      </p:sp>
+        </p:spPr>
+      </p:pic>
     </p:spTree>
     <p:extLst>
       <p:ext uri="{BB962C8B-B14F-4D97-AF65-F5344CB8AC3E}">
-        <p14:creationId xmlns:p14="http://schemas.microsoft.com/office/powerpoint/2010/main" val="3984528251"/>
+        <p14:creationId xmlns:p14="http://schemas.microsoft.com/office/powerpoint/2010/main" val="2439485029"/>
       </p:ext>
     </p:extLst>
   </p:cSld>
   <p:clrMapOvr>
-    <a:masterClrMapping/>
+    <a:overrideClrMapping bg1="lt1" tx1="dk1" bg2="lt2" tx2="dk2" accent1="accent1" accent2="accent2" accent3="accent3" accent4="accent4" accent5="accent5" accent6="accent6" hlink="hlink" folHlink="folHlink"/>
   </p:clrMapOvr>
 </p:sld>
 </file>
@@ -4809,6 +4626,637 @@
                 </a:solidFill>
                 <a:latin typeface="Times New Roman" panose="02020603050405020304" pitchFamily="18" charset="0"/>
               </a:rPr>
+              <a:t>Conclusion</a:t>
+            </a:r>
+          </a:p>
+        </p:txBody>
+      </p:sp>
+      <p:sp>
+        <p:nvSpPr>
+          <p:cNvPr id="7" name="TextBox 6">
+            <a:extLst>
+              <a:ext uri="{FF2B5EF4-FFF2-40B4-BE49-F238E27FC236}">
+                <a16:creationId xmlns:a16="http://schemas.microsoft.com/office/drawing/2014/main" id="{B4E07FE1-E878-E386-9DF4-34E931415690}"/>
+              </a:ext>
+            </a:extLst>
+          </p:cNvPr>
+          <p:cNvSpPr txBox="1"/>
+          <p:nvPr/>
+        </p:nvSpPr>
+        <p:spPr>
+          <a:xfrm>
+            <a:off x="490219" y="1349647"/>
+            <a:ext cx="10828019" cy="3603359"/>
+          </a:xfrm>
+          <a:prstGeom prst="rect">
+            <a:avLst/>
+          </a:prstGeom>
+          <a:noFill/>
+        </p:spPr>
+        <p:txBody>
+          <a:bodyPr wrap="square">
+            <a:spAutoFit/>
+          </a:bodyPr>
+          <a:lstStyle/>
+          <a:p>
+            <a:pPr marL="342900" indent="-342900" algn="just">
+              <a:lnSpc>
+                <a:spcPct val="115000"/>
+              </a:lnSpc>
+              <a:buFont typeface="Wingdings" panose="05000000000000000000" pitchFamily="2" charset="2"/>
+              <a:buChar char="ü"/>
+            </a:pPr>
+            <a:r>
+              <a:rPr lang="en-US" sz="2000" dirty="0">
+                <a:effectLst/>
+                <a:latin typeface="Times New Roman" panose="02020603050405020304" pitchFamily="18" charset="0"/>
+                <a:ea typeface="Arial" panose="020B0604020202020204" pitchFamily="34" charset="0"/>
+                <a:cs typeface="Times New Roman" panose="02020603050405020304" pitchFamily="18" charset="0"/>
+              </a:rPr>
+              <a:t>The Employee web service project, in conclusion, is a comprehensive solution that enables users to query employee information by ID, exposes the web service as an HTTPS endpoint with a self-signed certificate, encrypts sensitive data, and containerizes the service for deployment on Kubernetes.</a:t>
+            </a:r>
+          </a:p>
+          <a:p>
+            <a:pPr marL="342900" indent="-342900" algn="just">
+              <a:lnSpc>
+                <a:spcPct val="115000"/>
+              </a:lnSpc>
+              <a:buFont typeface="Wingdings" panose="05000000000000000000" pitchFamily="2" charset="2"/>
+              <a:buChar char="ü"/>
+            </a:pPr>
+            <a:r>
+              <a:rPr lang="en-US" sz="2000" dirty="0">
+                <a:effectLst/>
+                <a:latin typeface="Times New Roman" panose="02020603050405020304" pitchFamily="18" charset="0"/>
+                <a:ea typeface="Arial" panose="020B0604020202020204" pitchFamily="34" charset="0"/>
+                <a:cs typeface="Times New Roman" panose="02020603050405020304" pitchFamily="18" charset="0"/>
+              </a:rPr>
+              <a:t>This project demonstrates the development of a full-stack solution using modern technologies such as Spring Boot, Java, Kubernetes, and Jenkins. It also demonstrates the value of testing, particularly unit testing and API testing, during the development process.</a:t>
+            </a:r>
+            <a:endParaRPr lang="en-US" sz="2000" dirty="0">
+              <a:latin typeface="Times New Roman" panose="02020603050405020304" pitchFamily="18" charset="0"/>
+              <a:ea typeface="Arial" panose="020B0604020202020204" pitchFamily="34" charset="0"/>
+              <a:cs typeface="Times New Roman" panose="02020603050405020304" pitchFamily="18" charset="0"/>
+            </a:endParaRPr>
+          </a:p>
+          <a:p>
+            <a:pPr marL="342900" indent="-342900" algn="just">
+              <a:lnSpc>
+                <a:spcPct val="115000"/>
+              </a:lnSpc>
+              <a:buFont typeface="Wingdings" panose="05000000000000000000" pitchFamily="2" charset="2"/>
+              <a:buChar char="ü"/>
+            </a:pPr>
+            <a:r>
+              <a:rPr lang="en-US" sz="2000" dirty="0">
+                <a:effectLst/>
+                <a:latin typeface="Times New Roman" panose="02020603050405020304" pitchFamily="18" charset="0"/>
+                <a:ea typeface="Arial" panose="020B0604020202020204" pitchFamily="34" charset="0"/>
+                <a:cs typeface="Times New Roman" panose="02020603050405020304" pitchFamily="18" charset="0"/>
+              </a:rPr>
+              <a:t>Overall, this project offers a real-world illustration of how to create a reliable and secure web service that can be used in a variety of fields, such as human resources, payroll administration, and employee performance assessment.</a:t>
+            </a:r>
+            <a:endParaRPr lang="en-IN" sz="2000" dirty="0">
+              <a:effectLst/>
+              <a:latin typeface="Times New Roman" panose="02020603050405020304" pitchFamily="18" charset="0"/>
+              <a:ea typeface="Arial" panose="020B0604020202020204" pitchFamily="34" charset="0"/>
+              <a:cs typeface="Times New Roman" panose="02020603050405020304" pitchFamily="18" charset="0"/>
+            </a:endParaRPr>
+          </a:p>
+        </p:txBody>
+      </p:sp>
+    </p:spTree>
+    <p:extLst>
+      <p:ext uri="{BB962C8B-B14F-4D97-AF65-F5344CB8AC3E}">
+        <p14:creationId xmlns:p14="http://schemas.microsoft.com/office/powerpoint/2010/main" val="984102935"/>
+      </p:ext>
+    </p:extLst>
+  </p:cSld>
+  <p:clrMapOvr>
+    <a:masterClrMapping/>
+  </p:clrMapOvr>
+</p:sld>
+</file>
+
+<file path=ppt/slides/slide14.xml><?xml version="1.0" encoding="utf-8"?>
+<p:sld xmlns:a="http://schemas.openxmlformats.org/drawingml/2006/main" xmlns:r="http://schemas.openxmlformats.org/officeDocument/2006/relationships" xmlns:p="http://schemas.openxmlformats.org/presentationml/2006/main">
+  <p:cSld>
+    <p:spTree>
+      <p:nvGrpSpPr>
+        <p:cNvPr id="1" name=""/>
+        <p:cNvGrpSpPr/>
+        <p:nvPr/>
+      </p:nvGrpSpPr>
+      <p:grpSpPr>
+        <a:xfrm>
+          <a:off x="0" y="0"/>
+          <a:ext cx="0" cy="0"/>
+          <a:chOff x="0" y="0"/>
+          <a:chExt cx="0" cy="0"/>
+        </a:xfrm>
+      </p:grpSpPr>
+      <p:pic>
+        <p:nvPicPr>
+          <p:cNvPr id="4" name="Picture 3">
+            <a:extLst>
+              <a:ext uri="{FF2B5EF4-FFF2-40B4-BE49-F238E27FC236}">
+                <a16:creationId xmlns:a16="http://schemas.microsoft.com/office/drawing/2014/main" id="{3893C3C6-E6B4-0EAA-6168-B66B664B265B}"/>
+              </a:ext>
+            </a:extLst>
+          </p:cNvPr>
+          <p:cNvPicPr>
+            <a:picLocks noGrp="1" noRot="1" noChangeAspect="1" noMove="1" noResize="1" noEditPoints="1" noAdjustHandles="1" noChangeArrowheads="1" noChangeShapeType="1" noCrop="1"/>
+          </p:cNvPicPr>
+          <p:nvPr/>
+        </p:nvPicPr>
+        <p:blipFill>
+          <a:blip r:embed="rId2" cstate="email">
+            <a:extLst>
+              <a:ext uri="{28A0092B-C50C-407E-A947-70E740481C1C}">
+                <a14:useLocalDpi xmlns:a14="http://schemas.microsoft.com/office/drawing/2010/main"/>
+              </a:ext>
+            </a:extLst>
+          </a:blip>
+          <a:stretch>
+            <a:fillRect/>
+          </a:stretch>
+        </p:blipFill>
+        <p:spPr>
+          <a:xfrm flipH="1">
+            <a:off x="0" y="-20320"/>
+            <a:ext cx="12192000" cy="6858000"/>
+          </a:xfrm>
+          <a:prstGeom prst="rect">
+            <a:avLst/>
+          </a:prstGeom>
+        </p:spPr>
+      </p:pic>
+      <p:cxnSp>
+        <p:nvCxnSpPr>
+          <p:cNvPr id="5" name="Straight Connector 4">
+            <a:extLst>
+              <a:ext uri="{FF2B5EF4-FFF2-40B4-BE49-F238E27FC236}">
+                <a16:creationId xmlns:a16="http://schemas.microsoft.com/office/drawing/2014/main" id="{6317BEF4-F659-05B0-B884-5FBC9950BC38}"/>
+              </a:ext>
+            </a:extLst>
+          </p:cNvPr>
+          <p:cNvCxnSpPr>
+            <a:cxnSpLocks/>
+          </p:cNvCxnSpPr>
+          <p:nvPr/>
+        </p:nvCxnSpPr>
+        <p:spPr>
+          <a:xfrm>
+            <a:off x="2404113" y="383848"/>
+            <a:ext cx="0" cy="429893"/>
+          </a:xfrm>
+          <a:prstGeom prst="line">
+            <a:avLst/>
+          </a:prstGeom>
+          <a:ln w="12700">
+            <a:solidFill>
+              <a:srgbClr val="DD4F22"/>
+            </a:solidFill>
+          </a:ln>
+        </p:spPr>
+        <p:style>
+          <a:lnRef idx="1">
+            <a:schemeClr val="accent1"/>
+          </a:lnRef>
+          <a:fillRef idx="0">
+            <a:schemeClr val="accent1"/>
+          </a:fillRef>
+          <a:effectRef idx="0">
+            <a:schemeClr val="accent1"/>
+          </a:effectRef>
+          <a:fontRef idx="minor">
+            <a:schemeClr val="tx1"/>
+          </a:fontRef>
+        </p:style>
+      </p:cxnSp>
+      <p:pic>
+        <p:nvPicPr>
+          <p:cNvPr id="6" name="Picture 5">
+            <a:extLst>
+              <a:ext uri="{FF2B5EF4-FFF2-40B4-BE49-F238E27FC236}">
+                <a16:creationId xmlns:a16="http://schemas.microsoft.com/office/drawing/2014/main" id="{4C8E9BB0-02EA-460A-EDCE-9CB013DFF909}"/>
+              </a:ext>
+            </a:extLst>
+          </p:cNvPr>
+          <p:cNvPicPr>
+            <a:picLocks noGrp="1" noRot="1" noChangeAspect="1" noMove="1" noResize="1" noEditPoints="1" noAdjustHandles="1" noChangeArrowheads="1" noChangeShapeType="1" noCrop="1"/>
+          </p:cNvPicPr>
+          <p:nvPr/>
+        </p:nvPicPr>
+        <p:blipFill>
+          <a:blip r:embed="rId3">
+            <a:extLst>
+              <a:ext uri="{28A0092B-C50C-407E-A947-70E740481C1C}">
+                <a14:useLocalDpi xmlns:a14="http://schemas.microsoft.com/office/drawing/2010/main" val="0"/>
+              </a:ext>
+            </a:extLst>
+          </a:blip>
+          <a:srcRect/>
+          <a:stretch/>
+        </p:blipFill>
+        <p:spPr>
+          <a:xfrm>
+            <a:off x="217505" y="338023"/>
+            <a:ext cx="1963465" cy="521544"/>
+          </a:xfrm>
+          <a:prstGeom prst="rect">
+            <a:avLst/>
+          </a:prstGeom>
+        </p:spPr>
+      </p:pic>
+      <p:sp>
+        <p:nvSpPr>
+          <p:cNvPr id="8" name="TextBox 7">
+            <a:extLst>
+              <a:ext uri="{FF2B5EF4-FFF2-40B4-BE49-F238E27FC236}">
+                <a16:creationId xmlns:a16="http://schemas.microsoft.com/office/drawing/2014/main" id="{83A5D50A-7BF5-47B2-27E6-96AA33171B2B}"/>
+              </a:ext>
+            </a:extLst>
+          </p:cNvPr>
+          <p:cNvSpPr txBox="1">
+            <a:spLocks noGrp="1" noRot="1" noMove="1" noResize="1" noEditPoints="1" noAdjustHandles="1" noChangeArrowheads="1" noChangeShapeType="1"/>
+          </p:cNvSpPr>
+          <p:nvPr/>
+        </p:nvSpPr>
+        <p:spPr>
+          <a:xfrm>
+            <a:off x="2499360" y="383848"/>
+            <a:ext cx="8818879" cy="483017"/>
+          </a:xfrm>
+          <a:prstGeom prst="rect">
+            <a:avLst/>
+          </a:prstGeom>
+          <a:solidFill>
+            <a:srgbClr val="FF6709"/>
+          </a:solidFill>
+        </p:spPr>
+        <p:txBody>
+          <a:bodyPr wrap="square" rtlCol="0">
+            <a:spAutoFit/>
+          </a:bodyPr>
+          <a:lstStyle/>
+          <a:p>
+            <a:pPr>
+              <a:lnSpc>
+                <a:spcPct val="115000"/>
+              </a:lnSpc>
+            </a:pPr>
+            <a:r>
+              <a:rPr lang="en-IN" sz="2400" b="1" dirty="0">
+                <a:solidFill>
+                  <a:schemeClr val="bg1"/>
+                </a:solidFill>
+                <a:latin typeface="Times New Roman" panose="02020603050405020304" pitchFamily="18" charset="0"/>
+              </a:rPr>
+              <a:t>Future Work</a:t>
+            </a:r>
+          </a:p>
+        </p:txBody>
+      </p:sp>
+      <p:sp>
+        <p:nvSpPr>
+          <p:cNvPr id="7" name="TextBox 6">
+            <a:extLst>
+              <a:ext uri="{FF2B5EF4-FFF2-40B4-BE49-F238E27FC236}">
+                <a16:creationId xmlns:a16="http://schemas.microsoft.com/office/drawing/2014/main" id="{7A00B694-CE8C-1B3C-6470-234A7FE34C41}"/>
+              </a:ext>
+            </a:extLst>
+          </p:cNvPr>
+          <p:cNvSpPr txBox="1"/>
+          <p:nvPr/>
+        </p:nvSpPr>
+        <p:spPr>
+          <a:xfrm>
+            <a:off x="490219" y="1349647"/>
+            <a:ext cx="10737018" cy="4526496"/>
+          </a:xfrm>
+          <a:prstGeom prst="rect">
+            <a:avLst/>
+          </a:prstGeom>
+          <a:noFill/>
+        </p:spPr>
+        <p:txBody>
+          <a:bodyPr wrap="square">
+            <a:spAutoFit/>
+          </a:bodyPr>
+          <a:lstStyle/>
+          <a:p>
+            <a:pPr algn="just">
+              <a:lnSpc>
+                <a:spcPct val="115000"/>
+              </a:lnSpc>
+            </a:pPr>
+            <a:r>
+              <a:rPr lang="en-US" b="1" dirty="0">
+                <a:effectLst/>
+                <a:latin typeface="Times New Roman" panose="02020603050405020304" pitchFamily="18" charset="0"/>
+                <a:ea typeface="Arial" panose="020B0604020202020204" pitchFamily="34" charset="0"/>
+                <a:cs typeface="Times New Roman" panose="02020603050405020304" pitchFamily="18" charset="0"/>
+              </a:rPr>
+              <a:t>Authorization and Authentication: </a:t>
+            </a:r>
+            <a:r>
+              <a:rPr lang="en-US" dirty="0">
+                <a:effectLst/>
+                <a:latin typeface="Times New Roman" panose="02020603050405020304" pitchFamily="18" charset="0"/>
+                <a:ea typeface="Arial" panose="020B0604020202020204" pitchFamily="34" charset="0"/>
+                <a:cs typeface="Times New Roman" panose="02020603050405020304" pitchFamily="18" charset="0"/>
+              </a:rPr>
+              <a:t>The web service currently lacks any authorization or authentication procedures. Using authentication and permission would improve service security by ensuring that only authorized users have access to sensitive employee data.</a:t>
+            </a:r>
+          </a:p>
+          <a:p>
+            <a:pPr algn="just">
+              <a:lnSpc>
+                <a:spcPct val="115000"/>
+              </a:lnSpc>
+            </a:pPr>
+            <a:r>
+              <a:rPr lang="en-US" b="1" dirty="0">
+                <a:effectLst/>
+                <a:latin typeface="Times New Roman" panose="02020603050405020304" pitchFamily="18" charset="0"/>
+                <a:ea typeface="Arial" panose="020B0604020202020204" pitchFamily="34" charset="0"/>
+                <a:cs typeface="Times New Roman" panose="02020603050405020304" pitchFamily="18" charset="0"/>
+              </a:rPr>
+              <a:t>Caching: </a:t>
+            </a:r>
+            <a:r>
+              <a:rPr lang="en-US" dirty="0">
+                <a:effectLst/>
+                <a:latin typeface="Times New Roman" panose="02020603050405020304" pitchFamily="18" charset="0"/>
+                <a:ea typeface="Arial" panose="020B0604020202020204" pitchFamily="34" charset="0"/>
+                <a:cs typeface="Times New Roman" panose="02020603050405020304" pitchFamily="18" charset="0"/>
+              </a:rPr>
+              <a:t>By lowering the number of database queries, caching can be implemented to the web service to increase speed. This would help to minimize response time and improve service scalability.</a:t>
+            </a:r>
+          </a:p>
+          <a:p>
+            <a:pPr algn="just">
+              <a:lnSpc>
+                <a:spcPct val="115000"/>
+              </a:lnSpc>
+            </a:pPr>
+            <a:r>
+              <a:rPr lang="en-US" b="1" dirty="0">
+                <a:effectLst/>
+                <a:latin typeface="Times New Roman" panose="02020603050405020304" pitchFamily="18" charset="0"/>
+                <a:ea typeface="Arial" panose="020B0604020202020204" pitchFamily="34" charset="0"/>
+                <a:cs typeface="Times New Roman" panose="02020603050405020304" pitchFamily="18" charset="0"/>
+              </a:rPr>
+              <a:t>Authorization and Authentication: </a:t>
+            </a:r>
+            <a:r>
+              <a:rPr lang="en-US" dirty="0">
+                <a:effectLst/>
+                <a:latin typeface="Times New Roman" panose="02020603050405020304" pitchFamily="18" charset="0"/>
+                <a:ea typeface="Arial" panose="020B0604020202020204" pitchFamily="34" charset="0"/>
+                <a:cs typeface="Times New Roman" panose="02020603050405020304" pitchFamily="18" charset="0"/>
+              </a:rPr>
+              <a:t>The web service currently lacks any authorization or authentication procedures. Using authentication and permission would improve service security by ensuring that only authorized users have access to sensitive employee data.</a:t>
+            </a:r>
+          </a:p>
+          <a:p>
+            <a:pPr algn="just">
+              <a:lnSpc>
+                <a:spcPct val="115000"/>
+              </a:lnSpc>
+            </a:pPr>
+            <a:r>
+              <a:rPr lang="en-US" b="1" dirty="0">
+                <a:effectLst/>
+                <a:latin typeface="Times New Roman" panose="02020603050405020304" pitchFamily="18" charset="0"/>
+                <a:ea typeface="Arial" panose="020B0604020202020204" pitchFamily="34" charset="0"/>
+                <a:cs typeface="Times New Roman" panose="02020603050405020304" pitchFamily="18" charset="0"/>
+              </a:rPr>
+              <a:t>API Documentation</a:t>
+            </a:r>
+            <a:r>
+              <a:rPr lang="en-US" dirty="0">
+                <a:effectLst/>
+                <a:latin typeface="Times New Roman" panose="02020603050405020304" pitchFamily="18" charset="0"/>
+                <a:ea typeface="Arial" panose="020B0604020202020204" pitchFamily="34" charset="0"/>
+                <a:cs typeface="Times New Roman" panose="02020603050405020304" pitchFamily="18" charset="0"/>
+              </a:rPr>
+              <a:t>: Creating detailed documentation for the online service. APIs can help developers understand and use a service more easily. This can improve public key infrastructure (PKI) and digital certificates, which can provide more robust and scalable security mechanisms than SSL. PKI can provide secure authentication and encryption of data in transit, as well as a way for confirming the server and client identities.</a:t>
+            </a:r>
+          </a:p>
+          <a:p>
+            <a:pPr algn="just">
+              <a:lnSpc>
+                <a:spcPct val="115000"/>
+              </a:lnSpc>
+            </a:pPr>
+            <a:r>
+              <a:rPr lang="en-US" dirty="0">
+                <a:effectLst/>
+                <a:latin typeface="Times New Roman" panose="02020603050405020304" pitchFamily="18" charset="0"/>
+                <a:ea typeface="Arial" panose="020B0604020202020204" pitchFamily="34" charset="0"/>
+                <a:cs typeface="Times New Roman" panose="02020603050405020304" pitchFamily="18" charset="0"/>
+              </a:rPr>
+              <a:t>Overall, these future work areas can improve the Employee web service's functionality, usability, and scalability, making it a more valuable tool for enterprises and organizations.</a:t>
+            </a:r>
+            <a:endParaRPr lang="en-IN" dirty="0">
+              <a:effectLst/>
+              <a:latin typeface="Times New Roman" panose="02020603050405020304" pitchFamily="18" charset="0"/>
+              <a:ea typeface="Arial" panose="020B0604020202020204" pitchFamily="34" charset="0"/>
+              <a:cs typeface="Times New Roman" panose="02020603050405020304" pitchFamily="18" charset="0"/>
+            </a:endParaRPr>
+          </a:p>
+        </p:txBody>
+      </p:sp>
+    </p:spTree>
+    <p:extLst>
+      <p:ext uri="{BB962C8B-B14F-4D97-AF65-F5344CB8AC3E}">
+        <p14:creationId xmlns:p14="http://schemas.microsoft.com/office/powerpoint/2010/main" val="3984528251"/>
+      </p:ext>
+    </p:extLst>
+  </p:cSld>
+  <p:clrMapOvr>
+    <a:masterClrMapping/>
+  </p:clrMapOvr>
+</p:sld>
+</file>
+
+<file path=ppt/slides/slide15.xml><?xml version="1.0" encoding="utf-8"?>
+<p:sld xmlns:a="http://schemas.openxmlformats.org/drawingml/2006/main" xmlns:r="http://schemas.openxmlformats.org/officeDocument/2006/relationships" xmlns:p="http://schemas.openxmlformats.org/presentationml/2006/main">
+  <p:cSld>
+    <p:spTree>
+      <p:nvGrpSpPr>
+        <p:cNvPr id="1" name=""/>
+        <p:cNvGrpSpPr/>
+        <p:nvPr/>
+      </p:nvGrpSpPr>
+      <p:grpSpPr>
+        <a:xfrm>
+          <a:off x="0" y="0"/>
+          <a:ext cx="0" cy="0"/>
+          <a:chOff x="0" y="0"/>
+          <a:chExt cx="0" cy="0"/>
+        </a:xfrm>
+      </p:grpSpPr>
+      <p:pic>
+        <p:nvPicPr>
+          <p:cNvPr id="4" name="Picture 3">
+            <a:extLst>
+              <a:ext uri="{FF2B5EF4-FFF2-40B4-BE49-F238E27FC236}">
+                <a16:creationId xmlns:a16="http://schemas.microsoft.com/office/drawing/2014/main" id="{3893C3C6-E6B4-0EAA-6168-B66B664B265B}"/>
+              </a:ext>
+            </a:extLst>
+          </p:cNvPr>
+          <p:cNvPicPr>
+            <a:picLocks noGrp="1" noRot="1" noChangeAspect="1" noMove="1" noResize="1" noEditPoints="1" noAdjustHandles="1" noChangeArrowheads="1" noChangeShapeType="1" noCrop="1"/>
+          </p:cNvPicPr>
+          <p:nvPr/>
+        </p:nvPicPr>
+        <p:blipFill>
+          <a:blip r:embed="rId2" cstate="email">
+            <a:extLst>
+              <a:ext uri="{28A0092B-C50C-407E-A947-70E740481C1C}">
+                <a14:useLocalDpi xmlns:a14="http://schemas.microsoft.com/office/drawing/2010/main"/>
+              </a:ext>
+            </a:extLst>
+          </a:blip>
+          <a:stretch>
+            <a:fillRect/>
+          </a:stretch>
+        </p:blipFill>
+        <p:spPr>
+          <a:xfrm flipH="1">
+            <a:off x="0" y="0"/>
+            <a:ext cx="12192000" cy="6858000"/>
+          </a:xfrm>
+          <a:prstGeom prst="rect">
+            <a:avLst/>
+          </a:prstGeom>
+        </p:spPr>
+      </p:pic>
+      <p:cxnSp>
+        <p:nvCxnSpPr>
+          <p:cNvPr id="5" name="Straight Connector 4">
+            <a:extLst>
+              <a:ext uri="{FF2B5EF4-FFF2-40B4-BE49-F238E27FC236}">
+                <a16:creationId xmlns:a16="http://schemas.microsoft.com/office/drawing/2014/main" id="{6317BEF4-F659-05B0-B884-5FBC9950BC38}"/>
+              </a:ext>
+            </a:extLst>
+          </p:cNvPr>
+          <p:cNvCxnSpPr>
+            <a:cxnSpLocks/>
+          </p:cNvCxnSpPr>
+          <p:nvPr/>
+        </p:nvCxnSpPr>
+        <p:spPr>
+          <a:xfrm>
+            <a:off x="2404113" y="383848"/>
+            <a:ext cx="0" cy="429893"/>
+          </a:xfrm>
+          <a:prstGeom prst="line">
+            <a:avLst/>
+          </a:prstGeom>
+          <a:ln w="12700">
+            <a:solidFill>
+              <a:srgbClr val="DD4F22"/>
+            </a:solidFill>
+          </a:ln>
+        </p:spPr>
+        <p:style>
+          <a:lnRef idx="1">
+            <a:schemeClr val="accent1"/>
+          </a:lnRef>
+          <a:fillRef idx="0">
+            <a:schemeClr val="accent1"/>
+          </a:fillRef>
+          <a:effectRef idx="0">
+            <a:schemeClr val="accent1"/>
+          </a:effectRef>
+          <a:fontRef idx="minor">
+            <a:schemeClr val="tx1"/>
+          </a:fontRef>
+        </p:style>
+      </p:cxnSp>
+      <p:pic>
+        <p:nvPicPr>
+          <p:cNvPr id="6" name="Picture 5">
+            <a:extLst>
+              <a:ext uri="{FF2B5EF4-FFF2-40B4-BE49-F238E27FC236}">
+                <a16:creationId xmlns:a16="http://schemas.microsoft.com/office/drawing/2014/main" id="{4C8E9BB0-02EA-460A-EDCE-9CB013DFF909}"/>
+              </a:ext>
+            </a:extLst>
+          </p:cNvPr>
+          <p:cNvPicPr>
+            <a:picLocks noGrp="1" noRot="1" noChangeAspect="1" noMove="1" noResize="1" noEditPoints="1" noAdjustHandles="1" noChangeArrowheads="1" noChangeShapeType="1" noCrop="1"/>
+          </p:cNvPicPr>
+          <p:nvPr/>
+        </p:nvPicPr>
+        <p:blipFill>
+          <a:blip r:embed="rId3">
+            <a:extLst>
+              <a:ext uri="{28A0092B-C50C-407E-A947-70E740481C1C}">
+                <a14:useLocalDpi xmlns:a14="http://schemas.microsoft.com/office/drawing/2010/main" val="0"/>
+              </a:ext>
+            </a:extLst>
+          </a:blip>
+          <a:srcRect/>
+          <a:stretch/>
+        </p:blipFill>
+        <p:spPr>
+          <a:xfrm>
+            <a:off x="217505" y="338023"/>
+            <a:ext cx="1963465" cy="521544"/>
+          </a:xfrm>
+          <a:prstGeom prst="rect">
+            <a:avLst/>
+          </a:prstGeom>
+        </p:spPr>
+      </p:pic>
+      <p:sp>
+        <p:nvSpPr>
+          <p:cNvPr id="8" name="TextBox 7">
+            <a:extLst>
+              <a:ext uri="{FF2B5EF4-FFF2-40B4-BE49-F238E27FC236}">
+                <a16:creationId xmlns:a16="http://schemas.microsoft.com/office/drawing/2014/main" id="{83A5D50A-7BF5-47B2-27E6-96AA33171B2B}"/>
+              </a:ext>
+            </a:extLst>
+          </p:cNvPr>
+          <p:cNvSpPr txBox="1">
+            <a:spLocks noGrp="1" noRot="1" noMove="1" noResize="1" noEditPoints="1" noAdjustHandles="1" noChangeArrowheads="1" noChangeShapeType="1"/>
+          </p:cNvSpPr>
+          <p:nvPr/>
+        </p:nvSpPr>
+        <p:spPr>
+          <a:xfrm>
+            <a:off x="2499360" y="383848"/>
+            <a:ext cx="8818879" cy="483017"/>
+          </a:xfrm>
+          <a:prstGeom prst="rect">
+            <a:avLst/>
+          </a:prstGeom>
+          <a:solidFill>
+            <a:srgbClr val="FF6709"/>
+          </a:solidFill>
+        </p:spPr>
+        <p:txBody>
+          <a:bodyPr wrap="square" rtlCol="0">
+            <a:spAutoFit/>
+          </a:bodyPr>
+          <a:lstStyle/>
+          <a:p>
+            <a:pPr>
+              <a:lnSpc>
+                <a:spcPct val="115000"/>
+              </a:lnSpc>
+            </a:pPr>
+            <a:r>
+              <a:rPr lang="en-IN" sz="2400" b="1" dirty="0">
+                <a:solidFill>
+                  <a:schemeClr val="bg1"/>
+                </a:solidFill>
+                <a:latin typeface="Times New Roman" panose="02020603050405020304" pitchFamily="18" charset="0"/>
+              </a:rPr>
               <a:t>References</a:t>
             </a:r>
           </a:p>
@@ -5136,7 +5584,7 @@
 </p:sld>
 </file>
 
-<file path=ppt/slides/slide14.xml><?xml version="1.0" encoding="utf-8"?>
+<file path=ppt/slides/slide16.xml><?xml version="1.0" encoding="utf-8"?>
 <p:sld xmlns:a="http://schemas.openxmlformats.org/drawingml/2006/main" xmlns:r="http://schemas.openxmlformats.org/officeDocument/2006/relationships" xmlns:p="http://schemas.openxmlformats.org/presentationml/2006/main">
   <p:cSld>
     <p:spTree>
@@ -6155,7 +6603,7 @@
         <p:spPr>
           <a:xfrm>
             <a:off x="672122" y="1430215"/>
-            <a:ext cx="10550757" cy="5016758"/>
+            <a:ext cx="10550757" cy="3785652"/>
           </a:xfrm>
           <a:prstGeom prst="rect">
             <a:avLst/>
@@ -6428,31 +6876,8 @@
                 <a:latin typeface="Times New Roman" panose="02020603050405020304" pitchFamily="18" charset="0"/>
                 <a:cs typeface="Times New Roman" panose="02020603050405020304" pitchFamily="18" charset="0"/>
               </a:rPr>
-              <a:t> field is encrypted using AES-256.</a:t>
-            </a:r>
-          </a:p>
-          <a:p>
-            <a:pPr marL="342900" indent="-342900">
-              <a:buFont typeface="Wingdings" panose="05000000000000000000" pitchFamily="2" charset="2"/>
-              <a:buChar char="ü"/>
-            </a:pPr>
-            <a:r>
-              <a:rPr lang="en-US" sz="2000" dirty="0">
-                <a:solidFill>
-                  <a:srgbClr val="252525"/>
-                </a:solidFill>
-                <a:effectLst/>
-                <a:latin typeface="Times New Roman" panose="02020603050405020304" pitchFamily="18" charset="0"/>
-                <a:cs typeface="Times New Roman" panose="02020603050405020304" pitchFamily="18" charset="0"/>
-              </a:rPr>
-              <a:t>Finally, a containerized version of the web service is created and deployed on Kubernetes with three instances, and the client program is utilized to call the containerized version of the web service.</a:t>
-            </a:r>
-          </a:p>
-          <a:p>
-            <a:endParaRPr lang="en-IN" sz="2000" dirty="0">
-              <a:latin typeface="Times New Roman" panose="02020603050405020304" pitchFamily="18" charset="0"/>
-              <a:cs typeface="Times New Roman" panose="02020603050405020304" pitchFamily="18" charset="0"/>
-            </a:endParaRPr>
+              <a:t> field is encrypted using AES.</a:t>
+            </a:r>
           </a:p>
         </p:txBody>
       </p:sp>
@@ -6669,7 +7094,7 @@
         <p:spPr>
           <a:xfrm>
             <a:off x="217505" y="1256467"/>
-            <a:ext cx="10441354" cy="5601533"/>
+            <a:ext cx="10441354" cy="4401205"/>
           </a:xfrm>
           <a:prstGeom prst="rect">
             <a:avLst/>
@@ -6839,7 +7264,7 @@
                 <a:latin typeface="Times New Roman" panose="02020603050405020304" pitchFamily="18" charset="0"/>
                 <a:cs typeface="Times New Roman" panose="02020603050405020304" pitchFamily="18" charset="0"/>
               </a:rPr>
-              <a:t>To access the web service, a separate Java client program is created. The web service is modified to use AES-256 to encrypt the </a:t>
+              <a:t>To access the web service, a separate Java client program is created. The web service is modified to use AES to encrypt the </a:t>
             </a:r>
             <a:r>
               <a:rPr lang="en-US" sz="2000" dirty="0" err="1">
@@ -6855,22 +7280,6 @@
               </a:rPr>
               <a:t>, and the client program is changed to decrypt this encrypted value.</a:t>
             </a:r>
-          </a:p>
-          <a:p>
-            <a:pPr marL="342900" indent="-342900">
-              <a:buFont typeface="Wingdings" panose="05000000000000000000" pitchFamily="2" charset="2"/>
-              <a:buChar char="Ø"/>
-            </a:pPr>
-            <a:r>
-              <a:rPr lang="en-US" sz="2000" dirty="0">
-                <a:latin typeface="Times New Roman" panose="02020603050405020304" pitchFamily="18" charset="0"/>
-                <a:cs typeface="Times New Roman" panose="02020603050405020304" pitchFamily="18" charset="0"/>
-              </a:rPr>
-              <a:t>Finally, a containerized version of the web service is built and deployed on Kubernetes, with three instances operating. This containerized version of the web service will be accessed using the same or similar client program.</a:t>
-            </a:r>
-          </a:p>
-          <a:p>
-            <a:endParaRPr lang="en-IN" dirty="0"/>
           </a:p>
         </p:txBody>
       </p:sp>
@@ -7072,90 +7481,12 @@
           </a:p>
         </p:txBody>
       </p:sp>
-      <p:sp>
-        <p:nvSpPr>
-          <p:cNvPr id="12" name="TextBox 11">
-            <a:extLst>
-              <a:ext uri="{FF2B5EF4-FFF2-40B4-BE49-F238E27FC236}">
-                <a16:creationId xmlns:a16="http://schemas.microsoft.com/office/drawing/2014/main" id="{C3A848F4-256B-27E9-685C-92FD91078EAE}"/>
-              </a:ext>
-            </a:extLst>
-          </p:cNvPr>
-          <p:cNvSpPr txBox="1"/>
-          <p:nvPr/>
-        </p:nvSpPr>
-        <p:spPr>
-          <a:xfrm>
-            <a:off x="976924" y="1367692"/>
-            <a:ext cx="10341316" cy="1661993"/>
-          </a:xfrm>
-          <a:prstGeom prst="rect">
-            <a:avLst/>
-          </a:prstGeom>
-          <a:noFill/>
-        </p:spPr>
-        <p:txBody>
-          <a:bodyPr wrap="square" rtlCol="0">
-            <a:spAutoFit/>
-          </a:bodyPr>
-          <a:lstStyle/>
-          <a:p>
-            <a:pPr>
-              <a:lnSpc>
-                <a:spcPct val="150000"/>
-              </a:lnSpc>
-            </a:pPr>
-            <a:r>
-              <a:rPr lang="en-US" sz="2000" b="1" dirty="0">
-                <a:latin typeface="Times New Roman" panose="02020603050405020304" pitchFamily="18" charset="0"/>
-                <a:cs typeface="Times New Roman" panose="02020603050405020304" pitchFamily="18" charset="0"/>
-              </a:rPr>
-              <a:t>Database:</a:t>
-            </a:r>
-          </a:p>
-          <a:p>
-            <a:pPr marL="285750" indent="-285750">
-              <a:lnSpc>
-                <a:spcPct val="150000"/>
-              </a:lnSpc>
-              <a:buFont typeface="Wingdings" panose="05000000000000000000" pitchFamily="2" charset="2"/>
-              <a:buChar char="ü"/>
-            </a:pPr>
-            <a:r>
-              <a:rPr lang="en-US" dirty="0">
-                <a:latin typeface="Times New Roman" panose="02020603050405020304" pitchFamily="18" charset="0"/>
-                <a:cs typeface="Times New Roman" panose="02020603050405020304" pitchFamily="18" charset="0"/>
-              </a:rPr>
-              <a:t>MySQL is used for this project to create &amp; store employee data.</a:t>
-            </a:r>
-          </a:p>
-          <a:p>
-            <a:pPr marL="285750" indent="-285750">
-              <a:lnSpc>
-                <a:spcPct val="150000"/>
-              </a:lnSpc>
-              <a:buFont typeface="Wingdings" panose="05000000000000000000" pitchFamily="2" charset="2"/>
-              <a:buChar char="ü"/>
-            </a:pPr>
-            <a:r>
-              <a:rPr lang="en-US" dirty="0">
-                <a:latin typeface="Times New Roman" panose="02020603050405020304" pitchFamily="18" charset="0"/>
-                <a:cs typeface="Times New Roman" panose="02020603050405020304" pitchFamily="18" charset="0"/>
-              </a:rPr>
-              <a:t>3 columns given below figure shows.</a:t>
-            </a:r>
-          </a:p>
-          <a:p>
-            <a:endParaRPr lang="en-IN" dirty="0"/>
-          </a:p>
-        </p:txBody>
-      </p:sp>
       <p:pic>
         <p:nvPicPr>
-          <p:cNvPr id="7" name="Picture 6">
-            <a:extLst>
-              <a:ext uri="{FF2B5EF4-FFF2-40B4-BE49-F238E27FC236}">
-                <a16:creationId xmlns:a16="http://schemas.microsoft.com/office/drawing/2014/main" id="{ACEE1B0E-2058-1E8C-5301-76C535FF6B6C}"/>
+          <p:cNvPr id="3" name="Picture 2">
+            <a:extLst>
+              <a:ext uri="{FF2B5EF4-FFF2-40B4-BE49-F238E27FC236}">
+                <a16:creationId xmlns:a16="http://schemas.microsoft.com/office/drawing/2014/main" id="{BC4D97B0-B3E0-9609-12C6-3EC455D55227}"/>
               </a:ext>
             </a:extLst>
           </p:cNvPr>
@@ -7172,18 +7503,118 @@
         </p:blipFill>
         <p:spPr>
           <a:xfrm>
-            <a:off x="1457773" y="3137855"/>
-            <a:ext cx="8449552" cy="2563230"/>
+            <a:off x="1589466" y="1225327"/>
+            <a:ext cx="2514818" cy="5503263"/>
           </a:xfrm>
           <a:prstGeom prst="rect">
             <a:avLst/>
           </a:prstGeom>
         </p:spPr>
       </p:pic>
+      <p:sp>
+        <p:nvSpPr>
+          <p:cNvPr id="9" name="TextBox 8">
+            <a:extLst>
+              <a:ext uri="{FF2B5EF4-FFF2-40B4-BE49-F238E27FC236}">
+                <a16:creationId xmlns:a16="http://schemas.microsoft.com/office/drawing/2014/main" id="{C91B3E7F-B9FD-DACF-D771-241AAD38E67F}"/>
+              </a:ext>
+            </a:extLst>
+          </p:cNvPr>
+          <p:cNvSpPr txBox="1"/>
+          <p:nvPr/>
+        </p:nvSpPr>
+        <p:spPr>
+          <a:xfrm>
+            <a:off x="290945" y="2826327"/>
+            <a:ext cx="1963465" cy="646331"/>
+          </a:xfrm>
+          <a:prstGeom prst="rect">
+            <a:avLst/>
+          </a:prstGeom>
+          <a:noFill/>
+        </p:spPr>
+        <p:txBody>
+          <a:bodyPr wrap="square" rtlCol="0">
+            <a:spAutoFit/>
+          </a:bodyPr>
+          <a:lstStyle/>
+          <a:p>
+            <a:r>
+              <a:rPr lang="en-IN" dirty="0"/>
+              <a:t>USECASE DIAGRAM</a:t>
+            </a:r>
+          </a:p>
+        </p:txBody>
+      </p:sp>
+      <p:pic>
+        <p:nvPicPr>
+          <p:cNvPr id="11" name="Picture 10">
+            <a:extLst>
+              <a:ext uri="{FF2B5EF4-FFF2-40B4-BE49-F238E27FC236}">
+                <a16:creationId xmlns:a16="http://schemas.microsoft.com/office/drawing/2014/main" id="{F73F00FA-124A-7CCC-1EF3-46EFF28E5FB0}"/>
+              </a:ext>
+            </a:extLst>
+          </p:cNvPr>
+          <p:cNvPicPr>
+            <a:picLocks noChangeAspect="1"/>
+          </p:cNvPicPr>
+          <p:nvPr/>
+        </p:nvPicPr>
+        <p:blipFill>
+          <a:blip r:embed="rId5"/>
+          <a:stretch>
+            <a:fillRect/>
+          </a:stretch>
+        </p:blipFill>
+        <p:spPr>
+          <a:xfrm>
+            <a:off x="6932772" y="1182845"/>
+            <a:ext cx="4122777" cy="5545745"/>
+          </a:xfrm>
+          <a:prstGeom prst="rect">
+            <a:avLst/>
+          </a:prstGeom>
+        </p:spPr>
+      </p:pic>
+      <p:sp>
+        <p:nvSpPr>
+          <p:cNvPr id="13" name="TextBox 12">
+            <a:extLst>
+              <a:ext uri="{FF2B5EF4-FFF2-40B4-BE49-F238E27FC236}">
+                <a16:creationId xmlns:a16="http://schemas.microsoft.com/office/drawing/2014/main" id="{93283A91-D476-956E-F12E-721863068AB4}"/>
+              </a:ext>
+            </a:extLst>
+          </p:cNvPr>
+          <p:cNvSpPr txBox="1"/>
+          <p:nvPr/>
+        </p:nvSpPr>
+        <p:spPr>
+          <a:xfrm>
+            <a:off x="5586153" y="2826326"/>
+            <a:ext cx="1479666" cy="646331"/>
+          </a:xfrm>
+          <a:prstGeom prst="rect">
+            <a:avLst/>
+          </a:prstGeom>
+          <a:noFill/>
+        </p:spPr>
+        <p:txBody>
+          <a:bodyPr wrap="square" rtlCol="0">
+            <a:spAutoFit/>
+          </a:bodyPr>
+          <a:lstStyle/>
+          <a:p>
+            <a:r>
+              <a:rPr lang="en-IN" dirty="0"/>
+              <a:t>SEQUENCE DIAGRAM</a:t>
+            </a:r>
+          </a:p>
+        </p:txBody>
+      </p:sp>
     </p:spTree>
     <p:extLst>
       <p:ext uri="{BB962C8B-B14F-4D97-AF65-F5344CB8AC3E}">
-        <p14:creationId xmlns:p14="http://schemas.microsoft.com/office/powerpoint/2010/main" val="41928864"/>
+        <p14:creationId xmlns:p14="http://schemas.microsoft.com/office/powerpoint/2010/main" val="2833504818"/>
       </p:ext>
     </p:extLst>
   </p:cSld>
@@ -7238,7 +7669,7 @@
         </p:blipFill>
         <p:spPr>
           <a:xfrm flipH="1">
-            <a:off x="0" y="0"/>
+            <a:off x="0" y="18088"/>
             <a:ext cx="12192000" cy="6858000"/>
           </a:xfrm>
           <a:prstGeom prst="rect">
@@ -7378,12 +7809,90 @@
           </a:p>
         </p:txBody>
       </p:sp>
+      <p:sp>
+        <p:nvSpPr>
+          <p:cNvPr id="12" name="TextBox 11">
+            <a:extLst>
+              <a:ext uri="{FF2B5EF4-FFF2-40B4-BE49-F238E27FC236}">
+                <a16:creationId xmlns:a16="http://schemas.microsoft.com/office/drawing/2014/main" id="{C3A848F4-256B-27E9-685C-92FD91078EAE}"/>
+              </a:ext>
+            </a:extLst>
+          </p:cNvPr>
+          <p:cNvSpPr txBox="1"/>
+          <p:nvPr/>
+        </p:nvSpPr>
+        <p:spPr>
+          <a:xfrm>
+            <a:off x="976924" y="1367692"/>
+            <a:ext cx="10341316" cy="1661993"/>
+          </a:xfrm>
+          <a:prstGeom prst="rect">
+            <a:avLst/>
+          </a:prstGeom>
+          <a:noFill/>
+        </p:spPr>
+        <p:txBody>
+          <a:bodyPr wrap="square" rtlCol="0">
+            <a:spAutoFit/>
+          </a:bodyPr>
+          <a:lstStyle/>
+          <a:p>
+            <a:pPr>
+              <a:lnSpc>
+                <a:spcPct val="150000"/>
+              </a:lnSpc>
+            </a:pPr>
+            <a:r>
+              <a:rPr lang="en-US" sz="2000" b="1" dirty="0">
+                <a:latin typeface="Times New Roman" panose="02020603050405020304" pitchFamily="18" charset="0"/>
+                <a:cs typeface="Times New Roman" panose="02020603050405020304" pitchFamily="18" charset="0"/>
+              </a:rPr>
+              <a:t>Database:</a:t>
+            </a:r>
+          </a:p>
+          <a:p>
+            <a:pPr marL="285750" indent="-285750">
+              <a:lnSpc>
+                <a:spcPct val="150000"/>
+              </a:lnSpc>
+              <a:buFont typeface="Wingdings" panose="05000000000000000000" pitchFamily="2" charset="2"/>
+              <a:buChar char="ü"/>
+            </a:pPr>
+            <a:r>
+              <a:rPr lang="en-US" dirty="0">
+                <a:latin typeface="Times New Roman" panose="02020603050405020304" pitchFamily="18" charset="0"/>
+                <a:cs typeface="Times New Roman" panose="02020603050405020304" pitchFamily="18" charset="0"/>
+              </a:rPr>
+              <a:t>MySQL is used for this project to create &amp; store employee data.</a:t>
+            </a:r>
+          </a:p>
+          <a:p>
+            <a:pPr marL="285750" indent="-285750">
+              <a:lnSpc>
+                <a:spcPct val="150000"/>
+              </a:lnSpc>
+              <a:buFont typeface="Wingdings" panose="05000000000000000000" pitchFamily="2" charset="2"/>
+              <a:buChar char="ü"/>
+            </a:pPr>
+            <a:r>
+              <a:rPr lang="en-US" dirty="0">
+                <a:latin typeface="Times New Roman" panose="02020603050405020304" pitchFamily="18" charset="0"/>
+                <a:cs typeface="Times New Roman" panose="02020603050405020304" pitchFamily="18" charset="0"/>
+              </a:rPr>
+              <a:t>3 columns given below figure shows.</a:t>
+            </a:r>
+          </a:p>
+          <a:p>
+            <a:endParaRPr lang="en-IN" dirty="0"/>
+          </a:p>
+        </p:txBody>
+      </p:sp>
       <p:pic>
         <p:nvPicPr>
-          <p:cNvPr id="10" name="Picture 9">
-            <a:extLst>
-              <a:ext uri="{FF2B5EF4-FFF2-40B4-BE49-F238E27FC236}">
-                <a16:creationId xmlns:a16="http://schemas.microsoft.com/office/drawing/2014/main" id="{EB67A49B-A95A-E4ED-4754-E2D51D03EAE3}"/>
+          <p:cNvPr id="7" name="Picture 6">
+            <a:extLst>
+              <a:ext uri="{FF2B5EF4-FFF2-40B4-BE49-F238E27FC236}">
+                <a16:creationId xmlns:a16="http://schemas.microsoft.com/office/drawing/2014/main" id="{ACEE1B0E-2058-1E8C-5301-76C535FF6B6C}"/>
               </a:ext>
             </a:extLst>
           </p:cNvPr>
@@ -7400,70 +7909,18 @@
         </p:blipFill>
         <p:spPr>
           <a:xfrm>
-            <a:off x="1998756" y="1723728"/>
-            <a:ext cx="8194487" cy="4796249"/>
+            <a:off x="1457773" y="3137855"/>
+            <a:ext cx="8449552" cy="2563230"/>
           </a:xfrm>
           <a:prstGeom prst="rect">
             <a:avLst/>
           </a:prstGeom>
-          <a:ln>
-            <a:noFill/>
-          </a:ln>
-          <a:effectLst>
-            <a:outerShdw blurRad="292100" dist="139700" dir="2700000" algn="tl" rotWithShape="0">
-              <a:srgbClr val="333333">
-                <a:alpha val="65000"/>
-              </a:srgbClr>
-            </a:outerShdw>
-          </a:effectLst>
         </p:spPr>
       </p:pic>
-      <p:sp>
-        <p:nvSpPr>
-          <p:cNvPr id="11" name="TextBox 10">
-            <a:extLst>
-              <a:ext uri="{FF2B5EF4-FFF2-40B4-BE49-F238E27FC236}">
-                <a16:creationId xmlns:a16="http://schemas.microsoft.com/office/drawing/2014/main" id="{EE34CE33-65EA-0659-8353-213937BA2758}"/>
-              </a:ext>
-            </a:extLst>
-          </p:cNvPr>
-          <p:cNvSpPr txBox="1"/>
-          <p:nvPr/>
-        </p:nvSpPr>
-        <p:spPr>
-          <a:xfrm>
-            <a:off x="623462" y="1099836"/>
-            <a:ext cx="3751796" cy="707886"/>
-          </a:xfrm>
-          <a:prstGeom prst="rect">
-            <a:avLst/>
-          </a:prstGeom>
-          <a:noFill/>
-        </p:spPr>
-        <p:txBody>
-          <a:bodyPr wrap="none" rtlCol="0">
-            <a:spAutoFit/>
-          </a:bodyPr>
-          <a:lstStyle/>
-          <a:p>
-            <a:r>
-              <a:rPr lang="en-IN" sz="2200" b="0" i="0" dirty="0">
-                <a:effectLst/>
-                <a:latin typeface="Times New Roman" panose="02020603050405020304" pitchFamily="18" charset="0"/>
-                <a:cs typeface="Times New Roman" panose="02020603050405020304" pitchFamily="18" charset="0"/>
-              </a:rPr>
-              <a:t>Spring Boot Flow Architecture:</a:t>
-            </a:r>
-          </a:p>
-          <a:p>
-            <a:endParaRPr lang="en-IN" dirty="0"/>
-          </a:p>
-        </p:txBody>
-      </p:sp>
     </p:spTree>
     <p:extLst>
       <p:ext uri="{BB962C8B-B14F-4D97-AF65-F5344CB8AC3E}">
-        <p14:creationId xmlns:p14="http://schemas.microsoft.com/office/powerpoint/2010/main" val="1207346346"/>
+        <p14:creationId xmlns:p14="http://schemas.microsoft.com/office/powerpoint/2010/main" val="41928864"/>
       </p:ext>
     </p:extLst>
   </p:cSld>
@@ -7658,1389 +8115,52 @@
           </a:p>
         </p:txBody>
       </p:sp>
-      <p:sp>
-        <p:nvSpPr>
-          <p:cNvPr id="2" name="Rectangle: Rounded Corners 1">
-            <a:extLst>
-              <a:ext uri="{FF2B5EF4-FFF2-40B4-BE49-F238E27FC236}">
-                <a16:creationId xmlns:a16="http://schemas.microsoft.com/office/drawing/2014/main" id="{CE44D926-3D4E-B637-8510-2039D9E3F35E}"/>
-              </a:ext>
-            </a:extLst>
-          </p:cNvPr>
-          <p:cNvSpPr/>
-          <p:nvPr/>
-        </p:nvSpPr>
-        <p:spPr>
-          <a:xfrm>
-            <a:off x="1084536" y="1855302"/>
-            <a:ext cx="1963463" cy="758093"/>
-          </a:xfrm>
-          <a:prstGeom prst="roundRect">
-            <a:avLst/>
-          </a:prstGeom>
-        </p:spPr>
-        <p:style>
-          <a:lnRef idx="2">
-            <a:schemeClr val="accent2">
-              <a:shade val="50000"/>
-            </a:schemeClr>
-          </a:lnRef>
-          <a:fillRef idx="1">
-            <a:schemeClr val="accent2"/>
-          </a:fillRef>
-          <a:effectRef idx="0">
-            <a:schemeClr val="accent2"/>
-          </a:effectRef>
-          <a:fontRef idx="minor">
-            <a:schemeClr val="lt1"/>
-          </a:fontRef>
-        </p:style>
-        <p:txBody>
-          <a:bodyPr rtlCol="0" anchor="ctr"/>
-          <a:lstStyle/>
-          <a:p>
-            <a:r>
-              <a:rPr lang="en-IN" dirty="0">
-                <a:ln w="0"/>
-                <a:solidFill>
-                  <a:schemeClr val="tx1"/>
-                </a:solidFill>
-                <a:effectLst>
-                  <a:outerShdw blurRad="38100" dist="19050" dir="2700000" algn="tl" rotWithShape="0">
-                    <a:schemeClr val="dk1">
-                      <a:alpha val="40000"/>
-                    </a:schemeClr>
-                  </a:outerShdw>
-                </a:effectLst>
-                <a:latin typeface="Times New Roman" panose="02020603050405020304" pitchFamily="18" charset="0"/>
-                <a:cs typeface="Times New Roman" panose="02020603050405020304" pitchFamily="18" charset="0"/>
-              </a:rPr>
-              <a:t>Spring Boot App</a:t>
-            </a:r>
-          </a:p>
-        </p:txBody>
-      </p:sp>
-      <p:sp>
-        <p:nvSpPr>
-          <p:cNvPr id="3" name="Rectangle: Rounded Corners 2">
-            <a:extLst>
-              <a:ext uri="{FF2B5EF4-FFF2-40B4-BE49-F238E27FC236}">
-                <a16:creationId xmlns:a16="http://schemas.microsoft.com/office/drawing/2014/main" id="{4BF3623C-A179-B1EA-89B4-0D59CEDDE1BD}"/>
-              </a:ext>
-            </a:extLst>
-          </p:cNvPr>
-          <p:cNvSpPr/>
-          <p:nvPr/>
-        </p:nvSpPr>
-        <p:spPr>
-          <a:xfrm>
-            <a:off x="3590267" y="1829341"/>
-            <a:ext cx="1963463" cy="758093"/>
-          </a:xfrm>
-          <a:prstGeom prst="roundRect">
-            <a:avLst/>
-          </a:prstGeom>
-        </p:spPr>
-        <p:style>
-          <a:lnRef idx="2">
-            <a:schemeClr val="accent2">
-              <a:shade val="50000"/>
-            </a:schemeClr>
-          </a:lnRef>
-          <a:fillRef idx="1">
-            <a:schemeClr val="accent2"/>
-          </a:fillRef>
-          <a:effectRef idx="0">
-            <a:schemeClr val="accent2"/>
-          </a:effectRef>
-          <a:fontRef idx="minor">
-            <a:schemeClr val="lt1"/>
-          </a:fontRef>
-        </p:style>
-        <p:txBody>
-          <a:bodyPr rtlCol="0" anchor="ctr"/>
-          <a:lstStyle/>
-          <a:p>
-            <a:pPr algn="ctr"/>
-            <a:r>
-              <a:rPr lang="en-IN" dirty="0">
-                <a:ln w="0"/>
-                <a:solidFill>
-                  <a:schemeClr val="tx1"/>
-                </a:solidFill>
-                <a:effectLst>
-                  <a:outerShdw blurRad="38100" dist="19050" dir="2700000" algn="tl" rotWithShape="0">
-                    <a:schemeClr val="dk1">
-                      <a:alpha val="40000"/>
-                    </a:schemeClr>
-                  </a:outerShdw>
-                </a:effectLst>
-                <a:latin typeface="Times New Roman" panose="02020603050405020304" pitchFamily="18" charset="0"/>
-                <a:cs typeface="Times New Roman" panose="02020603050405020304" pitchFamily="18" charset="0"/>
-              </a:rPr>
-              <a:t>Git Repo</a:t>
-            </a:r>
-          </a:p>
-        </p:txBody>
-      </p:sp>
-      <p:sp>
-        <p:nvSpPr>
-          <p:cNvPr id="7" name="Rectangle: Rounded Corners 6">
-            <a:extLst>
-              <a:ext uri="{FF2B5EF4-FFF2-40B4-BE49-F238E27FC236}">
-                <a16:creationId xmlns:a16="http://schemas.microsoft.com/office/drawing/2014/main" id="{86E704E6-520D-BD58-5DCD-D52CE3A852BF}"/>
-              </a:ext>
-            </a:extLst>
-          </p:cNvPr>
-          <p:cNvSpPr/>
-          <p:nvPr/>
-        </p:nvSpPr>
-        <p:spPr>
-          <a:xfrm>
-            <a:off x="6095999" y="1799491"/>
-            <a:ext cx="1963463" cy="758093"/>
-          </a:xfrm>
-          <a:prstGeom prst="roundRect">
-            <a:avLst/>
-          </a:prstGeom>
-        </p:spPr>
-        <p:style>
-          <a:lnRef idx="2">
-            <a:schemeClr val="accent2">
-              <a:shade val="50000"/>
-            </a:schemeClr>
-          </a:lnRef>
-          <a:fillRef idx="1">
-            <a:schemeClr val="accent2"/>
-          </a:fillRef>
-          <a:effectRef idx="0">
-            <a:schemeClr val="accent2"/>
-          </a:effectRef>
-          <a:fontRef idx="minor">
-            <a:schemeClr val="lt1"/>
-          </a:fontRef>
-        </p:style>
-        <p:txBody>
-          <a:bodyPr rtlCol="0" anchor="ctr"/>
-          <a:lstStyle/>
-          <a:p>
-            <a:pPr algn="ctr"/>
-            <a:r>
-              <a:rPr lang="en-IN" dirty="0">
-                <a:ln w="0"/>
-                <a:solidFill>
-                  <a:schemeClr val="tx1"/>
-                </a:solidFill>
-                <a:effectLst>
-                  <a:outerShdw blurRad="38100" dist="19050" dir="2700000" algn="tl" rotWithShape="0">
-                    <a:schemeClr val="dk1">
-                      <a:alpha val="40000"/>
-                    </a:schemeClr>
-                  </a:outerShdw>
-                </a:effectLst>
-                <a:latin typeface="Times New Roman" panose="02020603050405020304" pitchFamily="18" charset="0"/>
-                <a:cs typeface="Times New Roman" panose="02020603050405020304" pitchFamily="18" charset="0"/>
-              </a:rPr>
-              <a:t>Jenkins</a:t>
-            </a:r>
-          </a:p>
-        </p:txBody>
-      </p:sp>
-      <p:sp>
-        <p:nvSpPr>
-          <p:cNvPr id="9" name="Rectangle: Rounded Corners 8">
-            <a:extLst>
-              <a:ext uri="{FF2B5EF4-FFF2-40B4-BE49-F238E27FC236}">
-                <a16:creationId xmlns:a16="http://schemas.microsoft.com/office/drawing/2014/main" id="{764F55F1-BB84-06C2-B074-560379E5BBF5}"/>
-              </a:ext>
-            </a:extLst>
-          </p:cNvPr>
-          <p:cNvSpPr/>
-          <p:nvPr/>
-        </p:nvSpPr>
-        <p:spPr>
-          <a:xfrm>
-            <a:off x="8670863" y="1831705"/>
-            <a:ext cx="1963463" cy="758093"/>
-          </a:xfrm>
-          <a:prstGeom prst="roundRect">
-            <a:avLst/>
-          </a:prstGeom>
-        </p:spPr>
-        <p:style>
-          <a:lnRef idx="2">
-            <a:schemeClr val="accent2">
-              <a:shade val="50000"/>
-            </a:schemeClr>
-          </a:lnRef>
-          <a:fillRef idx="1">
-            <a:schemeClr val="accent2"/>
-          </a:fillRef>
-          <a:effectRef idx="0">
-            <a:schemeClr val="accent2"/>
-          </a:effectRef>
-          <a:fontRef idx="minor">
-            <a:schemeClr val="lt1"/>
-          </a:fontRef>
-        </p:style>
-        <p:txBody>
-          <a:bodyPr rtlCol="0" anchor="ctr"/>
-          <a:lstStyle/>
-          <a:p>
-            <a:pPr algn="ctr"/>
-            <a:r>
-              <a:rPr lang="en-IN" dirty="0" err="1">
-                <a:ln w="0"/>
-                <a:solidFill>
-                  <a:schemeClr val="tx1"/>
-                </a:solidFill>
-                <a:effectLst>
-                  <a:outerShdw blurRad="38100" dist="19050" dir="2700000" algn="tl" rotWithShape="0">
-                    <a:schemeClr val="dk1">
-                      <a:alpha val="40000"/>
-                    </a:schemeClr>
-                  </a:outerShdw>
-                </a:effectLst>
-                <a:latin typeface="Times New Roman" panose="02020603050405020304" pitchFamily="18" charset="0"/>
-                <a:cs typeface="Times New Roman" panose="02020603050405020304" pitchFamily="18" charset="0"/>
-              </a:rPr>
-              <a:t>WebServer</a:t>
-            </a:r>
-            <a:endParaRPr lang="en-IN" dirty="0">
-              <a:ln w="0"/>
-              <a:solidFill>
-                <a:schemeClr val="tx1"/>
-              </a:solidFill>
-              <a:effectLst>
-                <a:outerShdw blurRad="38100" dist="19050" dir="2700000" algn="tl" rotWithShape="0">
-                  <a:schemeClr val="dk1">
-                    <a:alpha val="40000"/>
-                  </a:schemeClr>
-                </a:outerShdw>
-              </a:effectLst>
-              <a:latin typeface="Times New Roman" panose="02020603050405020304" pitchFamily="18" charset="0"/>
-              <a:cs typeface="Times New Roman" panose="02020603050405020304" pitchFamily="18" charset="0"/>
-            </a:endParaRPr>
-          </a:p>
-        </p:txBody>
-      </p:sp>
-      <p:sp>
-        <p:nvSpPr>
-          <p:cNvPr id="11" name="Rectangle: Rounded Corners 10">
-            <a:extLst>
-              <a:ext uri="{FF2B5EF4-FFF2-40B4-BE49-F238E27FC236}">
-                <a16:creationId xmlns:a16="http://schemas.microsoft.com/office/drawing/2014/main" id="{ADA0BC4F-A3D3-5A88-8441-6529B55EF239}"/>
-              </a:ext>
-            </a:extLst>
-          </p:cNvPr>
-          <p:cNvSpPr/>
-          <p:nvPr/>
-        </p:nvSpPr>
-        <p:spPr>
-          <a:xfrm>
-            <a:off x="1084536" y="3674032"/>
-            <a:ext cx="1963463" cy="758093"/>
-          </a:xfrm>
-          <a:prstGeom prst="roundRect">
-            <a:avLst/>
-          </a:prstGeom>
-        </p:spPr>
-        <p:style>
-          <a:lnRef idx="2">
-            <a:schemeClr val="accent2">
-              <a:shade val="50000"/>
-            </a:schemeClr>
-          </a:lnRef>
-          <a:fillRef idx="1">
-            <a:schemeClr val="accent2"/>
-          </a:fillRef>
-          <a:effectRef idx="0">
-            <a:schemeClr val="accent2"/>
-          </a:effectRef>
-          <a:fontRef idx="minor">
-            <a:schemeClr val="lt1"/>
-          </a:fontRef>
-        </p:style>
-        <p:txBody>
-          <a:bodyPr rtlCol="0" anchor="ctr"/>
-          <a:lstStyle/>
-          <a:p>
-            <a:pPr algn="ctr"/>
-            <a:r>
-              <a:rPr lang="en-IN" dirty="0">
-                <a:ln w="0"/>
-                <a:solidFill>
-                  <a:schemeClr val="tx1"/>
-                </a:solidFill>
-                <a:effectLst>
-                  <a:outerShdw blurRad="38100" dist="19050" dir="2700000" algn="tl" rotWithShape="0">
-                    <a:schemeClr val="dk1">
-                      <a:alpha val="40000"/>
-                    </a:schemeClr>
-                  </a:outerShdw>
-                </a:effectLst>
-                <a:latin typeface="Times New Roman" panose="02020603050405020304" pitchFamily="18" charset="0"/>
-                <a:cs typeface="Times New Roman" panose="02020603050405020304" pitchFamily="18" charset="0"/>
-              </a:rPr>
-              <a:t>HTTPs</a:t>
-            </a:r>
-          </a:p>
-        </p:txBody>
-      </p:sp>
-      <p:sp>
-        <p:nvSpPr>
-          <p:cNvPr id="12" name="Rectangle: Rounded Corners 11">
-            <a:extLst>
-              <a:ext uri="{FF2B5EF4-FFF2-40B4-BE49-F238E27FC236}">
-                <a16:creationId xmlns:a16="http://schemas.microsoft.com/office/drawing/2014/main" id="{78527577-B7EE-B0ED-B6E0-47D1DEAC0750}"/>
-              </a:ext>
-            </a:extLst>
-          </p:cNvPr>
-          <p:cNvSpPr/>
-          <p:nvPr/>
-        </p:nvSpPr>
-        <p:spPr>
-          <a:xfrm>
-            <a:off x="3590267" y="3661051"/>
-            <a:ext cx="1963463" cy="758093"/>
-          </a:xfrm>
-          <a:prstGeom prst="roundRect">
-            <a:avLst/>
-          </a:prstGeom>
-        </p:spPr>
-        <p:style>
-          <a:lnRef idx="2">
-            <a:schemeClr val="accent2">
-              <a:shade val="50000"/>
-            </a:schemeClr>
-          </a:lnRef>
-          <a:fillRef idx="1">
-            <a:schemeClr val="accent2"/>
-          </a:fillRef>
-          <a:effectRef idx="0">
-            <a:schemeClr val="accent2"/>
-          </a:effectRef>
-          <a:fontRef idx="minor">
-            <a:schemeClr val="lt1"/>
-          </a:fontRef>
-        </p:style>
-        <p:txBody>
-          <a:bodyPr rtlCol="0" anchor="ctr"/>
-          <a:lstStyle/>
-          <a:p>
-            <a:pPr algn="ctr"/>
-            <a:r>
-              <a:rPr lang="en-IN" dirty="0">
-                <a:ln w="0"/>
-                <a:solidFill>
-                  <a:schemeClr val="tx1"/>
-                </a:solidFill>
-                <a:effectLst>
-                  <a:outerShdw blurRad="38100" dist="19050" dir="2700000" algn="tl" rotWithShape="0">
-                    <a:schemeClr val="dk1">
-                      <a:alpha val="40000"/>
-                    </a:schemeClr>
-                  </a:outerShdw>
-                </a:effectLst>
-                <a:latin typeface="Times New Roman" panose="02020603050405020304" pitchFamily="18" charset="0"/>
-                <a:cs typeface="Times New Roman" panose="02020603050405020304" pitchFamily="18" charset="0"/>
-              </a:rPr>
-              <a:t>Postman</a:t>
-            </a:r>
-          </a:p>
-        </p:txBody>
-      </p:sp>
-      <p:sp>
-        <p:nvSpPr>
-          <p:cNvPr id="13" name="Rectangle: Rounded Corners 12">
-            <a:extLst>
-              <a:ext uri="{FF2B5EF4-FFF2-40B4-BE49-F238E27FC236}">
-                <a16:creationId xmlns:a16="http://schemas.microsoft.com/office/drawing/2014/main" id="{EDF859F1-47B1-648F-FD2B-991AEA2BADAB}"/>
-              </a:ext>
-            </a:extLst>
-          </p:cNvPr>
-          <p:cNvSpPr/>
-          <p:nvPr/>
-        </p:nvSpPr>
-        <p:spPr>
-          <a:xfrm>
-            <a:off x="6095999" y="3646126"/>
-            <a:ext cx="1963463" cy="758093"/>
-          </a:xfrm>
-          <a:prstGeom prst="roundRect">
-            <a:avLst/>
-          </a:prstGeom>
-        </p:spPr>
-        <p:style>
-          <a:lnRef idx="2">
-            <a:schemeClr val="accent2">
-              <a:shade val="50000"/>
-            </a:schemeClr>
-          </a:lnRef>
-          <a:fillRef idx="1">
-            <a:schemeClr val="accent2"/>
-          </a:fillRef>
-          <a:effectRef idx="0">
-            <a:schemeClr val="accent2"/>
-          </a:effectRef>
-          <a:fontRef idx="minor">
-            <a:schemeClr val="lt1"/>
-          </a:fontRef>
-        </p:style>
-        <p:txBody>
-          <a:bodyPr rtlCol="0" anchor="ctr"/>
-          <a:lstStyle/>
-          <a:p>
-            <a:pPr algn="ctr"/>
-            <a:r>
-              <a:rPr lang="en-IN" dirty="0">
-                <a:ln w="0"/>
-                <a:solidFill>
-                  <a:schemeClr val="tx1"/>
-                </a:solidFill>
-                <a:effectLst>
-                  <a:outerShdw blurRad="38100" dist="19050" dir="2700000" algn="tl" rotWithShape="0">
-                    <a:schemeClr val="dk1">
-                      <a:alpha val="40000"/>
-                    </a:schemeClr>
-                  </a:outerShdw>
-                </a:effectLst>
-                <a:latin typeface="Times New Roman" panose="02020603050405020304" pitchFamily="18" charset="0"/>
-                <a:cs typeface="Times New Roman" panose="02020603050405020304" pitchFamily="18" charset="0"/>
-              </a:rPr>
-              <a:t>Logging</a:t>
-            </a:r>
-          </a:p>
-        </p:txBody>
-      </p:sp>
-      <p:sp>
-        <p:nvSpPr>
-          <p:cNvPr id="14" name="Rectangle: Rounded Corners 13">
-            <a:extLst>
-              <a:ext uri="{FF2B5EF4-FFF2-40B4-BE49-F238E27FC236}">
-                <a16:creationId xmlns:a16="http://schemas.microsoft.com/office/drawing/2014/main" id="{A6F9FE54-B6C1-7F66-AD3C-FEFFDED1A0C4}"/>
-              </a:ext>
-            </a:extLst>
-          </p:cNvPr>
-          <p:cNvSpPr/>
-          <p:nvPr/>
-        </p:nvSpPr>
-        <p:spPr>
-          <a:xfrm>
-            <a:off x="8670863" y="3662233"/>
-            <a:ext cx="1963463" cy="758093"/>
-          </a:xfrm>
-          <a:prstGeom prst="roundRect">
-            <a:avLst/>
-          </a:prstGeom>
-        </p:spPr>
-        <p:style>
-          <a:lnRef idx="2">
-            <a:schemeClr val="accent2">
-              <a:shade val="50000"/>
-            </a:schemeClr>
-          </a:lnRef>
-          <a:fillRef idx="1">
-            <a:schemeClr val="accent2"/>
-          </a:fillRef>
-          <a:effectRef idx="0">
-            <a:schemeClr val="accent2"/>
-          </a:effectRef>
-          <a:fontRef idx="minor">
-            <a:schemeClr val="lt1"/>
-          </a:fontRef>
-        </p:style>
-        <p:txBody>
-          <a:bodyPr rtlCol="0" anchor="ctr"/>
-          <a:lstStyle/>
-          <a:p>
-            <a:pPr algn="ctr"/>
-            <a:r>
-              <a:rPr lang="en-IN" sz="1700" dirty="0">
-                <a:ln w="0"/>
-                <a:solidFill>
-                  <a:schemeClr val="tx1"/>
-                </a:solidFill>
-                <a:effectLst>
-                  <a:outerShdw blurRad="38100" dist="19050" dir="2700000" algn="tl" rotWithShape="0">
-                    <a:schemeClr val="dk1">
-                      <a:alpha val="40000"/>
-                    </a:schemeClr>
-                  </a:outerShdw>
-                </a:effectLst>
-                <a:latin typeface="Times New Roman" panose="02020603050405020304" pitchFamily="18" charset="0"/>
-                <a:cs typeface="Times New Roman" panose="02020603050405020304" pitchFamily="18" charset="0"/>
-              </a:rPr>
-              <a:t>HTTP Web Service</a:t>
-            </a:r>
-          </a:p>
-        </p:txBody>
-      </p:sp>
-      <p:sp>
-        <p:nvSpPr>
-          <p:cNvPr id="15" name="Rectangle: Rounded Corners 14">
-            <a:extLst>
-              <a:ext uri="{FF2B5EF4-FFF2-40B4-BE49-F238E27FC236}">
-                <a16:creationId xmlns:a16="http://schemas.microsoft.com/office/drawing/2014/main" id="{09C4B4A9-38C5-1AAB-E67B-3986421FC266}"/>
-              </a:ext>
-            </a:extLst>
-          </p:cNvPr>
-          <p:cNvSpPr/>
-          <p:nvPr/>
-        </p:nvSpPr>
-        <p:spPr>
-          <a:xfrm>
-            <a:off x="8670864" y="5492761"/>
-            <a:ext cx="1963463" cy="758093"/>
-          </a:xfrm>
-          <a:prstGeom prst="roundRect">
-            <a:avLst/>
-          </a:prstGeom>
-        </p:spPr>
-        <p:style>
-          <a:lnRef idx="2">
-            <a:schemeClr val="accent2">
-              <a:shade val="50000"/>
-            </a:schemeClr>
-          </a:lnRef>
-          <a:fillRef idx="1">
-            <a:schemeClr val="accent2"/>
-          </a:fillRef>
-          <a:effectRef idx="0">
-            <a:schemeClr val="accent2"/>
-          </a:effectRef>
-          <a:fontRef idx="minor">
-            <a:schemeClr val="lt1"/>
-          </a:fontRef>
-        </p:style>
-        <p:txBody>
-          <a:bodyPr rtlCol="0" anchor="ctr"/>
-          <a:lstStyle/>
-          <a:p>
-            <a:pPr algn="ctr"/>
-            <a:r>
-              <a:rPr lang="en-IN" dirty="0">
-                <a:ln w="0"/>
-                <a:solidFill>
-                  <a:schemeClr val="tx1"/>
-                </a:solidFill>
-                <a:effectLst>
-                  <a:outerShdw blurRad="38100" dist="19050" dir="2700000" algn="tl" rotWithShape="0">
-                    <a:schemeClr val="dk1">
-                      <a:alpha val="40000"/>
-                    </a:schemeClr>
-                  </a:outerShdw>
-                </a:effectLst>
-                <a:latin typeface="Times New Roman" panose="02020603050405020304" pitchFamily="18" charset="0"/>
-                <a:cs typeface="Times New Roman" panose="02020603050405020304" pitchFamily="18" charset="0"/>
-              </a:rPr>
-              <a:t>Java Client</a:t>
-            </a:r>
-          </a:p>
-        </p:txBody>
-      </p:sp>
-      <p:sp>
-        <p:nvSpPr>
-          <p:cNvPr id="16" name="Rectangle: Rounded Corners 15">
-            <a:extLst>
-              <a:ext uri="{FF2B5EF4-FFF2-40B4-BE49-F238E27FC236}">
-                <a16:creationId xmlns:a16="http://schemas.microsoft.com/office/drawing/2014/main" id="{0A057629-F724-5EDD-FEB3-E32F939B90C6}"/>
-              </a:ext>
-            </a:extLst>
-          </p:cNvPr>
-          <p:cNvSpPr/>
-          <p:nvPr/>
-        </p:nvSpPr>
-        <p:spPr>
-          <a:xfrm>
-            <a:off x="6097801" y="5492762"/>
-            <a:ext cx="1963463" cy="758093"/>
-          </a:xfrm>
-          <a:prstGeom prst="roundRect">
-            <a:avLst/>
-          </a:prstGeom>
-        </p:spPr>
-        <p:style>
-          <a:lnRef idx="2">
-            <a:schemeClr val="accent2">
-              <a:shade val="50000"/>
-            </a:schemeClr>
-          </a:lnRef>
-          <a:fillRef idx="1">
-            <a:schemeClr val="accent2"/>
-          </a:fillRef>
-          <a:effectRef idx="0">
-            <a:schemeClr val="accent2"/>
-          </a:effectRef>
-          <a:fontRef idx="minor">
-            <a:schemeClr val="lt1"/>
-          </a:fontRef>
-        </p:style>
-        <p:txBody>
-          <a:bodyPr rtlCol="0" anchor="ctr"/>
-          <a:lstStyle/>
-          <a:p>
-            <a:pPr algn="ctr"/>
-            <a:r>
-              <a:rPr lang="en-IN" dirty="0">
-                <a:ln w="0"/>
-                <a:solidFill>
-                  <a:schemeClr val="tx1"/>
-                </a:solidFill>
-                <a:effectLst>
-                  <a:outerShdw blurRad="38100" dist="19050" dir="2700000" algn="tl" rotWithShape="0">
-                    <a:schemeClr val="dk1">
-                      <a:alpha val="40000"/>
-                    </a:schemeClr>
-                  </a:outerShdw>
-                </a:effectLst>
-                <a:latin typeface="Times New Roman" panose="02020603050405020304" pitchFamily="18" charset="0"/>
-                <a:cs typeface="Times New Roman" panose="02020603050405020304" pitchFamily="18" charset="0"/>
-              </a:rPr>
-              <a:t>Kubernetes</a:t>
-            </a:r>
-          </a:p>
-        </p:txBody>
-      </p:sp>
-      <p:sp>
-        <p:nvSpPr>
-          <p:cNvPr id="17" name="Rectangle: Rounded Corners 16">
-            <a:extLst>
-              <a:ext uri="{FF2B5EF4-FFF2-40B4-BE49-F238E27FC236}">
-                <a16:creationId xmlns:a16="http://schemas.microsoft.com/office/drawing/2014/main" id="{8EEDD56E-9FD0-4E08-271A-1E119768BF33}"/>
-              </a:ext>
-            </a:extLst>
-          </p:cNvPr>
-          <p:cNvSpPr/>
-          <p:nvPr/>
-        </p:nvSpPr>
-        <p:spPr>
-          <a:xfrm>
-            <a:off x="3659401" y="5492761"/>
-            <a:ext cx="1963463" cy="758093"/>
-          </a:xfrm>
-          <a:prstGeom prst="roundRect">
-            <a:avLst/>
-          </a:prstGeom>
-        </p:spPr>
-        <p:style>
-          <a:lnRef idx="2">
-            <a:schemeClr val="accent2">
-              <a:shade val="50000"/>
-            </a:schemeClr>
-          </a:lnRef>
-          <a:fillRef idx="1">
-            <a:schemeClr val="accent2"/>
-          </a:fillRef>
-          <a:effectRef idx="0">
-            <a:schemeClr val="accent2"/>
-          </a:effectRef>
-          <a:fontRef idx="minor">
-            <a:schemeClr val="lt1"/>
-          </a:fontRef>
-        </p:style>
-        <p:txBody>
-          <a:bodyPr rtlCol="0" anchor="ctr"/>
-          <a:lstStyle/>
-          <a:p>
-            <a:pPr algn="ctr"/>
-            <a:r>
-              <a:rPr lang="en-IN" dirty="0">
-                <a:ln w="0"/>
-                <a:solidFill>
-                  <a:schemeClr val="tx1"/>
-                </a:solidFill>
-                <a:effectLst>
-                  <a:outerShdw blurRad="38100" dist="19050" dir="2700000" algn="tl" rotWithShape="0">
-                    <a:schemeClr val="dk1">
-                      <a:alpha val="40000"/>
-                    </a:schemeClr>
-                  </a:outerShdw>
-                </a:effectLst>
-                <a:latin typeface="Times New Roman" panose="02020603050405020304" pitchFamily="18" charset="0"/>
-                <a:cs typeface="Times New Roman" panose="02020603050405020304" pitchFamily="18" charset="0"/>
-              </a:rPr>
-              <a:t>Docker Container</a:t>
-            </a:r>
-          </a:p>
-        </p:txBody>
-      </p:sp>
-      <p:sp>
-        <p:nvSpPr>
-          <p:cNvPr id="18" name="Rectangle: Rounded Corners 17">
-            <a:extLst>
-              <a:ext uri="{FF2B5EF4-FFF2-40B4-BE49-F238E27FC236}">
-                <a16:creationId xmlns:a16="http://schemas.microsoft.com/office/drawing/2014/main" id="{C731A70A-77A8-5524-5C1D-A072CBD10E55}"/>
-              </a:ext>
-            </a:extLst>
-          </p:cNvPr>
-          <p:cNvSpPr/>
-          <p:nvPr/>
-        </p:nvSpPr>
-        <p:spPr>
-          <a:xfrm>
-            <a:off x="1086338" y="5492763"/>
-            <a:ext cx="1963463" cy="758093"/>
-          </a:xfrm>
-          <a:prstGeom prst="roundRect">
-            <a:avLst/>
-          </a:prstGeom>
-        </p:spPr>
-        <p:style>
-          <a:lnRef idx="2">
-            <a:schemeClr val="accent2">
-              <a:shade val="50000"/>
-            </a:schemeClr>
-          </a:lnRef>
-          <a:fillRef idx="1">
-            <a:schemeClr val="accent2"/>
-          </a:fillRef>
-          <a:effectRef idx="0">
-            <a:schemeClr val="accent2"/>
-          </a:effectRef>
-          <a:fontRef idx="minor">
-            <a:schemeClr val="lt1"/>
-          </a:fontRef>
-        </p:style>
-        <p:txBody>
-          <a:bodyPr rtlCol="0" anchor="ctr"/>
-          <a:lstStyle/>
-          <a:p>
-            <a:pPr algn="ctr"/>
-            <a:r>
-              <a:rPr lang="en-IN" dirty="0">
-                <a:ln w="0"/>
-                <a:solidFill>
-                  <a:schemeClr val="tx1"/>
-                </a:solidFill>
-                <a:effectLst>
-                  <a:outerShdw blurRad="38100" dist="19050" dir="2700000" algn="tl" rotWithShape="0">
-                    <a:schemeClr val="dk1">
-                      <a:alpha val="40000"/>
-                    </a:schemeClr>
-                  </a:outerShdw>
-                </a:effectLst>
-                <a:latin typeface="Times New Roman" panose="02020603050405020304" pitchFamily="18" charset="0"/>
-                <a:cs typeface="Times New Roman" panose="02020603050405020304" pitchFamily="18" charset="0"/>
-              </a:rPr>
-              <a:t>AES-256 Encryption</a:t>
-            </a:r>
-          </a:p>
-        </p:txBody>
-      </p:sp>
-      <p:sp>
-        <p:nvSpPr>
-          <p:cNvPr id="19" name="Arrow: Right 18">
-            <a:extLst>
-              <a:ext uri="{FF2B5EF4-FFF2-40B4-BE49-F238E27FC236}">
-                <a16:creationId xmlns:a16="http://schemas.microsoft.com/office/drawing/2014/main" id="{706964E1-0AFD-C07B-B5B7-91A3A7FDEE1D}"/>
-              </a:ext>
-            </a:extLst>
-          </p:cNvPr>
-          <p:cNvSpPr/>
-          <p:nvPr/>
-        </p:nvSpPr>
-        <p:spPr>
-          <a:xfrm>
-            <a:off x="3090984" y="2110694"/>
-            <a:ext cx="456298" cy="195385"/>
-          </a:xfrm>
-          <a:prstGeom prst="rightArrow">
-            <a:avLst/>
-          </a:prstGeom>
-        </p:spPr>
-        <p:style>
-          <a:lnRef idx="2">
-            <a:schemeClr val="accent3">
-              <a:shade val="50000"/>
-            </a:schemeClr>
-          </a:lnRef>
-          <a:fillRef idx="1">
-            <a:schemeClr val="accent3"/>
-          </a:fillRef>
-          <a:effectRef idx="0">
-            <a:schemeClr val="accent3"/>
-          </a:effectRef>
-          <a:fontRef idx="minor">
-            <a:schemeClr val="lt1"/>
-          </a:fontRef>
-        </p:style>
-        <p:txBody>
-          <a:bodyPr rtlCol="0" anchor="ctr"/>
-          <a:lstStyle/>
-          <a:p>
-            <a:pPr algn="ctr"/>
-            <a:endParaRPr lang="en-IN"/>
-          </a:p>
-        </p:txBody>
-      </p:sp>
-      <p:sp>
-        <p:nvSpPr>
-          <p:cNvPr id="20" name="Arrow: Right 19">
-            <a:extLst>
-              <a:ext uri="{FF2B5EF4-FFF2-40B4-BE49-F238E27FC236}">
-                <a16:creationId xmlns:a16="http://schemas.microsoft.com/office/drawing/2014/main" id="{3347680F-B63D-E82E-C06D-96818E7D3C6D}"/>
-              </a:ext>
-            </a:extLst>
-          </p:cNvPr>
-          <p:cNvSpPr/>
-          <p:nvPr/>
-        </p:nvSpPr>
-        <p:spPr>
-          <a:xfrm>
-            <a:off x="8153852" y="5774113"/>
-            <a:ext cx="456298" cy="195385"/>
-          </a:xfrm>
-          <a:prstGeom prst="rightArrow">
-            <a:avLst/>
-          </a:prstGeom>
-        </p:spPr>
-        <p:style>
-          <a:lnRef idx="2">
-            <a:schemeClr val="accent3">
-              <a:shade val="50000"/>
-            </a:schemeClr>
-          </a:lnRef>
-          <a:fillRef idx="1">
-            <a:schemeClr val="accent3"/>
-          </a:fillRef>
-          <a:effectRef idx="0">
-            <a:schemeClr val="accent3"/>
-          </a:effectRef>
-          <a:fontRef idx="minor">
-            <a:schemeClr val="lt1"/>
-          </a:fontRef>
-        </p:style>
-        <p:txBody>
-          <a:bodyPr rtlCol="0" anchor="ctr"/>
-          <a:lstStyle/>
-          <a:p>
-            <a:pPr algn="ctr"/>
-            <a:endParaRPr lang="en-IN"/>
-          </a:p>
-        </p:txBody>
-      </p:sp>
-      <p:sp>
-        <p:nvSpPr>
-          <p:cNvPr id="21" name="Arrow: Right 20">
-            <a:extLst>
-              <a:ext uri="{FF2B5EF4-FFF2-40B4-BE49-F238E27FC236}">
-                <a16:creationId xmlns:a16="http://schemas.microsoft.com/office/drawing/2014/main" id="{EC5F3D0E-F69E-8110-8003-D721E423CEFB}"/>
-              </a:ext>
-            </a:extLst>
-          </p:cNvPr>
-          <p:cNvSpPr/>
-          <p:nvPr/>
-        </p:nvSpPr>
-        <p:spPr>
-          <a:xfrm>
-            <a:off x="5637902" y="5774114"/>
-            <a:ext cx="456298" cy="195385"/>
-          </a:xfrm>
-          <a:prstGeom prst="rightArrow">
-            <a:avLst/>
-          </a:prstGeom>
-        </p:spPr>
-        <p:style>
-          <a:lnRef idx="2">
-            <a:schemeClr val="accent3">
-              <a:shade val="50000"/>
-            </a:schemeClr>
-          </a:lnRef>
-          <a:fillRef idx="1">
-            <a:schemeClr val="accent3"/>
-          </a:fillRef>
-          <a:effectRef idx="0">
-            <a:schemeClr val="accent3"/>
-          </a:effectRef>
-          <a:fontRef idx="minor">
-            <a:schemeClr val="lt1"/>
-          </a:fontRef>
-        </p:style>
-        <p:txBody>
-          <a:bodyPr rtlCol="0" anchor="ctr"/>
-          <a:lstStyle/>
-          <a:p>
-            <a:pPr algn="ctr"/>
-            <a:endParaRPr lang="en-IN"/>
-          </a:p>
-        </p:txBody>
-      </p:sp>
-      <p:sp>
-        <p:nvSpPr>
-          <p:cNvPr id="22" name="Arrow: Right 21">
-            <a:extLst>
-              <a:ext uri="{FF2B5EF4-FFF2-40B4-BE49-F238E27FC236}">
-                <a16:creationId xmlns:a16="http://schemas.microsoft.com/office/drawing/2014/main" id="{C993E2FB-C03D-CB0E-11A4-F1C03A07AD16}"/>
-              </a:ext>
-            </a:extLst>
-          </p:cNvPr>
-          <p:cNvSpPr/>
-          <p:nvPr/>
-        </p:nvSpPr>
-        <p:spPr>
-          <a:xfrm>
-            <a:off x="3133969" y="5774114"/>
-            <a:ext cx="456298" cy="195385"/>
-          </a:xfrm>
-          <a:prstGeom prst="rightArrow">
-            <a:avLst/>
-          </a:prstGeom>
-        </p:spPr>
-        <p:style>
-          <a:lnRef idx="2">
-            <a:schemeClr val="accent3">
-              <a:shade val="50000"/>
-            </a:schemeClr>
-          </a:lnRef>
-          <a:fillRef idx="1">
-            <a:schemeClr val="accent3"/>
-          </a:fillRef>
-          <a:effectRef idx="0">
-            <a:schemeClr val="accent3"/>
-          </a:effectRef>
-          <a:fontRef idx="minor">
-            <a:schemeClr val="lt1"/>
-          </a:fontRef>
-        </p:style>
-        <p:txBody>
-          <a:bodyPr rtlCol="0" anchor="ctr"/>
-          <a:lstStyle/>
-          <a:p>
-            <a:pPr algn="ctr"/>
-            <a:endParaRPr lang="en-IN"/>
-          </a:p>
-        </p:txBody>
-      </p:sp>
-      <p:sp>
-        <p:nvSpPr>
-          <p:cNvPr id="23" name="Arrow: Right 22">
-            <a:extLst>
-              <a:ext uri="{FF2B5EF4-FFF2-40B4-BE49-F238E27FC236}">
-                <a16:creationId xmlns:a16="http://schemas.microsoft.com/office/drawing/2014/main" id="{3AFE55E3-7D5F-E986-6D5C-5EDCFC17C58B}"/>
-              </a:ext>
-            </a:extLst>
-          </p:cNvPr>
-          <p:cNvSpPr/>
-          <p:nvPr/>
-        </p:nvSpPr>
-        <p:spPr>
-          <a:xfrm>
-            <a:off x="8153852" y="2080844"/>
-            <a:ext cx="456298" cy="195385"/>
-          </a:xfrm>
-          <a:prstGeom prst="rightArrow">
-            <a:avLst/>
-          </a:prstGeom>
-        </p:spPr>
-        <p:style>
-          <a:lnRef idx="2">
-            <a:schemeClr val="accent3">
-              <a:shade val="50000"/>
-            </a:schemeClr>
-          </a:lnRef>
-          <a:fillRef idx="1">
-            <a:schemeClr val="accent3"/>
-          </a:fillRef>
-          <a:effectRef idx="0">
-            <a:schemeClr val="accent3"/>
-          </a:effectRef>
-          <a:fontRef idx="minor">
-            <a:schemeClr val="lt1"/>
-          </a:fontRef>
-        </p:style>
-        <p:txBody>
-          <a:bodyPr rtlCol="0" anchor="ctr"/>
-          <a:lstStyle/>
-          <a:p>
-            <a:pPr algn="ctr"/>
-            <a:endParaRPr lang="en-IN"/>
-          </a:p>
-        </p:txBody>
-      </p:sp>
-      <p:sp>
-        <p:nvSpPr>
-          <p:cNvPr id="24" name="Arrow: Right 23">
-            <a:extLst>
-              <a:ext uri="{FF2B5EF4-FFF2-40B4-BE49-F238E27FC236}">
-                <a16:creationId xmlns:a16="http://schemas.microsoft.com/office/drawing/2014/main" id="{BD10AA75-A28B-B24B-3C3C-C36B9D910628}"/>
-              </a:ext>
-            </a:extLst>
-          </p:cNvPr>
-          <p:cNvSpPr/>
-          <p:nvPr/>
-        </p:nvSpPr>
-        <p:spPr>
-          <a:xfrm>
-            <a:off x="5584694" y="2131809"/>
-            <a:ext cx="456298" cy="195385"/>
-          </a:xfrm>
-          <a:prstGeom prst="rightArrow">
-            <a:avLst/>
-          </a:prstGeom>
-        </p:spPr>
-        <p:style>
-          <a:lnRef idx="2">
-            <a:schemeClr val="accent3">
-              <a:shade val="50000"/>
-            </a:schemeClr>
-          </a:lnRef>
-          <a:fillRef idx="1">
-            <a:schemeClr val="accent3"/>
-          </a:fillRef>
-          <a:effectRef idx="0">
-            <a:schemeClr val="accent3"/>
-          </a:effectRef>
-          <a:fontRef idx="minor">
-            <a:schemeClr val="lt1"/>
-          </a:fontRef>
-        </p:style>
-        <p:txBody>
-          <a:bodyPr rtlCol="0" anchor="ctr"/>
-          <a:lstStyle/>
-          <a:p>
-            <a:pPr algn="ctr"/>
-            <a:endParaRPr lang="en-IN"/>
-          </a:p>
-        </p:txBody>
-      </p:sp>
-      <p:sp>
-        <p:nvSpPr>
-          <p:cNvPr id="25" name="Arrow: Left 24">
-            <a:extLst>
-              <a:ext uri="{FF2B5EF4-FFF2-40B4-BE49-F238E27FC236}">
-                <a16:creationId xmlns:a16="http://schemas.microsoft.com/office/drawing/2014/main" id="{AA89B2EC-EC87-706E-4136-D1151633784C}"/>
-              </a:ext>
-            </a:extLst>
-          </p:cNvPr>
-          <p:cNvSpPr/>
-          <p:nvPr/>
-        </p:nvSpPr>
-        <p:spPr>
-          <a:xfrm>
-            <a:off x="3116231" y="3955385"/>
-            <a:ext cx="405803" cy="195385"/>
-          </a:xfrm>
-          <a:prstGeom prst="leftArrow">
-            <a:avLst/>
-          </a:prstGeom>
-        </p:spPr>
-        <p:style>
-          <a:lnRef idx="2">
-            <a:schemeClr val="accent3">
-              <a:shade val="50000"/>
-            </a:schemeClr>
-          </a:lnRef>
-          <a:fillRef idx="1">
-            <a:schemeClr val="accent3"/>
-          </a:fillRef>
-          <a:effectRef idx="0">
-            <a:schemeClr val="accent3"/>
-          </a:effectRef>
-          <a:fontRef idx="minor">
-            <a:schemeClr val="lt1"/>
-          </a:fontRef>
-        </p:style>
-        <p:txBody>
-          <a:bodyPr rtlCol="0" anchor="ctr"/>
-          <a:lstStyle/>
-          <a:p>
-            <a:pPr algn="ctr"/>
-            <a:endParaRPr lang="en-IN"/>
-          </a:p>
-        </p:txBody>
-      </p:sp>
-      <p:sp>
-        <p:nvSpPr>
-          <p:cNvPr id="27" name="Arrow: Left 26">
-            <a:extLst>
-              <a:ext uri="{FF2B5EF4-FFF2-40B4-BE49-F238E27FC236}">
-                <a16:creationId xmlns:a16="http://schemas.microsoft.com/office/drawing/2014/main" id="{AD05C8E3-5887-46AA-82BB-819BDE958981}"/>
-              </a:ext>
-            </a:extLst>
-          </p:cNvPr>
-          <p:cNvSpPr/>
-          <p:nvPr/>
-        </p:nvSpPr>
-        <p:spPr>
-          <a:xfrm>
-            <a:off x="5631578" y="3951004"/>
-            <a:ext cx="405803" cy="195385"/>
-          </a:xfrm>
-          <a:prstGeom prst="leftArrow">
-            <a:avLst/>
-          </a:prstGeom>
-        </p:spPr>
-        <p:style>
-          <a:lnRef idx="2">
-            <a:schemeClr val="accent3">
-              <a:shade val="50000"/>
-            </a:schemeClr>
-          </a:lnRef>
-          <a:fillRef idx="1">
-            <a:schemeClr val="accent3"/>
-          </a:fillRef>
-          <a:effectRef idx="0">
-            <a:schemeClr val="accent3"/>
-          </a:effectRef>
-          <a:fontRef idx="minor">
-            <a:schemeClr val="lt1"/>
-          </a:fontRef>
-        </p:style>
-        <p:txBody>
-          <a:bodyPr rtlCol="0" anchor="ctr"/>
-          <a:lstStyle/>
-          <a:p>
-            <a:pPr algn="ctr"/>
-            <a:endParaRPr lang="en-IN"/>
-          </a:p>
-        </p:txBody>
-      </p:sp>
-      <p:sp>
-        <p:nvSpPr>
-          <p:cNvPr id="28" name="Arrow: Left 27">
-            <a:extLst>
-              <a:ext uri="{FF2B5EF4-FFF2-40B4-BE49-F238E27FC236}">
-                <a16:creationId xmlns:a16="http://schemas.microsoft.com/office/drawing/2014/main" id="{5F3B1E49-503D-1A20-7B32-8B653BC1BA83}"/>
-              </a:ext>
-            </a:extLst>
-          </p:cNvPr>
-          <p:cNvSpPr/>
-          <p:nvPr/>
-        </p:nvSpPr>
-        <p:spPr>
-          <a:xfrm>
-            <a:off x="8178939" y="3955385"/>
-            <a:ext cx="405803" cy="195385"/>
-          </a:xfrm>
-          <a:prstGeom prst="leftArrow">
-            <a:avLst/>
-          </a:prstGeom>
-        </p:spPr>
-        <p:style>
-          <a:lnRef idx="2">
-            <a:schemeClr val="accent3">
-              <a:shade val="50000"/>
-            </a:schemeClr>
-          </a:lnRef>
-          <a:fillRef idx="1">
-            <a:schemeClr val="accent3"/>
-          </a:fillRef>
-          <a:effectRef idx="0">
-            <a:schemeClr val="accent3"/>
-          </a:effectRef>
-          <a:fontRef idx="minor">
-            <a:schemeClr val="lt1"/>
-          </a:fontRef>
-        </p:style>
-        <p:txBody>
-          <a:bodyPr rtlCol="0" anchor="ctr"/>
-          <a:lstStyle/>
-          <a:p>
-            <a:pPr algn="ctr"/>
-            <a:endParaRPr lang="en-IN"/>
-          </a:p>
-        </p:txBody>
-      </p:sp>
-      <p:sp>
-        <p:nvSpPr>
-          <p:cNvPr id="29" name="Arrow: Down 28">
-            <a:extLst>
-              <a:ext uri="{FF2B5EF4-FFF2-40B4-BE49-F238E27FC236}">
-                <a16:creationId xmlns:a16="http://schemas.microsoft.com/office/drawing/2014/main" id="{B5D33EFF-BBE9-39BE-D8D1-B91C40220D53}"/>
-              </a:ext>
-            </a:extLst>
-          </p:cNvPr>
-          <p:cNvSpPr/>
-          <p:nvPr/>
-        </p:nvSpPr>
-        <p:spPr>
-          <a:xfrm>
-            <a:off x="9652594" y="2696308"/>
-            <a:ext cx="132268" cy="879682"/>
-          </a:xfrm>
-          <a:prstGeom prst="downArrow">
-            <a:avLst/>
-          </a:prstGeom>
-        </p:spPr>
-        <p:style>
-          <a:lnRef idx="2">
-            <a:schemeClr val="accent3">
-              <a:shade val="50000"/>
-            </a:schemeClr>
-          </a:lnRef>
-          <a:fillRef idx="1">
-            <a:schemeClr val="accent3"/>
-          </a:fillRef>
-          <a:effectRef idx="0">
-            <a:schemeClr val="accent3"/>
-          </a:effectRef>
-          <a:fontRef idx="minor">
-            <a:schemeClr val="lt1"/>
-          </a:fontRef>
-        </p:style>
-        <p:txBody>
-          <a:bodyPr rtlCol="0" anchor="ctr"/>
-          <a:lstStyle/>
-          <a:p>
-            <a:pPr algn="ctr"/>
-            <a:endParaRPr lang="en-IN"/>
-          </a:p>
-        </p:txBody>
-      </p:sp>
-      <p:sp>
-        <p:nvSpPr>
-          <p:cNvPr id="30" name="Arrow: Down 29">
-            <a:extLst>
-              <a:ext uri="{FF2B5EF4-FFF2-40B4-BE49-F238E27FC236}">
-                <a16:creationId xmlns:a16="http://schemas.microsoft.com/office/drawing/2014/main" id="{96963CFB-2C23-E77C-A3DD-37FE1F046210}"/>
-              </a:ext>
-            </a:extLst>
-          </p:cNvPr>
-          <p:cNvSpPr/>
-          <p:nvPr/>
-        </p:nvSpPr>
-        <p:spPr>
-          <a:xfrm>
-            <a:off x="2000133" y="4522603"/>
-            <a:ext cx="132268" cy="879682"/>
-          </a:xfrm>
-          <a:prstGeom prst="downArrow">
-            <a:avLst/>
-          </a:prstGeom>
-        </p:spPr>
-        <p:style>
-          <a:lnRef idx="2">
-            <a:schemeClr val="accent3">
-              <a:shade val="50000"/>
-            </a:schemeClr>
-          </a:lnRef>
-          <a:fillRef idx="1">
-            <a:schemeClr val="accent3"/>
-          </a:fillRef>
-          <a:effectRef idx="0">
-            <a:schemeClr val="accent3"/>
-          </a:effectRef>
-          <a:fontRef idx="minor">
-            <a:schemeClr val="lt1"/>
-          </a:fontRef>
-        </p:style>
-        <p:txBody>
-          <a:bodyPr rtlCol="0" anchor="ctr"/>
-          <a:lstStyle/>
-          <a:p>
-            <a:pPr algn="ctr"/>
-            <a:endParaRPr lang="en-IN"/>
-          </a:p>
-        </p:txBody>
-      </p:sp>
-      <p:sp>
-        <p:nvSpPr>
-          <p:cNvPr id="31" name="Flowchart: Magnetic Disk 30">
-            <a:extLst>
-              <a:ext uri="{FF2B5EF4-FFF2-40B4-BE49-F238E27FC236}">
-                <a16:creationId xmlns:a16="http://schemas.microsoft.com/office/drawing/2014/main" id="{804BE39D-50CF-F6A4-7B24-785AD3AA7B2B}"/>
-              </a:ext>
-            </a:extLst>
-          </p:cNvPr>
-          <p:cNvSpPr/>
-          <p:nvPr/>
-        </p:nvSpPr>
-        <p:spPr>
-          <a:xfrm>
-            <a:off x="570523" y="1071774"/>
-            <a:ext cx="1928837" cy="521544"/>
-          </a:xfrm>
-          <a:prstGeom prst="flowChartMagneticDisk">
-            <a:avLst/>
-          </a:prstGeom>
-        </p:spPr>
-        <p:style>
-          <a:lnRef idx="2">
-            <a:schemeClr val="accent2">
-              <a:shade val="50000"/>
-            </a:schemeClr>
-          </a:lnRef>
-          <a:fillRef idx="1">
-            <a:schemeClr val="accent2"/>
-          </a:fillRef>
-          <a:effectRef idx="0">
-            <a:schemeClr val="accent2"/>
-          </a:effectRef>
-          <a:fontRef idx="minor">
-            <a:schemeClr val="lt1"/>
-          </a:fontRef>
-        </p:style>
-        <p:txBody>
-          <a:bodyPr rtlCol="0" anchor="ctr"/>
-          <a:lstStyle/>
-          <a:p>
-            <a:pPr algn="ctr"/>
-            <a:r>
-              <a:rPr lang="en-IN" b="1" dirty="0">
-                <a:solidFill>
-                  <a:schemeClr val="tx1"/>
-                </a:solidFill>
-                <a:latin typeface="Times New Roman" panose="02020603050405020304" pitchFamily="18" charset="0"/>
-                <a:cs typeface="Times New Roman" panose="02020603050405020304" pitchFamily="18" charset="0"/>
-              </a:rPr>
-              <a:t>Database Server</a:t>
-            </a:r>
-          </a:p>
-        </p:txBody>
-      </p:sp>
-      <p:sp>
-        <p:nvSpPr>
-          <p:cNvPr id="32" name="Arrow: Bent-Up 31">
-            <a:extLst>
-              <a:ext uri="{FF2B5EF4-FFF2-40B4-BE49-F238E27FC236}">
-                <a16:creationId xmlns:a16="http://schemas.microsoft.com/office/drawing/2014/main" id="{DCDDA935-596F-2727-35EA-3D228569D742}"/>
-              </a:ext>
-            </a:extLst>
-          </p:cNvPr>
-          <p:cNvSpPr/>
-          <p:nvPr/>
-        </p:nvSpPr>
-        <p:spPr>
-          <a:xfrm rot="5400000">
-            <a:off x="493492" y="1787582"/>
-            <a:ext cx="690916" cy="302392"/>
-          </a:xfrm>
-          <a:prstGeom prst="bentUpArrow">
-            <a:avLst/>
-          </a:prstGeom>
-        </p:spPr>
-        <p:style>
-          <a:lnRef idx="2">
-            <a:schemeClr val="accent3">
-              <a:shade val="50000"/>
-            </a:schemeClr>
-          </a:lnRef>
-          <a:fillRef idx="1">
-            <a:schemeClr val="accent3"/>
-          </a:fillRef>
-          <a:effectRef idx="0">
-            <a:schemeClr val="accent3"/>
-          </a:effectRef>
-          <a:fontRef idx="minor">
-            <a:schemeClr val="lt1"/>
-          </a:fontRef>
-        </p:style>
-        <p:txBody>
-          <a:bodyPr rtlCol="0" anchor="ctr"/>
-          <a:lstStyle/>
-          <a:p>
-            <a:pPr algn="ctr"/>
-            <a:endParaRPr lang="en-IN"/>
-          </a:p>
-        </p:txBody>
-      </p:sp>
-      <p:sp>
-        <p:nvSpPr>
-          <p:cNvPr id="33" name="TextBox 32">
-            <a:extLst>
-              <a:ext uri="{FF2B5EF4-FFF2-40B4-BE49-F238E27FC236}">
-                <a16:creationId xmlns:a16="http://schemas.microsoft.com/office/drawing/2014/main" id="{F9C86A89-A578-29B0-DD59-C2FE29489384}"/>
+      <p:pic>
+        <p:nvPicPr>
+          <p:cNvPr id="10" name="Picture 9">
+            <a:extLst>
+              <a:ext uri="{FF2B5EF4-FFF2-40B4-BE49-F238E27FC236}">
+                <a16:creationId xmlns:a16="http://schemas.microsoft.com/office/drawing/2014/main" id="{EB67A49B-A95A-E4ED-4754-E2D51D03EAE3}"/>
+              </a:ext>
+            </a:extLst>
+          </p:cNvPr>
+          <p:cNvPicPr>
+            <a:picLocks noChangeAspect="1"/>
+          </p:cNvPicPr>
+          <p:nvPr/>
+        </p:nvPicPr>
+        <p:blipFill>
+          <a:blip r:embed="rId4"/>
+          <a:stretch>
+            <a:fillRect/>
+          </a:stretch>
+        </p:blipFill>
+        <p:spPr>
+          <a:xfrm>
+            <a:off x="1998756" y="1723728"/>
+            <a:ext cx="8194487" cy="4796249"/>
+          </a:xfrm>
+          <a:prstGeom prst="rect">
+            <a:avLst/>
+          </a:prstGeom>
+          <a:ln>
+            <a:noFill/>
+          </a:ln>
+          <a:effectLst>
+            <a:outerShdw blurRad="292100" dist="139700" dir="2700000" algn="tl" rotWithShape="0">
+              <a:srgbClr val="333333">
+                <a:alpha val="65000"/>
+              </a:srgbClr>
+            </a:outerShdw>
+          </a:effectLst>
+        </p:spPr>
+      </p:pic>
+      <p:sp>
+        <p:nvSpPr>
+          <p:cNvPr id="11" name="TextBox 10">
+            <a:extLst>
+              <a:ext uri="{FF2B5EF4-FFF2-40B4-BE49-F238E27FC236}">
+                <a16:creationId xmlns:a16="http://schemas.microsoft.com/office/drawing/2014/main" id="{EE34CE33-65EA-0659-8353-213937BA2758}"/>
               </a:ext>
             </a:extLst>
           </p:cNvPr>
@@ -9049,8 +8169,8 @@
         </p:nvSpPr>
         <p:spPr>
           <a:xfrm>
-            <a:off x="2469259" y="935991"/>
-            <a:ext cx="1293944" cy="307777"/>
+            <a:off x="623462" y="1099836"/>
+            <a:ext cx="3751796" cy="707886"/>
           </a:xfrm>
           <a:prstGeom prst="rect">
             <a:avLst/>
@@ -9064,19 +8184,23 @@
           <a:lstStyle/>
           <a:p>
             <a:r>
-              <a:rPr lang="en-IN" sz="1400" dirty="0">
+              <a:rPr lang="en-IN" sz="2200" b="0" i="0" dirty="0">
+                <a:effectLst/>
                 <a:latin typeface="Times New Roman" panose="02020603050405020304" pitchFamily="18" charset="0"/>
                 <a:cs typeface="Times New Roman" panose="02020603050405020304" pitchFamily="18" charset="0"/>
               </a:rPr>
-              <a:t>(Starting Point)</a:t>
-            </a:r>
+              <a:t>Spring Boot Flow Architecture:</a:t>
+            </a:r>
+          </a:p>
+          <a:p>
+            <a:endParaRPr lang="en-IN" dirty="0"/>
           </a:p>
         </p:txBody>
       </p:sp>
     </p:spTree>
     <p:extLst>
       <p:ext uri="{BB962C8B-B14F-4D97-AF65-F5344CB8AC3E}">
-        <p14:creationId xmlns:p14="http://schemas.microsoft.com/office/powerpoint/2010/main" val="503207019"/>
+        <p14:creationId xmlns:p14="http://schemas.microsoft.com/office/powerpoint/2010/main" val="1207346346"/>
       </p:ext>
     </p:extLst>
   </p:cSld>
@@ -9134,22 +8258,9 @@
             <a:off x="0" y="0"/>
             <a:ext cx="12192000" cy="6858000"/>
           </a:xfrm>
-          <a:prstGeom prst="roundRect">
-            <a:avLst>
-              <a:gd name="adj" fmla="val 8594"/>
-            </a:avLst>
-          </a:prstGeom>
-          <a:solidFill>
-            <a:srgbClr val="FFFFFF">
-              <a:shade val="85000"/>
-            </a:srgbClr>
-          </a:solidFill>
-          <a:ln>
-            <a:noFill/>
-          </a:ln>
-          <a:effectLst>
-            <a:reflection blurRad="12700" stA="38000" endPos="28000" dist="5000" dir="5400000" sy="-100000" algn="bl" rotWithShape="0"/>
-          </a:effectLst>
+          <a:prstGeom prst="rect">
+            <a:avLst/>
+          </a:prstGeom>
         </p:spPr>
       </p:pic>
       <p:cxnSp>
@@ -9247,7 +8358,7 @@
         <p:spPr>
           <a:xfrm>
             <a:off x="2499360" y="383848"/>
-            <a:ext cx="8818879" cy="483017"/>
+            <a:ext cx="8818879" cy="461665"/>
           </a:xfrm>
           <a:prstGeom prst="rect">
             <a:avLst/>
@@ -9262,11 +8373,6 @@
           </a:bodyPr>
           <a:lstStyle/>
           <a:p>
-            <a:pPr>
-              <a:lnSpc>
-                <a:spcPct val="115000"/>
-              </a:lnSpc>
-            </a:pPr>
             <a:r>
               <a:rPr lang="en-IN" sz="2400" b="1" dirty="0">
                 <a:solidFill>
@@ -9276,202 +8382,25 @@
                 <a:latin typeface="Times New Roman" panose="02020603050405020304" pitchFamily="18" charset="0"/>
                 <a:ea typeface="Arial" panose="020B0604020202020204" pitchFamily="34" charset="0"/>
               </a:rPr>
-              <a:t>Front-end Development</a:t>
-            </a:r>
-            <a:r>
-              <a:rPr lang="en-IN" sz="1400" dirty="0">
-                <a:solidFill>
-                  <a:schemeClr val="bg1"/>
-                </a:solidFill>
-                <a:effectLst/>
-                <a:latin typeface="Arial" panose="020B0604020202020204" pitchFamily="34" charset="0"/>
-                <a:ea typeface="Arial" panose="020B0604020202020204" pitchFamily="34" charset="0"/>
-              </a:rPr>
-              <a:t> </a:t>
-            </a:r>
-          </a:p>
-        </p:txBody>
-      </p:sp>
-      <p:pic>
-        <p:nvPicPr>
-          <p:cNvPr id="2050" name="Picture 2" descr="12 Best Employee Management Systems 2023 - nTask">
-            <a:extLst>
-              <a:ext uri="{FF2B5EF4-FFF2-40B4-BE49-F238E27FC236}">
-                <a16:creationId xmlns:a16="http://schemas.microsoft.com/office/drawing/2014/main" id="{81783E89-4679-FD41-E500-F200F442B92A}"/>
-              </a:ext>
-            </a:extLst>
-          </p:cNvPr>
-          <p:cNvPicPr>
-            <a:picLocks noChangeAspect="1" noChangeArrowheads="1"/>
-          </p:cNvPicPr>
-          <p:nvPr/>
-        </p:nvPicPr>
-        <p:blipFill rotWithShape="1">
-          <a:blip r:embed="rId4">
-            <a:extLst>
-              <a:ext uri="{28A0092B-C50C-407E-A947-70E740481C1C}">
-                <a14:useLocalDpi xmlns:a14="http://schemas.microsoft.com/office/drawing/2010/main" val="0"/>
-              </a:ext>
-            </a:extLst>
-          </a:blip>
-          <a:srcRect l="25663" t="22316" r="31305"/>
-          <a:stretch/>
-        </p:blipFill>
-        <p:spPr bwMode="auto">
-          <a:xfrm>
-            <a:off x="449982" y="4748212"/>
-            <a:ext cx="2156861" cy="1557498"/>
-          </a:xfrm>
-          <a:prstGeom prst="rect">
-            <a:avLst/>
-          </a:prstGeom>
-          <a:noFill/>
-          <a:extLst>
-            <a:ext uri="{909E8E84-426E-40DD-AFC4-6F175D3DCCD1}">
-              <a14:hiddenFill xmlns:a14="http://schemas.microsoft.com/office/drawing/2010/main">
-                <a:solidFill>
-                  <a:srgbClr val="FFFFFF"/>
-                </a:solidFill>
-              </a14:hiddenFill>
-            </a:ext>
-          </a:extLst>
-        </p:spPr>
-      </p:pic>
-      <p:sp>
-        <p:nvSpPr>
-          <p:cNvPr id="2" name="TextBox 1">
-            <a:extLst>
-              <a:ext uri="{FF2B5EF4-FFF2-40B4-BE49-F238E27FC236}">
-                <a16:creationId xmlns:a16="http://schemas.microsoft.com/office/drawing/2014/main" id="{F5C6D6FC-BB09-19F3-B17C-5B9A1B492279}"/>
-              </a:ext>
-            </a:extLst>
-          </p:cNvPr>
-          <p:cNvSpPr txBox="1"/>
-          <p:nvPr/>
-        </p:nvSpPr>
-        <p:spPr>
-          <a:xfrm>
-            <a:off x="336885" y="4510422"/>
-            <a:ext cx="2569742" cy="369332"/>
-          </a:xfrm>
-          <a:prstGeom prst="rect">
-            <a:avLst/>
-          </a:prstGeom>
-          <a:noFill/>
-        </p:spPr>
-        <p:txBody>
-          <a:bodyPr wrap="none" rtlCol="0">
-            <a:spAutoFit/>
-          </a:bodyPr>
-          <a:lstStyle/>
-          <a:p>
-            <a:r>
-              <a:rPr lang="en-IN" dirty="0"/>
-              <a:t>Employee Sys Application</a:t>
-            </a:r>
-          </a:p>
-        </p:txBody>
-      </p:sp>
-      <p:pic>
-        <p:nvPicPr>
-          <p:cNvPr id="2052" name="Picture 4" descr="GitHub Logo, Git Hub Icon With Text On White and Black Background 17119660  Vector Art at Vecteezy">
-            <a:extLst>
-              <a:ext uri="{FF2B5EF4-FFF2-40B4-BE49-F238E27FC236}">
-                <a16:creationId xmlns:a16="http://schemas.microsoft.com/office/drawing/2014/main" id="{26433354-BCCF-5A4A-A06D-64E62099E5CA}"/>
-              </a:ext>
-            </a:extLst>
-          </p:cNvPr>
-          <p:cNvPicPr>
-            <a:picLocks noChangeAspect="1" noChangeArrowheads="1"/>
-          </p:cNvPicPr>
-          <p:nvPr/>
-        </p:nvPicPr>
-        <p:blipFill>
-          <a:blip r:embed="rId5">
-            <a:extLst>
-              <a:ext uri="{28A0092B-C50C-407E-A947-70E740481C1C}">
-                <a14:useLocalDpi xmlns:a14="http://schemas.microsoft.com/office/drawing/2010/main" val="0"/>
-              </a:ext>
-            </a:extLst>
-          </a:blip>
-          <a:srcRect/>
-          <a:stretch>
-            <a:fillRect/>
-          </a:stretch>
-        </p:blipFill>
-        <p:spPr bwMode="auto">
-          <a:xfrm>
-            <a:off x="784890" y="1911852"/>
-            <a:ext cx="1517722" cy="871452"/>
-          </a:xfrm>
-          <a:prstGeom prst="rect">
-            <a:avLst/>
-          </a:prstGeom>
-          <a:noFill/>
-          <a:extLst>
-            <a:ext uri="{909E8E84-426E-40DD-AFC4-6F175D3DCCD1}">
-              <a14:hiddenFill xmlns:a14="http://schemas.microsoft.com/office/drawing/2010/main">
-                <a:solidFill>
-                  <a:srgbClr val="FFFFFF"/>
-                </a:solidFill>
-              </a14:hiddenFill>
-            </a:ext>
-          </a:extLst>
-        </p:spPr>
-      </p:pic>
-      <p:pic>
-        <p:nvPicPr>
-          <p:cNvPr id="2054" name="Picture 6" descr="Logo Jenkins | Zend by Perforce">
-            <a:extLst>
-              <a:ext uri="{FF2B5EF4-FFF2-40B4-BE49-F238E27FC236}">
-                <a16:creationId xmlns:a16="http://schemas.microsoft.com/office/drawing/2014/main" id="{412D24A8-1A86-7BF0-6620-ED180F021099}"/>
-              </a:ext>
-            </a:extLst>
-          </p:cNvPr>
-          <p:cNvPicPr>
-            <a:picLocks noChangeAspect="1" noChangeArrowheads="1"/>
-          </p:cNvPicPr>
-          <p:nvPr/>
-        </p:nvPicPr>
-        <p:blipFill>
-          <a:blip r:embed="rId6">
-            <a:extLst>
-              <a:ext uri="{28A0092B-C50C-407E-A947-70E740481C1C}">
-                <a14:useLocalDpi xmlns:a14="http://schemas.microsoft.com/office/drawing/2010/main" val="0"/>
-              </a:ext>
-            </a:extLst>
-          </a:blip>
-          <a:srcRect/>
-          <a:stretch>
-            <a:fillRect/>
-          </a:stretch>
-        </p:blipFill>
-        <p:spPr bwMode="auto">
-          <a:xfrm>
-            <a:off x="5043437" y="2347578"/>
-            <a:ext cx="2105125" cy="1403416"/>
-          </a:xfrm>
-          <a:prstGeom prst="rect">
-            <a:avLst/>
-          </a:prstGeom>
-          <a:noFill/>
-          <a:extLst>
-            <a:ext uri="{909E8E84-426E-40DD-AFC4-6F175D3DCCD1}">
-              <a14:hiddenFill xmlns:a14="http://schemas.microsoft.com/office/drawing/2010/main">
-                <a:solidFill>
-                  <a:srgbClr val="FFFFFF"/>
-                </a:solidFill>
-              </a14:hiddenFill>
-            </a:ext>
-          </a:extLst>
-        </p:spPr>
-      </p:pic>
-      <p:sp>
-        <p:nvSpPr>
-          <p:cNvPr id="3" name="Arrow: Up 2">
-            <a:extLst>
-              <a:ext uri="{FF2B5EF4-FFF2-40B4-BE49-F238E27FC236}">
-                <a16:creationId xmlns:a16="http://schemas.microsoft.com/office/drawing/2014/main" id="{7E62DF75-2C58-340B-49D9-CC47B55A13C0}"/>
+              <a:t>Architecture Design</a:t>
+            </a:r>
+            <a:endParaRPr lang="en-IN" sz="1400" dirty="0">
+              <a:solidFill>
+                <a:schemeClr val="bg1"/>
+              </a:solidFill>
+              <a:effectLst/>
+              <a:latin typeface="Arial" panose="020B0604020202020204" pitchFamily="34" charset="0"/>
+              <a:ea typeface="Arial" panose="020B0604020202020204" pitchFamily="34" charset="0"/>
+            </a:endParaRPr>
+          </a:p>
+        </p:txBody>
+      </p:sp>
+      <p:sp>
+        <p:nvSpPr>
+          <p:cNvPr id="2" name="Rectangle: Rounded Corners 1">
+            <a:extLst>
+              <a:ext uri="{FF2B5EF4-FFF2-40B4-BE49-F238E27FC236}">
+                <a16:creationId xmlns:a16="http://schemas.microsoft.com/office/drawing/2014/main" id="{CE44D926-3D4E-B637-8510-2039D9E3F35E}"/>
               </a:ext>
             </a:extLst>
           </p:cNvPr>
@@ -9480,10 +8409,10 @@
         </p:nvSpPr>
         <p:spPr>
           <a:xfrm>
-            <a:off x="1475172" y="2922177"/>
-            <a:ext cx="146584" cy="1620693"/>
-          </a:xfrm>
-          <a:prstGeom prst="upArrow">
+            <a:off x="1084536" y="1855302"/>
+            <a:ext cx="1963463" cy="758093"/>
+          </a:xfrm>
+          <a:prstGeom prst="roundRect">
             <a:avLst/>
           </a:prstGeom>
         </p:spPr>
@@ -9507,181 +8436,33 @@
           <a:bodyPr rtlCol="0" anchor="ctr"/>
           <a:lstStyle/>
           <a:p>
-            <a:pPr algn="ctr"/>
-            <a:endParaRPr lang="en-IN"/>
-          </a:p>
-        </p:txBody>
-      </p:sp>
-      <p:sp>
-        <p:nvSpPr>
-          <p:cNvPr id="9" name="TextBox 8">
-            <a:extLst>
-              <a:ext uri="{FF2B5EF4-FFF2-40B4-BE49-F238E27FC236}">
-                <a16:creationId xmlns:a16="http://schemas.microsoft.com/office/drawing/2014/main" id="{8430F825-15EF-F9F6-3A08-ED6F1BFF3CE8}"/>
-              </a:ext>
-            </a:extLst>
-          </p:cNvPr>
-          <p:cNvSpPr txBox="1"/>
-          <p:nvPr/>
-        </p:nvSpPr>
-        <p:spPr>
-          <a:xfrm>
-            <a:off x="1547623" y="3596172"/>
-            <a:ext cx="1266693" cy="323165"/>
-          </a:xfrm>
-          <a:prstGeom prst="rect">
-            <a:avLst/>
-          </a:prstGeom>
-          <a:noFill/>
-        </p:spPr>
-        <p:txBody>
-          <a:bodyPr wrap="none" rtlCol="0">
-            <a:spAutoFit/>
-          </a:bodyPr>
-          <a:lstStyle/>
-          <a:p>
-            <a:r>
-              <a:rPr lang="en-IN" sz="1500" dirty="0">
+            <a:r>
+              <a:rPr lang="en-IN" dirty="0">
+                <a:ln w="0"/>
+                <a:solidFill>
+                  <a:schemeClr val="tx1"/>
+                </a:solidFill>
+                <a:effectLst>
+                  <a:outerShdw blurRad="38100" dist="19050" dir="2700000" algn="tl" rotWithShape="0">
+                    <a:schemeClr val="dk1">
+                      <a:alpha val="40000"/>
+                    </a:schemeClr>
+                  </a:outerShdw>
+                </a:effectLst>
                 <a:latin typeface="Times New Roman" panose="02020603050405020304" pitchFamily="18" charset="0"/>
                 <a:cs typeface="Times New Roman" panose="02020603050405020304" pitchFamily="18" charset="0"/>
               </a:rPr>
-              <a:t>Commit Code</a:t>
-            </a:r>
-          </a:p>
-        </p:txBody>
-      </p:sp>
-      <p:cxnSp>
-        <p:nvCxnSpPr>
-          <p:cNvPr id="11" name="Straight Arrow Connector 10">
-            <a:extLst>
-              <a:ext uri="{FF2B5EF4-FFF2-40B4-BE49-F238E27FC236}">
-                <a16:creationId xmlns:a16="http://schemas.microsoft.com/office/drawing/2014/main" id="{ABC2864D-4BDF-0646-F9E9-0E99FED2A402}"/>
-              </a:ext>
-            </a:extLst>
-          </p:cNvPr>
-          <p:cNvCxnSpPr>
-            <a:cxnSpLocks/>
-          </p:cNvCxnSpPr>
-          <p:nvPr/>
-        </p:nvCxnSpPr>
-        <p:spPr>
-          <a:xfrm>
-            <a:off x="2838981" y="2276751"/>
-            <a:ext cx="1885419" cy="645426"/>
-          </a:xfrm>
-          <a:prstGeom prst="straightConnector1">
-            <a:avLst/>
-          </a:prstGeom>
-          <a:ln>
-            <a:tailEnd type="triangle"/>
-          </a:ln>
-        </p:spPr>
-        <p:style>
-          <a:lnRef idx="1">
-            <a:schemeClr val="accent2"/>
-          </a:lnRef>
-          <a:fillRef idx="0">
-            <a:schemeClr val="accent2"/>
-          </a:fillRef>
-          <a:effectRef idx="0">
-            <a:schemeClr val="accent2"/>
-          </a:effectRef>
-          <a:fontRef idx="minor">
-            <a:schemeClr val="tx1"/>
-          </a:fontRef>
-        </p:style>
-      </p:cxnSp>
-      <p:sp>
-        <p:nvSpPr>
-          <p:cNvPr id="13" name="TextBox 12">
-            <a:extLst>
-              <a:ext uri="{FF2B5EF4-FFF2-40B4-BE49-F238E27FC236}">
-                <a16:creationId xmlns:a16="http://schemas.microsoft.com/office/drawing/2014/main" id="{9E240624-4167-586D-5F39-B3E6012171F8}"/>
-              </a:ext>
-            </a:extLst>
-          </p:cNvPr>
-          <p:cNvSpPr txBox="1"/>
-          <p:nvPr/>
-        </p:nvSpPr>
-        <p:spPr>
-          <a:xfrm>
-            <a:off x="4854313" y="2024413"/>
-            <a:ext cx="2483372" cy="323165"/>
-          </a:xfrm>
-          <a:prstGeom prst="rect">
-            <a:avLst/>
-          </a:prstGeom>
-          <a:noFill/>
-        </p:spPr>
-        <p:txBody>
-          <a:bodyPr wrap="none" rtlCol="0">
-            <a:spAutoFit/>
-          </a:bodyPr>
-          <a:lstStyle/>
-          <a:p>
-            <a:r>
-              <a:rPr lang="en-IN" sz="1500" dirty="0">
-                <a:latin typeface="Times New Roman" panose="02020603050405020304" pitchFamily="18" charset="0"/>
-                <a:cs typeface="Times New Roman" panose="02020603050405020304" pitchFamily="18" charset="0"/>
-              </a:rPr>
-              <a:t>CI/Copy &amp; Build &amp; test Code</a:t>
-            </a:r>
-          </a:p>
-        </p:txBody>
-      </p:sp>
-      <p:pic>
-        <p:nvPicPr>
-          <p:cNvPr id="2056" name="Picture 8" descr="Docker Hub Introduction Tutorial - YouTube">
-            <a:extLst>
-              <a:ext uri="{FF2B5EF4-FFF2-40B4-BE49-F238E27FC236}">
-                <a16:creationId xmlns:a16="http://schemas.microsoft.com/office/drawing/2014/main" id="{B932BBD9-B790-E023-644F-4530A11783E1}"/>
-              </a:ext>
-            </a:extLst>
-          </p:cNvPr>
-          <p:cNvPicPr>
-            <a:picLocks noChangeAspect="1" noChangeArrowheads="1"/>
-          </p:cNvPicPr>
-          <p:nvPr/>
-        </p:nvPicPr>
-        <p:blipFill>
-          <a:blip r:embed="rId7">
-            <a:extLst>
-              <a:ext uri="{28A0092B-C50C-407E-A947-70E740481C1C}">
-                <a14:useLocalDpi xmlns:a14="http://schemas.microsoft.com/office/drawing/2010/main" val="0"/>
-              </a:ext>
-            </a:extLst>
-          </a:blip>
-          <a:srcRect/>
-          <a:stretch>
-            <a:fillRect/>
-          </a:stretch>
-        </p:blipFill>
-        <p:spPr bwMode="auto">
-          <a:xfrm>
-            <a:off x="8786289" y="1337125"/>
-            <a:ext cx="2046125" cy="871452"/>
-          </a:xfrm>
-          <a:prstGeom prst="rect">
-            <a:avLst/>
-          </a:prstGeom>
-          <a:noFill/>
-          <a:extLst>
-            <a:ext uri="{909E8E84-426E-40DD-AFC4-6F175D3DCCD1}">
-              <a14:hiddenFill xmlns:a14="http://schemas.microsoft.com/office/drawing/2010/main">
-                <a:solidFill>
-                  <a:srgbClr val="FFFFFF"/>
-                </a:solidFill>
-              </a14:hiddenFill>
-            </a:ext>
-          </a:extLst>
-        </p:spPr>
-      </p:pic>
-      <p:sp>
-        <p:nvSpPr>
-          <p:cNvPr id="14" name="Arrow: Up 13">
-            <a:extLst>
-              <a:ext uri="{FF2B5EF4-FFF2-40B4-BE49-F238E27FC236}">
-                <a16:creationId xmlns:a16="http://schemas.microsoft.com/office/drawing/2014/main" id="{81516FE1-E3A4-B24E-5861-5DAB0D00D4FF}"/>
+              <a:t>Spring Boot App</a:t>
+            </a:r>
+          </a:p>
+        </p:txBody>
+      </p:sp>
+      <p:sp>
+        <p:nvSpPr>
+          <p:cNvPr id="3" name="Rectangle: Rounded Corners 2">
+            <a:extLst>
+              <a:ext uri="{FF2B5EF4-FFF2-40B4-BE49-F238E27FC236}">
+                <a16:creationId xmlns:a16="http://schemas.microsoft.com/office/drawing/2014/main" id="{4BF3623C-A179-B1EA-89B4-0D59CEDDE1BD}"/>
               </a:ext>
             </a:extLst>
           </p:cNvPr>
@@ -9689,11 +8470,11 @@
           <p:nvPr/>
         </p:nvSpPr>
         <p:spPr>
-          <a:xfrm rot="4076490">
-            <a:off x="8014998" y="1830296"/>
-            <a:ext cx="93980" cy="1351058"/>
-          </a:xfrm>
-          <a:prstGeom prst="upArrow">
+          <a:xfrm>
+            <a:off x="3590267" y="1829341"/>
+            <a:ext cx="1963463" cy="758093"/>
+          </a:xfrm>
+          <a:prstGeom prst="roundRect">
             <a:avLst/>
           </a:prstGeom>
         </p:spPr>
@@ -9718,78 +8499,45 @@
           <a:lstStyle/>
           <a:p>
             <a:pPr algn="ctr"/>
-            <a:endParaRPr lang="en-IN"/>
-          </a:p>
-        </p:txBody>
-      </p:sp>
-      <p:pic>
-        <p:nvPicPr>
-          <p:cNvPr id="2058" name="Picture 10" descr="Kubernetes Logo and symbol, meaning, history, PNG, brand">
-            <a:extLst>
-              <a:ext uri="{FF2B5EF4-FFF2-40B4-BE49-F238E27FC236}">
-                <a16:creationId xmlns:a16="http://schemas.microsoft.com/office/drawing/2014/main" id="{27A319AC-A1DD-005A-E596-C3E05844C2C2}"/>
-              </a:ext>
-            </a:extLst>
-          </p:cNvPr>
-          <p:cNvPicPr>
-            <a:picLocks noChangeAspect="1" noChangeArrowheads="1"/>
-          </p:cNvPicPr>
-          <p:nvPr/>
-        </p:nvPicPr>
-        <p:blipFill>
-          <a:blip r:embed="rId8">
-            <a:extLst>
-              <a:ext uri="{28A0092B-C50C-407E-A947-70E740481C1C}">
-                <a14:useLocalDpi xmlns:a14="http://schemas.microsoft.com/office/drawing/2010/main" val="0"/>
-              </a:ext>
-            </a:extLst>
-          </a:blip>
-          <a:srcRect/>
-          <a:stretch>
-            <a:fillRect/>
-          </a:stretch>
-        </p:blipFill>
-        <p:spPr bwMode="auto">
-          <a:xfrm>
-            <a:off x="8730920" y="4914258"/>
-            <a:ext cx="2156861" cy="1213234"/>
+            <a:r>
+              <a:rPr lang="en-IN" dirty="0">
+                <a:ln w="0"/>
+                <a:solidFill>
+                  <a:schemeClr val="tx1"/>
+                </a:solidFill>
+                <a:effectLst>
+                  <a:outerShdw blurRad="38100" dist="19050" dir="2700000" algn="tl" rotWithShape="0">
+                    <a:schemeClr val="dk1">
+                      <a:alpha val="40000"/>
+                    </a:schemeClr>
+                  </a:outerShdw>
+                </a:effectLst>
+                <a:latin typeface="Times New Roman" panose="02020603050405020304" pitchFamily="18" charset="0"/>
+                <a:cs typeface="Times New Roman" panose="02020603050405020304" pitchFamily="18" charset="0"/>
+              </a:rPr>
+              <a:t>Git Repo</a:t>
+            </a:r>
+          </a:p>
+        </p:txBody>
+      </p:sp>
+      <p:sp>
+        <p:nvSpPr>
+          <p:cNvPr id="7" name="Rectangle: Rounded Corners 6">
+            <a:extLst>
+              <a:ext uri="{FF2B5EF4-FFF2-40B4-BE49-F238E27FC236}">
+                <a16:creationId xmlns:a16="http://schemas.microsoft.com/office/drawing/2014/main" id="{86E704E6-520D-BD58-5DCD-D52CE3A852BF}"/>
+              </a:ext>
+            </a:extLst>
+          </p:cNvPr>
+          <p:cNvSpPr/>
+          <p:nvPr/>
+        </p:nvSpPr>
+        <p:spPr>
+          <a:xfrm>
+            <a:off x="6095999" y="1799491"/>
+            <a:ext cx="1963463" cy="758093"/>
           </a:xfrm>
           <a:prstGeom prst="roundRect">
-            <a:avLst>
-              <a:gd name="adj" fmla="val 8594"/>
-            </a:avLst>
-          </a:prstGeom>
-          <a:solidFill>
-            <a:srgbClr val="FFFFFF">
-              <a:shade val="85000"/>
-            </a:srgbClr>
-          </a:solidFill>
-          <a:ln>
-            <a:noFill/>
-          </a:ln>
-          <a:effectLst>
-            <a:reflection blurRad="12700" stA="38000" endPos="28000" dist="5000" dir="5400000" sy="-100000" algn="bl" rotWithShape="0"/>
-          </a:effectLst>
-        </p:spPr>
-      </p:pic>
-      <p:sp>
-        <p:nvSpPr>
-          <p:cNvPr id="15" name="Arrow: Down 14">
-            <a:extLst>
-              <a:ext uri="{FF2B5EF4-FFF2-40B4-BE49-F238E27FC236}">
-                <a16:creationId xmlns:a16="http://schemas.microsoft.com/office/drawing/2014/main" id="{16A80E24-8AE0-90AF-3234-BD8805ED9718}"/>
-              </a:ext>
-            </a:extLst>
-          </p:cNvPr>
-          <p:cNvSpPr/>
-          <p:nvPr/>
-        </p:nvSpPr>
-        <p:spPr>
-          <a:xfrm rot="18674249">
-            <a:off x="8127132" y="3184151"/>
-            <a:ext cx="139554" cy="1948589"/>
-          </a:xfrm>
-          <a:prstGeom prst="downArrow">
             <a:avLst/>
           </a:prstGeom>
         </p:spPr>
@@ -9814,58 +8562,33 @@
           <a:lstStyle/>
           <a:p>
             <a:pPr algn="ctr"/>
-            <a:endParaRPr lang="en-IN"/>
-          </a:p>
-        </p:txBody>
-      </p:sp>
-      <p:sp>
-        <p:nvSpPr>
-          <p:cNvPr id="16" name="TextBox 15">
-            <a:extLst>
-              <a:ext uri="{FF2B5EF4-FFF2-40B4-BE49-F238E27FC236}">
-                <a16:creationId xmlns:a16="http://schemas.microsoft.com/office/drawing/2014/main" id="{E628139C-640E-53AB-9E44-DC47CCEFB238}"/>
-              </a:ext>
-            </a:extLst>
-          </p:cNvPr>
-          <p:cNvSpPr txBox="1"/>
-          <p:nvPr/>
-        </p:nvSpPr>
-        <p:spPr>
-          <a:xfrm>
-            <a:off x="9030704" y="4471213"/>
-            <a:ext cx="1965157" cy="553998"/>
-          </a:xfrm>
-          <a:prstGeom prst="rect">
-            <a:avLst/>
-          </a:prstGeom>
-          <a:noFill/>
-        </p:spPr>
-        <p:txBody>
-          <a:bodyPr wrap="square" rtlCol="0">
-            <a:spAutoFit/>
-          </a:bodyPr>
-          <a:lstStyle/>
-          <a:p>
-            <a:r>
-              <a:rPr lang="en-US" sz="1500" dirty="0">
+            <a:r>
+              <a:rPr lang="en-IN" dirty="0">
+                <a:ln w="0"/>
+                <a:solidFill>
+                  <a:schemeClr val="tx1"/>
+                </a:solidFill>
+                <a:effectLst>
+                  <a:outerShdw blurRad="38100" dist="19050" dir="2700000" algn="tl" rotWithShape="0">
+                    <a:schemeClr val="dk1">
+                      <a:alpha val="40000"/>
+                    </a:schemeClr>
+                  </a:outerShdw>
+                </a:effectLst>
                 <a:latin typeface="Times New Roman" panose="02020603050405020304" pitchFamily="18" charset="0"/>
                 <a:cs typeface="Times New Roman" panose="02020603050405020304" pitchFamily="18" charset="0"/>
               </a:rPr>
-              <a:t>Deploy Docker Image To Kubernetes Cluster</a:t>
-            </a:r>
-            <a:endParaRPr lang="en-IN" sz="1500" dirty="0">
-              <a:latin typeface="Times New Roman" panose="02020603050405020304" pitchFamily="18" charset="0"/>
-              <a:cs typeface="Times New Roman" panose="02020603050405020304" pitchFamily="18" charset="0"/>
-            </a:endParaRPr>
-          </a:p>
-        </p:txBody>
-      </p:sp>
-      <p:sp>
-        <p:nvSpPr>
-          <p:cNvPr id="17" name="Arrow: Down 16">
-            <a:extLst>
-              <a:ext uri="{FF2B5EF4-FFF2-40B4-BE49-F238E27FC236}">
-                <a16:creationId xmlns:a16="http://schemas.microsoft.com/office/drawing/2014/main" id="{75A05532-C25F-456F-3055-114665843DB6}"/>
+              <a:t>Jenkins</a:t>
+            </a:r>
+          </a:p>
+        </p:txBody>
+      </p:sp>
+      <p:sp>
+        <p:nvSpPr>
+          <p:cNvPr id="9" name="Rectangle: Rounded Corners 8">
+            <a:extLst>
+              <a:ext uri="{FF2B5EF4-FFF2-40B4-BE49-F238E27FC236}">
+                <a16:creationId xmlns:a16="http://schemas.microsoft.com/office/drawing/2014/main" id="{764F55F1-BB84-06C2-B074-560379E5BBF5}"/>
               </a:ext>
             </a:extLst>
           </p:cNvPr>
@@ -9874,10 +8597,10 @@
         </p:nvSpPr>
         <p:spPr>
           <a:xfrm>
-            <a:off x="9865895" y="2347578"/>
-            <a:ext cx="136358" cy="1831390"/>
-          </a:xfrm>
-          <a:prstGeom prst="downArrow">
+            <a:off x="8670863" y="1831705"/>
+            <a:ext cx="1963463" cy="758093"/>
+          </a:xfrm>
+          <a:prstGeom prst="roundRect">
             <a:avLst/>
           </a:prstGeom>
         </p:spPr>
@@ -9902,16 +8625,1159 @@
           <a:lstStyle/>
           <a:p>
             <a:pPr algn="ctr"/>
+            <a:r>
+              <a:rPr lang="en-IN" dirty="0" err="1">
+                <a:ln w="0"/>
+                <a:solidFill>
+                  <a:schemeClr val="tx1"/>
+                </a:solidFill>
+                <a:effectLst>
+                  <a:outerShdw blurRad="38100" dist="19050" dir="2700000" algn="tl" rotWithShape="0">
+                    <a:schemeClr val="dk1">
+                      <a:alpha val="40000"/>
+                    </a:schemeClr>
+                  </a:outerShdw>
+                </a:effectLst>
+                <a:latin typeface="Times New Roman" panose="02020603050405020304" pitchFamily="18" charset="0"/>
+                <a:cs typeface="Times New Roman" panose="02020603050405020304" pitchFamily="18" charset="0"/>
+              </a:rPr>
+              <a:t>WebServer</a:t>
+            </a:r>
+            <a:endParaRPr lang="en-IN" dirty="0">
+              <a:ln w="0"/>
+              <a:solidFill>
+                <a:schemeClr val="tx1"/>
+              </a:solidFill>
+              <a:effectLst>
+                <a:outerShdw blurRad="38100" dist="19050" dir="2700000" algn="tl" rotWithShape="0">
+                  <a:schemeClr val="dk1">
+                    <a:alpha val="40000"/>
+                  </a:schemeClr>
+                </a:outerShdw>
+              </a:effectLst>
+              <a:latin typeface="Times New Roman" panose="02020603050405020304" pitchFamily="18" charset="0"/>
+              <a:cs typeface="Times New Roman" panose="02020603050405020304" pitchFamily="18" charset="0"/>
+            </a:endParaRPr>
+          </a:p>
+        </p:txBody>
+      </p:sp>
+      <p:sp>
+        <p:nvSpPr>
+          <p:cNvPr id="11" name="Rectangle: Rounded Corners 10">
+            <a:extLst>
+              <a:ext uri="{FF2B5EF4-FFF2-40B4-BE49-F238E27FC236}">
+                <a16:creationId xmlns:a16="http://schemas.microsoft.com/office/drawing/2014/main" id="{ADA0BC4F-A3D3-5A88-8441-6529B55EF239}"/>
+              </a:ext>
+            </a:extLst>
+          </p:cNvPr>
+          <p:cNvSpPr/>
+          <p:nvPr/>
+        </p:nvSpPr>
+        <p:spPr>
+          <a:xfrm>
+            <a:off x="1084536" y="3674032"/>
+            <a:ext cx="1963463" cy="758093"/>
+          </a:xfrm>
+          <a:prstGeom prst="roundRect">
+            <a:avLst/>
+          </a:prstGeom>
+        </p:spPr>
+        <p:style>
+          <a:lnRef idx="2">
+            <a:schemeClr val="accent2">
+              <a:shade val="50000"/>
+            </a:schemeClr>
+          </a:lnRef>
+          <a:fillRef idx="1">
+            <a:schemeClr val="accent2"/>
+          </a:fillRef>
+          <a:effectRef idx="0">
+            <a:schemeClr val="accent2"/>
+          </a:effectRef>
+          <a:fontRef idx="minor">
+            <a:schemeClr val="lt1"/>
+          </a:fontRef>
+        </p:style>
+        <p:txBody>
+          <a:bodyPr rtlCol="0" anchor="ctr"/>
+          <a:lstStyle/>
+          <a:p>
+            <a:pPr algn="ctr"/>
+            <a:r>
+              <a:rPr lang="en-IN" dirty="0">
+                <a:ln w="0"/>
+                <a:solidFill>
+                  <a:schemeClr val="tx1"/>
+                </a:solidFill>
+                <a:effectLst>
+                  <a:outerShdw blurRad="38100" dist="19050" dir="2700000" algn="tl" rotWithShape="0">
+                    <a:schemeClr val="dk1">
+                      <a:alpha val="40000"/>
+                    </a:schemeClr>
+                  </a:outerShdw>
+                </a:effectLst>
+                <a:latin typeface="Times New Roman" panose="02020603050405020304" pitchFamily="18" charset="0"/>
+                <a:cs typeface="Times New Roman" panose="02020603050405020304" pitchFamily="18" charset="0"/>
+              </a:rPr>
+              <a:t>HTTPs</a:t>
+            </a:r>
+          </a:p>
+        </p:txBody>
+      </p:sp>
+      <p:sp>
+        <p:nvSpPr>
+          <p:cNvPr id="12" name="Rectangle: Rounded Corners 11">
+            <a:extLst>
+              <a:ext uri="{FF2B5EF4-FFF2-40B4-BE49-F238E27FC236}">
+                <a16:creationId xmlns:a16="http://schemas.microsoft.com/office/drawing/2014/main" id="{78527577-B7EE-B0ED-B6E0-47D1DEAC0750}"/>
+              </a:ext>
+            </a:extLst>
+          </p:cNvPr>
+          <p:cNvSpPr/>
+          <p:nvPr/>
+        </p:nvSpPr>
+        <p:spPr>
+          <a:xfrm>
+            <a:off x="3590267" y="3661051"/>
+            <a:ext cx="1963463" cy="758093"/>
+          </a:xfrm>
+          <a:prstGeom prst="roundRect">
+            <a:avLst/>
+          </a:prstGeom>
+        </p:spPr>
+        <p:style>
+          <a:lnRef idx="2">
+            <a:schemeClr val="accent2">
+              <a:shade val="50000"/>
+            </a:schemeClr>
+          </a:lnRef>
+          <a:fillRef idx="1">
+            <a:schemeClr val="accent2"/>
+          </a:fillRef>
+          <a:effectRef idx="0">
+            <a:schemeClr val="accent2"/>
+          </a:effectRef>
+          <a:fontRef idx="minor">
+            <a:schemeClr val="lt1"/>
+          </a:fontRef>
+        </p:style>
+        <p:txBody>
+          <a:bodyPr rtlCol="0" anchor="ctr"/>
+          <a:lstStyle/>
+          <a:p>
+            <a:pPr algn="ctr"/>
+            <a:r>
+              <a:rPr lang="en-IN" dirty="0">
+                <a:ln w="0"/>
+                <a:solidFill>
+                  <a:schemeClr val="tx1"/>
+                </a:solidFill>
+                <a:effectLst>
+                  <a:outerShdw blurRad="38100" dist="19050" dir="2700000" algn="tl" rotWithShape="0">
+                    <a:schemeClr val="dk1">
+                      <a:alpha val="40000"/>
+                    </a:schemeClr>
+                  </a:outerShdw>
+                </a:effectLst>
+                <a:latin typeface="Times New Roman" panose="02020603050405020304" pitchFamily="18" charset="0"/>
+                <a:cs typeface="Times New Roman" panose="02020603050405020304" pitchFamily="18" charset="0"/>
+              </a:rPr>
+              <a:t>Postman</a:t>
+            </a:r>
+          </a:p>
+        </p:txBody>
+      </p:sp>
+      <p:sp>
+        <p:nvSpPr>
+          <p:cNvPr id="13" name="Rectangle: Rounded Corners 12">
+            <a:extLst>
+              <a:ext uri="{FF2B5EF4-FFF2-40B4-BE49-F238E27FC236}">
+                <a16:creationId xmlns:a16="http://schemas.microsoft.com/office/drawing/2014/main" id="{EDF859F1-47B1-648F-FD2B-991AEA2BADAB}"/>
+              </a:ext>
+            </a:extLst>
+          </p:cNvPr>
+          <p:cNvSpPr/>
+          <p:nvPr/>
+        </p:nvSpPr>
+        <p:spPr>
+          <a:xfrm>
+            <a:off x="6095999" y="3646126"/>
+            <a:ext cx="1963463" cy="758093"/>
+          </a:xfrm>
+          <a:prstGeom prst="roundRect">
+            <a:avLst/>
+          </a:prstGeom>
+        </p:spPr>
+        <p:style>
+          <a:lnRef idx="2">
+            <a:schemeClr val="accent2">
+              <a:shade val="50000"/>
+            </a:schemeClr>
+          </a:lnRef>
+          <a:fillRef idx="1">
+            <a:schemeClr val="accent2"/>
+          </a:fillRef>
+          <a:effectRef idx="0">
+            <a:schemeClr val="accent2"/>
+          </a:effectRef>
+          <a:fontRef idx="minor">
+            <a:schemeClr val="lt1"/>
+          </a:fontRef>
+        </p:style>
+        <p:txBody>
+          <a:bodyPr rtlCol="0" anchor="ctr"/>
+          <a:lstStyle/>
+          <a:p>
+            <a:pPr algn="ctr"/>
+            <a:r>
+              <a:rPr lang="en-IN" dirty="0">
+                <a:ln w="0"/>
+                <a:solidFill>
+                  <a:schemeClr val="tx1"/>
+                </a:solidFill>
+                <a:effectLst>
+                  <a:outerShdw blurRad="38100" dist="19050" dir="2700000" algn="tl" rotWithShape="0">
+                    <a:schemeClr val="dk1">
+                      <a:alpha val="40000"/>
+                    </a:schemeClr>
+                  </a:outerShdw>
+                </a:effectLst>
+                <a:latin typeface="Times New Roman" panose="02020603050405020304" pitchFamily="18" charset="0"/>
+                <a:cs typeface="Times New Roman" panose="02020603050405020304" pitchFamily="18" charset="0"/>
+              </a:rPr>
+              <a:t>Logging</a:t>
+            </a:r>
+          </a:p>
+        </p:txBody>
+      </p:sp>
+      <p:sp>
+        <p:nvSpPr>
+          <p:cNvPr id="14" name="Rectangle: Rounded Corners 13">
+            <a:extLst>
+              <a:ext uri="{FF2B5EF4-FFF2-40B4-BE49-F238E27FC236}">
+                <a16:creationId xmlns:a16="http://schemas.microsoft.com/office/drawing/2014/main" id="{A6F9FE54-B6C1-7F66-AD3C-FEFFDED1A0C4}"/>
+              </a:ext>
+            </a:extLst>
+          </p:cNvPr>
+          <p:cNvSpPr/>
+          <p:nvPr/>
+        </p:nvSpPr>
+        <p:spPr>
+          <a:xfrm>
+            <a:off x="8670863" y="3662233"/>
+            <a:ext cx="1963463" cy="758093"/>
+          </a:xfrm>
+          <a:prstGeom prst="roundRect">
+            <a:avLst/>
+          </a:prstGeom>
+        </p:spPr>
+        <p:style>
+          <a:lnRef idx="2">
+            <a:schemeClr val="accent2">
+              <a:shade val="50000"/>
+            </a:schemeClr>
+          </a:lnRef>
+          <a:fillRef idx="1">
+            <a:schemeClr val="accent2"/>
+          </a:fillRef>
+          <a:effectRef idx="0">
+            <a:schemeClr val="accent2"/>
+          </a:effectRef>
+          <a:fontRef idx="minor">
+            <a:schemeClr val="lt1"/>
+          </a:fontRef>
+        </p:style>
+        <p:txBody>
+          <a:bodyPr rtlCol="0" anchor="ctr"/>
+          <a:lstStyle/>
+          <a:p>
+            <a:pPr algn="ctr"/>
+            <a:r>
+              <a:rPr lang="en-IN" sz="1700" dirty="0">
+                <a:ln w="0"/>
+                <a:solidFill>
+                  <a:schemeClr val="tx1"/>
+                </a:solidFill>
+                <a:effectLst>
+                  <a:outerShdw blurRad="38100" dist="19050" dir="2700000" algn="tl" rotWithShape="0">
+                    <a:schemeClr val="dk1">
+                      <a:alpha val="40000"/>
+                    </a:schemeClr>
+                  </a:outerShdw>
+                </a:effectLst>
+                <a:latin typeface="Times New Roman" panose="02020603050405020304" pitchFamily="18" charset="0"/>
+                <a:cs typeface="Times New Roman" panose="02020603050405020304" pitchFamily="18" charset="0"/>
+              </a:rPr>
+              <a:t>HTTP Web Service</a:t>
+            </a:r>
+          </a:p>
+        </p:txBody>
+      </p:sp>
+      <p:sp>
+        <p:nvSpPr>
+          <p:cNvPr id="15" name="Rectangle: Rounded Corners 14">
+            <a:extLst>
+              <a:ext uri="{FF2B5EF4-FFF2-40B4-BE49-F238E27FC236}">
+                <a16:creationId xmlns:a16="http://schemas.microsoft.com/office/drawing/2014/main" id="{09C4B4A9-38C5-1AAB-E67B-3986421FC266}"/>
+              </a:ext>
+            </a:extLst>
+          </p:cNvPr>
+          <p:cNvSpPr/>
+          <p:nvPr/>
+        </p:nvSpPr>
+        <p:spPr>
+          <a:xfrm>
+            <a:off x="8670864" y="5492761"/>
+            <a:ext cx="1963463" cy="758093"/>
+          </a:xfrm>
+          <a:prstGeom prst="roundRect">
+            <a:avLst/>
+          </a:prstGeom>
+        </p:spPr>
+        <p:style>
+          <a:lnRef idx="2">
+            <a:schemeClr val="accent2">
+              <a:shade val="50000"/>
+            </a:schemeClr>
+          </a:lnRef>
+          <a:fillRef idx="1">
+            <a:schemeClr val="accent2"/>
+          </a:fillRef>
+          <a:effectRef idx="0">
+            <a:schemeClr val="accent2"/>
+          </a:effectRef>
+          <a:fontRef idx="minor">
+            <a:schemeClr val="lt1"/>
+          </a:fontRef>
+        </p:style>
+        <p:txBody>
+          <a:bodyPr rtlCol="0" anchor="ctr"/>
+          <a:lstStyle/>
+          <a:p>
+            <a:pPr algn="ctr"/>
+            <a:r>
+              <a:rPr lang="en-IN" dirty="0">
+                <a:ln w="0"/>
+                <a:solidFill>
+                  <a:schemeClr val="tx1"/>
+                </a:solidFill>
+                <a:effectLst>
+                  <a:outerShdw blurRad="38100" dist="19050" dir="2700000" algn="tl" rotWithShape="0">
+                    <a:schemeClr val="dk1">
+                      <a:alpha val="40000"/>
+                    </a:schemeClr>
+                  </a:outerShdw>
+                </a:effectLst>
+                <a:latin typeface="Times New Roman" panose="02020603050405020304" pitchFamily="18" charset="0"/>
+                <a:cs typeface="Times New Roman" panose="02020603050405020304" pitchFamily="18" charset="0"/>
+              </a:rPr>
+              <a:t>Java Client</a:t>
+            </a:r>
+          </a:p>
+        </p:txBody>
+      </p:sp>
+      <p:sp>
+        <p:nvSpPr>
+          <p:cNvPr id="16" name="Rectangle: Rounded Corners 15">
+            <a:extLst>
+              <a:ext uri="{FF2B5EF4-FFF2-40B4-BE49-F238E27FC236}">
+                <a16:creationId xmlns:a16="http://schemas.microsoft.com/office/drawing/2014/main" id="{0A057629-F724-5EDD-FEB3-E32F939B90C6}"/>
+              </a:ext>
+            </a:extLst>
+          </p:cNvPr>
+          <p:cNvSpPr/>
+          <p:nvPr/>
+        </p:nvSpPr>
+        <p:spPr>
+          <a:xfrm>
+            <a:off x="6097801" y="5492762"/>
+            <a:ext cx="1963463" cy="758093"/>
+          </a:xfrm>
+          <a:prstGeom prst="roundRect">
+            <a:avLst/>
+          </a:prstGeom>
+        </p:spPr>
+        <p:style>
+          <a:lnRef idx="2">
+            <a:schemeClr val="accent2">
+              <a:shade val="50000"/>
+            </a:schemeClr>
+          </a:lnRef>
+          <a:fillRef idx="1">
+            <a:schemeClr val="accent2"/>
+          </a:fillRef>
+          <a:effectRef idx="0">
+            <a:schemeClr val="accent2"/>
+          </a:effectRef>
+          <a:fontRef idx="minor">
+            <a:schemeClr val="lt1"/>
+          </a:fontRef>
+        </p:style>
+        <p:txBody>
+          <a:bodyPr rtlCol="0" anchor="ctr"/>
+          <a:lstStyle/>
+          <a:p>
+            <a:pPr algn="ctr"/>
+            <a:r>
+              <a:rPr lang="en-IN" dirty="0">
+                <a:ln w="0"/>
+                <a:solidFill>
+                  <a:schemeClr val="tx1"/>
+                </a:solidFill>
+                <a:effectLst>
+                  <a:outerShdw blurRad="38100" dist="19050" dir="2700000" algn="tl" rotWithShape="0">
+                    <a:schemeClr val="dk1">
+                      <a:alpha val="40000"/>
+                    </a:schemeClr>
+                  </a:outerShdw>
+                </a:effectLst>
+                <a:latin typeface="Times New Roman" panose="02020603050405020304" pitchFamily="18" charset="0"/>
+                <a:cs typeface="Times New Roman" panose="02020603050405020304" pitchFamily="18" charset="0"/>
+              </a:rPr>
+              <a:t>Kubernetes</a:t>
+            </a:r>
+          </a:p>
+        </p:txBody>
+      </p:sp>
+      <p:sp>
+        <p:nvSpPr>
+          <p:cNvPr id="17" name="Rectangle: Rounded Corners 16">
+            <a:extLst>
+              <a:ext uri="{FF2B5EF4-FFF2-40B4-BE49-F238E27FC236}">
+                <a16:creationId xmlns:a16="http://schemas.microsoft.com/office/drawing/2014/main" id="{8EEDD56E-9FD0-4E08-271A-1E119768BF33}"/>
+              </a:ext>
+            </a:extLst>
+          </p:cNvPr>
+          <p:cNvSpPr/>
+          <p:nvPr/>
+        </p:nvSpPr>
+        <p:spPr>
+          <a:xfrm>
+            <a:off x="3659401" y="5492761"/>
+            <a:ext cx="1963463" cy="758093"/>
+          </a:xfrm>
+          <a:prstGeom prst="roundRect">
+            <a:avLst/>
+          </a:prstGeom>
+        </p:spPr>
+        <p:style>
+          <a:lnRef idx="2">
+            <a:schemeClr val="accent2">
+              <a:shade val="50000"/>
+            </a:schemeClr>
+          </a:lnRef>
+          <a:fillRef idx="1">
+            <a:schemeClr val="accent2"/>
+          </a:fillRef>
+          <a:effectRef idx="0">
+            <a:schemeClr val="accent2"/>
+          </a:effectRef>
+          <a:fontRef idx="minor">
+            <a:schemeClr val="lt1"/>
+          </a:fontRef>
+        </p:style>
+        <p:txBody>
+          <a:bodyPr rtlCol="0" anchor="ctr"/>
+          <a:lstStyle/>
+          <a:p>
+            <a:pPr algn="ctr"/>
+            <a:r>
+              <a:rPr lang="en-IN" dirty="0">
+                <a:ln w="0"/>
+                <a:solidFill>
+                  <a:schemeClr val="tx1"/>
+                </a:solidFill>
+                <a:effectLst>
+                  <a:outerShdw blurRad="38100" dist="19050" dir="2700000" algn="tl" rotWithShape="0">
+                    <a:schemeClr val="dk1">
+                      <a:alpha val="40000"/>
+                    </a:schemeClr>
+                  </a:outerShdw>
+                </a:effectLst>
+                <a:latin typeface="Times New Roman" panose="02020603050405020304" pitchFamily="18" charset="0"/>
+                <a:cs typeface="Times New Roman" panose="02020603050405020304" pitchFamily="18" charset="0"/>
+              </a:rPr>
+              <a:t>Docker Container</a:t>
+            </a:r>
+          </a:p>
+        </p:txBody>
+      </p:sp>
+      <p:sp>
+        <p:nvSpPr>
+          <p:cNvPr id="18" name="Rectangle: Rounded Corners 17">
+            <a:extLst>
+              <a:ext uri="{FF2B5EF4-FFF2-40B4-BE49-F238E27FC236}">
+                <a16:creationId xmlns:a16="http://schemas.microsoft.com/office/drawing/2014/main" id="{C731A70A-77A8-5524-5C1D-A072CBD10E55}"/>
+              </a:ext>
+            </a:extLst>
+          </p:cNvPr>
+          <p:cNvSpPr/>
+          <p:nvPr/>
+        </p:nvSpPr>
+        <p:spPr>
+          <a:xfrm>
+            <a:off x="1086338" y="5492763"/>
+            <a:ext cx="1963463" cy="758093"/>
+          </a:xfrm>
+          <a:prstGeom prst="roundRect">
+            <a:avLst/>
+          </a:prstGeom>
+        </p:spPr>
+        <p:style>
+          <a:lnRef idx="2">
+            <a:schemeClr val="accent2">
+              <a:shade val="50000"/>
+            </a:schemeClr>
+          </a:lnRef>
+          <a:fillRef idx="1">
+            <a:schemeClr val="accent2"/>
+          </a:fillRef>
+          <a:effectRef idx="0">
+            <a:schemeClr val="accent2"/>
+          </a:effectRef>
+          <a:fontRef idx="minor">
+            <a:schemeClr val="lt1"/>
+          </a:fontRef>
+        </p:style>
+        <p:txBody>
+          <a:bodyPr rtlCol="0" anchor="ctr"/>
+          <a:lstStyle/>
+          <a:p>
+            <a:pPr algn="ctr"/>
+            <a:r>
+              <a:rPr lang="en-IN" dirty="0">
+                <a:ln w="0"/>
+                <a:solidFill>
+                  <a:schemeClr val="tx1"/>
+                </a:solidFill>
+                <a:effectLst>
+                  <a:outerShdw blurRad="38100" dist="19050" dir="2700000" algn="tl" rotWithShape="0">
+                    <a:schemeClr val="dk1">
+                      <a:alpha val="40000"/>
+                    </a:schemeClr>
+                  </a:outerShdw>
+                </a:effectLst>
+                <a:latin typeface="Times New Roman" panose="02020603050405020304" pitchFamily="18" charset="0"/>
+                <a:cs typeface="Times New Roman" panose="02020603050405020304" pitchFamily="18" charset="0"/>
+              </a:rPr>
+              <a:t>AES Encryption</a:t>
+            </a:r>
+          </a:p>
+        </p:txBody>
+      </p:sp>
+      <p:sp>
+        <p:nvSpPr>
+          <p:cNvPr id="19" name="Arrow: Right 18">
+            <a:extLst>
+              <a:ext uri="{FF2B5EF4-FFF2-40B4-BE49-F238E27FC236}">
+                <a16:creationId xmlns:a16="http://schemas.microsoft.com/office/drawing/2014/main" id="{706964E1-0AFD-C07B-B5B7-91A3A7FDEE1D}"/>
+              </a:ext>
+            </a:extLst>
+          </p:cNvPr>
+          <p:cNvSpPr/>
+          <p:nvPr/>
+        </p:nvSpPr>
+        <p:spPr>
+          <a:xfrm>
+            <a:off x="3090984" y="2110694"/>
+            <a:ext cx="456298" cy="195385"/>
+          </a:xfrm>
+          <a:prstGeom prst="rightArrow">
+            <a:avLst/>
+          </a:prstGeom>
+        </p:spPr>
+        <p:style>
+          <a:lnRef idx="2">
+            <a:schemeClr val="accent3">
+              <a:shade val="50000"/>
+            </a:schemeClr>
+          </a:lnRef>
+          <a:fillRef idx="1">
+            <a:schemeClr val="accent3"/>
+          </a:fillRef>
+          <a:effectRef idx="0">
+            <a:schemeClr val="accent3"/>
+          </a:effectRef>
+          <a:fontRef idx="minor">
+            <a:schemeClr val="lt1"/>
+          </a:fontRef>
+        </p:style>
+        <p:txBody>
+          <a:bodyPr rtlCol="0" anchor="ctr"/>
+          <a:lstStyle/>
+          <a:p>
+            <a:pPr algn="ctr"/>
             <a:endParaRPr lang="en-IN"/>
           </a:p>
         </p:txBody>
       </p:sp>
       <p:sp>
         <p:nvSpPr>
-          <p:cNvPr id="18" name="TextBox 17">
-            <a:extLst>
-              <a:ext uri="{FF2B5EF4-FFF2-40B4-BE49-F238E27FC236}">
-                <a16:creationId xmlns:a16="http://schemas.microsoft.com/office/drawing/2014/main" id="{2030726B-B054-6ADF-47F9-5C1722C43065}"/>
+          <p:cNvPr id="20" name="Arrow: Right 19">
+            <a:extLst>
+              <a:ext uri="{FF2B5EF4-FFF2-40B4-BE49-F238E27FC236}">
+                <a16:creationId xmlns:a16="http://schemas.microsoft.com/office/drawing/2014/main" id="{3347680F-B63D-E82E-C06D-96818E7D3C6D}"/>
+              </a:ext>
+            </a:extLst>
+          </p:cNvPr>
+          <p:cNvSpPr/>
+          <p:nvPr/>
+        </p:nvSpPr>
+        <p:spPr>
+          <a:xfrm>
+            <a:off x="8153852" y="5774113"/>
+            <a:ext cx="456298" cy="195385"/>
+          </a:xfrm>
+          <a:prstGeom prst="rightArrow">
+            <a:avLst/>
+          </a:prstGeom>
+        </p:spPr>
+        <p:style>
+          <a:lnRef idx="2">
+            <a:schemeClr val="accent3">
+              <a:shade val="50000"/>
+            </a:schemeClr>
+          </a:lnRef>
+          <a:fillRef idx="1">
+            <a:schemeClr val="accent3"/>
+          </a:fillRef>
+          <a:effectRef idx="0">
+            <a:schemeClr val="accent3"/>
+          </a:effectRef>
+          <a:fontRef idx="minor">
+            <a:schemeClr val="lt1"/>
+          </a:fontRef>
+        </p:style>
+        <p:txBody>
+          <a:bodyPr rtlCol="0" anchor="ctr"/>
+          <a:lstStyle/>
+          <a:p>
+            <a:pPr algn="ctr"/>
+            <a:endParaRPr lang="en-IN"/>
+          </a:p>
+        </p:txBody>
+      </p:sp>
+      <p:sp>
+        <p:nvSpPr>
+          <p:cNvPr id="21" name="Arrow: Right 20">
+            <a:extLst>
+              <a:ext uri="{FF2B5EF4-FFF2-40B4-BE49-F238E27FC236}">
+                <a16:creationId xmlns:a16="http://schemas.microsoft.com/office/drawing/2014/main" id="{EC5F3D0E-F69E-8110-8003-D721E423CEFB}"/>
+              </a:ext>
+            </a:extLst>
+          </p:cNvPr>
+          <p:cNvSpPr/>
+          <p:nvPr/>
+        </p:nvSpPr>
+        <p:spPr>
+          <a:xfrm>
+            <a:off x="5637902" y="5774114"/>
+            <a:ext cx="456298" cy="195385"/>
+          </a:xfrm>
+          <a:prstGeom prst="rightArrow">
+            <a:avLst/>
+          </a:prstGeom>
+        </p:spPr>
+        <p:style>
+          <a:lnRef idx="2">
+            <a:schemeClr val="accent3">
+              <a:shade val="50000"/>
+            </a:schemeClr>
+          </a:lnRef>
+          <a:fillRef idx="1">
+            <a:schemeClr val="accent3"/>
+          </a:fillRef>
+          <a:effectRef idx="0">
+            <a:schemeClr val="accent3"/>
+          </a:effectRef>
+          <a:fontRef idx="minor">
+            <a:schemeClr val="lt1"/>
+          </a:fontRef>
+        </p:style>
+        <p:txBody>
+          <a:bodyPr rtlCol="0" anchor="ctr"/>
+          <a:lstStyle/>
+          <a:p>
+            <a:pPr algn="ctr"/>
+            <a:endParaRPr lang="en-IN"/>
+          </a:p>
+        </p:txBody>
+      </p:sp>
+      <p:sp>
+        <p:nvSpPr>
+          <p:cNvPr id="22" name="Arrow: Right 21">
+            <a:extLst>
+              <a:ext uri="{FF2B5EF4-FFF2-40B4-BE49-F238E27FC236}">
+                <a16:creationId xmlns:a16="http://schemas.microsoft.com/office/drawing/2014/main" id="{C993E2FB-C03D-CB0E-11A4-F1C03A07AD16}"/>
+              </a:ext>
+            </a:extLst>
+          </p:cNvPr>
+          <p:cNvSpPr/>
+          <p:nvPr/>
+        </p:nvSpPr>
+        <p:spPr>
+          <a:xfrm>
+            <a:off x="3133969" y="5774114"/>
+            <a:ext cx="456298" cy="195385"/>
+          </a:xfrm>
+          <a:prstGeom prst="rightArrow">
+            <a:avLst/>
+          </a:prstGeom>
+        </p:spPr>
+        <p:style>
+          <a:lnRef idx="2">
+            <a:schemeClr val="accent3">
+              <a:shade val="50000"/>
+            </a:schemeClr>
+          </a:lnRef>
+          <a:fillRef idx="1">
+            <a:schemeClr val="accent3"/>
+          </a:fillRef>
+          <a:effectRef idx="0">
+            <a:schemeClr val="accent3"/>
+          </a:effectRef>
+          <a:fontRef idx="minor">
+            <a:schemeClr val="lt1"/>
+          </a:fontRef>
+        </p:style>
+        <p:txBody>
+          <a:bodyPr rtlCol="0" anchor="ctr"/>
+          <a:lstStyle/>
+          <a:p>
+            <a:pPr algn="ctr"/>
+            <a:endParaRPr lang="en-IN"/>
+          </a:p>
+        </p:txBody>
+      </p:sp>
+      <p:sp>
+        <p:nvSpPr>
+          <p:cNvPr id="23" name="Arrow: Right 22">
+            <a:extLst>
+              <a:ext uri="{FF2B5EF4-FFF2-40B4-BE49-F238E27FC236}">
+                <a16:creationId xmlns:a16="http://schemas.microsoft.com/office/drawing/2014/main" id="{3AFE55E3-7D5F-E986-6D5C-5EDCFC17C58B}"/>
+              </a:ext>
+            </a:extLst>
+          </p:cNvPr>
+          <p:cNvSpPr/>
+          <p:nvPr/>
+        </p:nvSpPr>
+        <p:spPr>
+          <a:xfrm>
+            <a:off x="8153852" y="2080844"/>
+            <a:ext cx="456298" cy="195385"/>
+          </a:xfrm>
+          <a:prstGeom prst="rightArrow">
+            <a:avLst/>
+          </a:prstGeom>
+        </p:spPr>
+        <p:style>
+          <a:lnRef idx="2">
+            <a:schemeClr val="accent3">
+              <a:shade val="50000"/>
+            </a:schemeClr>
+          </a:lnRef>
+          <a:fillRef idx="1">
+            <a:schemeClr val="accent3"/>
+          </a:fillRef>
+          <a:effectRef idx="0">
+            <a:schemeClr val="accent3"/>
+          </a:effectRef>
+          <a:fontRef idx="minor">
+            <a:schemeClr val="lt1"/>
+          </a:fontRef>
+        </p:style>
+        <p:txBody>
+          <a:bodyPr rtlCol="0" anchor="ctr"/>
+          <a:lstStyle/>
+          <a:p>
+            <a:pPr algn="ctr"/>
+            <a:endParaRPr lang="en-IN"/>
+          </a:p>
+        </p:txBody>
+      </p:sp>
+      <p:sp>
+        <p:nvSpPr>
+          <p:cNvPr id="24" name="Arrow: Right 23">
+            <a:extLst>
+              <a:ext uri="{FF2B5EF4-FFF2-40B4-BE49-F238E27FC236}">
+                <a16:creationId xmlns:a16="http://schemas.microsoft.com/office/drawing/2014/main" id="{BD10AA75-A28B-B24B-3C3C-C36B9D910628}"/>
+              </a:ext>
+            </a:extLst>
+          </p:cNvPr>
+          <p:cNvSpPr/>
+          <p:nvPr/>
+        </p:nvSpPr>
+        <p:spPr>
+          <a:xfrm>
+            <a:off x="5584694" y="2131809"/>
+            <a:ext cx="456298" cy="195385"/>
+          </a:xfrm>
+          <a:prstGeom prst="rightArrow">
+            <a:avLst/>
+          </a:prstGeom>
+        </p:spPr>
+        <p:style>
+          <a:lnRef idx="2">
+            <a:schemeClr val="accent3">
+              <a:shade val="50000"/>
+            </a:schemeClr>
+          </a:lnRef>
+          <a:fillRef idx="1">
+            <a:schemeClr val="accent3"/>
+          </a:fillRef>
+          <a:effectRef idx="0">
+            <a:schemeClr val="accent3"/>
+          </a:effectRef>
+          <a:fontRef idx="minor">
+            <a:schemeClr val="lt1"/>
+          </a:fontRef>
+        </p:style>
+        <p:txBody>
+          <a:bodyPr rtlCol="0" anchor="ctr"/>
+          <a:lstStyle/>
+          <a:p>
+            <a:pPr algn="ctr"/>
+            <a:endParaRPr lang="en-IN"/>
+          </a:p>
+        </p:txBody>
+      </p:sp>
+      <p:sp>
+        <p:nvSpPr>
+          <p:cNvPr id="25" name="Arrow: Left 24">
+            <a:extLst>
+              <a:ext uri="{FF2B5EF4-FFF2-40B4-BE49-F238E27FC236}">
+                <a16:creationId xmlns:a16="http://schemas.microsoft.com/office/drawing/2014/main" id="{AA89B2EC-EC87-706E-4136-D1151633784C}"/>
+              </a:ext>
+            </a:extLst>
+          </p:cNvPr>
+          <p:cNvSpPr/>
+          <p:nvPr/>
+        </p:nvSpPr>
+        <p:spPr>
+          <a:xfrm>
+            <a:off x="3116231" y="3955385"/>
+            <a:ext cx="405803" cy="195385"/>
+          </a:xfrm>
+          <a:prstGeom prst="leftArrow">
+            <a:avLst/>
+          </a:prstGeom>
+        </p:spPr>
+        <p:style>
+          <a:lnRef idx="2">
+            <a:schemeClr val="accent3">
+              <a:shade val="50000"/>
+            </a:schemeClr>
+          </a:lnRef>
+          <a:fillRef idx="1">
+            <a:schemeClr val="accent3"/>
+          </a:fillRef>
+          <a:effectRef idx="0">
+            <a:schemeClr val="accent3"/>
+          </a:effectRef>
+          <a:fontRef idx="minor">
+            <a:schemeClr val="lt1"/>
+          </a:fontRef>
+        </p:style>
+        <p:txBody>
+          <a:bodyPr rtlCol="0" anchor="ctr"/>
+          <a:lstStyle/>
+          <a:p>
+            <a:pPr algn="ctr"/>
+            <a:endParaRPr lang="en-IN"/>
+          </a:p>
+        </p:txBody>
+      </p:sp>
+      <p:sp>
+        <p:nvSpPr>
+          <p:cNvPr id="27" name="Arrow: Left 26">
+            <a:extLst>
+              <a:ext uri="{FF2B5EF4-FFF2-40B4-BE49-F238E27FC236}">
+                <a16:creationId xmlns:a16="http://schemas.microsoft.com/office/drawing/2014/main" id="{AD05C8E3-5887-46AA-82BB-819BDE958981}"/>
+              </a:ext>
+            </a:extLst>
+          </p:cNvPr>
+          <p:cNvSpPr/>
+          <p:nvPr/>
+        </p:nvSpPr>
+        <p:spPr>
+          <a:xfrm>
+            <a:off x="5631578" y="3951004"/>
+            <a:ext cx="405803" cy="195385"/>
+          </a:xfrm>
+          <a:prstGeom prst="leftArrow">
+            <a:avLst/>
+          </a:prstGeom>
+        </p:spPr>
+        <p:style>
+          <a:lnRef idx="2">
+            <a:schemeClr val="accent3">
+              <a:shade val="50000"/>
+            </a:schemeClr>
+          </a:lnRef>
+          <a:fillRef idx="1">
+            <a:schemeClr val="accent3"/>
+          </a:fillRef>
+          <a:effectRef idx="0">
+            <a:schemeClr val="accent3"/>
+          </a:effectRef>
+          <a:fontRef idx="minor">
+            <a:schemeClr val="lt1"/>
+          </a:fontRef>
+        </p:style>
+        <p:txBody>
+          <a:bodyPr rtlCol="0" anchor="ctr"/>
+          <a:lstStyle/>
+          <a:p>
+            <a:pPr algn="ctr"/>
+            <a:endParaRPr lang="en-IN"/>
+          </a:p>
+        </p:txBody>
+      </p:sp>
+      <p:sp>
+        <p:nvSpPr>
+          <p:cNvPr id="28" name="Arrow: Left 27">
+            <a:extLst>
+              <a:ext uri="{FF2B5EF4-FFF2-40B4-BE49-F238E27FC236}">
+                <a16:creationId xmlns:a16="http://schemas.microsoft.com/office/drawing/2014/main" id="{5F3B1E49-503D-1A20-7B32-8B653BC1BA83}"/>
+              </a:ext>
+            </a:extLst>
+          </p:cNvPr>
+          <p:cNvSpPr/>
+          <p:nvPr/>
+        </p:nvSpPr>
+        <p:spPr>
+          <a:xfrm>
+            <a:off x="8178939" y="3955385"/>
+            <a:ext cx="405803" cy="195385"/>
+          </a:xfrm>
+          <a:prstGeom prst="leftArrow">
+            <a:avLst/>
+          </a:prstGeom>
+        </p:spPr>
+        <p:style>
+          <a:lnRef idx="2">
+            <a:schemeClr val="accent3">
+              <a:shade val="50000"/>
+            </a:schemeClr>
+          </a:lnRef>
+          <a:fillRef idx="1">
+            <a:schemeClr val="accent3"/>
+          </a:fillRef>
+          <a:effectRef idx="0">
+            <a:schemeClr val="accent3"/>
+          </a:effectRef>
+          <a:fontRef idx="minor">
+            <a:schemeClr val="lt1"/>
+          </a:fontRef>
+        </p:style>
+        <p:txBody>
+          <a:bodyPr rtlCol="0" anchor="ctr"/>
+          <a:lstStyle/>
+          <a:p>
+            <a:pPr algn="ctr"/>
+            <a:endParaRPr lang="en-IN"/>
+          </a:p>
+        </p:txBody>
+      </p:sp>
+      <p:sp>
+        <p:nvSpPr>
+          <p:cNvPr id="29" name="Arrow: Down 28">
+            <a:extLst>
+              <a:ext uri="{FF2B5EF4-FFF2-40B4-BE49-F238E27FC236}">
+                <a16:creationId xmlns:a16="http://schemas.microsoft.com/office/drawing/2014/main" id="{B5D33EFF-BBE9-39BE-D8D1-B91C40220D53}"/>
+              </a:ext>
+            </a:extLst>
+          </p:cNvPr>
+          <p:cNvSpPr/>
+          <p:nvPr/>
+        </p:nvSpPr>
+        <p:spPr>
+          <a:xfrm>
+            <a:off x="9652594" y="2696308"/>
+            <a:ext cx="132268" cy="879682"/>
+          </a:xfrm>
+          <a:prstGeom prst="downArrow">
+            <a:avLst/>
+          </a:prstGeom>
+        </p:spPr>
+        <p:style>
+          <a:lnRef idx="2">
+            <a:schemeClr val="accent3">
+              <a:shade val="50000"/>
+            </a:schemeClr>
+          </a:lnRef>
+          <a:fillRef idx="1">
+            <a:schemeClr val="accent3"/>
+          </a:fillRef>
+          <a:effectRef idx="0">
+            <a:schemeClr val="accent3"/>
+          </a:effectRef>
+          <a:fontRef idx="minor">
+            <a:schemeClr val="lt1"/>
+          </a:fontRef>
+        </p:style>
+        <p:txBody>
+          <a:bodyPr rtlCol="0" anchor="ctr"/>
+          <a:lstStyle/>
+          <a:p>
+            <a:pPr algn="ctr"/>
+            <a:endParaRPr lang="en-IN"/>
+          </a:p>
+        </p:txBody>
+      </p:sp>
+      <p:sp>
+        <p:nvSpPr>
+          <p:cNvPr id="30" name="Arrow: Down 29">
+            <a:extLst>
+              <a:ext uri="{FF2B5EF4-FFF2-40B4-BE49-F238E27FC236}">
+                <a16:creationId xmlns:a16="http://schemas.microsoft.com/office/drawing/2014/main" id="{96963CFB-2C23-E77C-A3DD-37FE1F046210}"/>
+              </a:ext>
+            </a:extLst>
+          </p:cNvPr>
+          <p:cNvSpPr/>
+          <p:nvPr/>
+        </p:nvSpPr>
+        <p:spPr>
+          <a:xfrm>
+            <a:off x="2000133" y="4522603"/>
+            <a:ext cx="132268" cy="879682"/>
+          </a:xfrm>
+          <a:prstGeom prst="downArrow">
+            <a:avLst/>
+          </a:prstGeom>
+        </p:spPr>
+        <p:style>
+          <a:lnRef idx="2">
+            <a:schemeClr val="accent3">
+              <a:shade val="50000"/>
+            </a:schemeClr>
+          </a:lnRef>
+          <a:fillRef idx="1">
+            <a:schemeClr val="accent3"/>
+          </a:fillRef>
+          <a:effectRef idx="0">
+            <a:schemeClr val="accent3"/>
+          </a:effectRef>
+          <a:fontRef idx="minor">
+            <a:schemeClr val="lt1"/>
+          </a:fontRef>
+        </p:style>
+        <p:txBody>
+          <a:bodyPr rtlCol="0" anchor="ctr"/>
+          <a:lstStyle/>
+          <a:p>
+            <a:pPr algn="ctr"/>
+            <a:endParaRPr lang="en-IN"/>
+          </a:p>
+        </p:txBody>
+      </p:sp>
+      <p:sp>
+        <p:nvSpPr>
+          <p:cNvPr id="31" name="Flowchart: Magnetic Disk 30">
+            <a:extLst>
+              <a:ext uri="{FF2B5EF4-FFF2-40B4-BE49-F238E27FC236}">
+                <a16:creationId xmlns:a16="http://schemas.microsoft.com/office/drawing/2014/main" id="{804BE39D-50CF-F6A4-7B24-785AD3AA7B2B}"/>
+              </a:ext>
+            </a:extLst>
+          </p:cNvPr>
+          <p:cNvSpPr/>
+          <p:nvPr/>
+        </p:nvSpPr>
+        <p:spPr>
+          <a:xfrm>
+            <a:off x="570523" y="1071774"/>
+            <a:ext cx="1928837" cy="521544"/>
+          </a:xfrm>
+          <a:prstGeom prst="flowChartMagneticDisk">
+            <a:avLst/>
+          </a:prstGeom>
+        </p:spPr>
+        <p:style>
+          <a:lnRef idx="2">
+            <a:schemeClr val="accent2">
+              <a:shade val="50000"/>
+            </a:schemeClr>
+          </a:lnRef>
+          <a:fillRef idx="1">
+            <a:schemeClr val="accent2"/>
+          </a:fillRef>
+          <a:effectRef idx="0">
+            <a:schemeClr val="accent2"/>
+          </a:effectRef>
+          <a:fontRef idx="minor">
+            <a:schemeClr val="lt1"/>
+          </a:fontRef>
+        </p:style>
+        <p:txBody>
+          <a:bodyPr rtlCol="0" anchor="ctr"/>
+          <a:lstStyle/>
+          <a:p>
+            <a:pPr algn="ctr"/>
+            <a:r>
+              <a:rPr lang="en-IN" b="1" dirty="0">
+                <a:solidFill>
+                  <a:schemeClr val="tx1"/>
+                </a:solidFill>
+                <a:latin typeface="Times New Roman" panose="02020603050405020304" pitchFamily="18" charset="0"/>
+                <a:cs typeface="Times New Roman" panose="02020603050405020304" pitchFamily="18" charset="0"/>
+              </a:rPr>
+              <a:t>Database Server</a:t>
+            </a:r>
+          </a:p>
+        </p:txBody>
+      </p:sp>
+      <p:sp>
+        <p:nvSpPr>
+          <p:cNvPr id="32" name="Arrow: Bent-Up 31">
+            <a:extLst>
+              <a:ext uri="{FF2B5EF4-FFF2-40B4-BE49-F238E27FC236}">
+                <a16:creationId xmlns:a16="http://schemas.microsoft.com/office/drawing/2014/main" id="{DCDDA935-596F-2727-35EA-3D228569D742}"/>
+              </a:ext>
+            </a:extLst>
+          </p:cNvPr>
+          <p:cNvSpPr/>
+          <p:nvPr/>
+        </p:nvSpPr>
+        <p:spPr>
+          <a:xfrm rot="5400000">
+            <a:off x="493492" y="1787582"/>
+            <a:ext cx="690916" cy="302392"/>
+          </a:xfrm>
+          <a:prstGeom prst="bentUpArrow">
+            <a:avLst/>
+          </a:prstGeom>
+        </p:spPr>
+        <p:style>
+          <a:lnRef idx="2">
+            <a:schemeClr val="accent3">
+              <a:shade val="50000"/>
+            </a:schemeClr>
+          </a:lnRef>
+          <a:fillRef idx="1">
+            <a:schemeClr val="accent3"/>
+          </a:fillRef>
+          <a:effectRef idx="0">
+            <a:schemeClr val="accent3"/>
+          </a:effectRef>
+          <a:fontRef idx="minor">
+            <a:schemeClr val="lt1"/>
+          </a:fontRef>
+        </p:style>
+        <p:txBody>
+          <a:bodyPr rtlCol="0" anchor="ctr"/>
+          <a:lstStyle/>
+          <a:p>
+            <a:pPr algn="ctr"/>
+            <a:endParaRPr lang="en-IN"/>
+          </a:p>
+        </p:txBody>
+      </p:sp>
+      <p:sp>
+        <p:nvSpPr>
+          <p:cNvPr id="33" name="TextBox 32">
+            <a:extLst>
+              <a:ext uri="{FF2B5EF4-FFF2-40B4-BE49-F238E27FC236}">
+                <a16:creationId xmlns:a16="http://schemas.microsoft.com/office/drawing/2014/main" id="{F9C86A89-A578-29B0-DD59-C2FE29489384}"/>
               </a:ext>
             </a:extLst>
           </p:cNvPr>
@@ -9920,8 +9786,8 @@
         </p:nvSpPr>
         <p:spPr>
           <a:xfrm>
-            <a:off x="10002253" y="2922177"/>
-            <a:ext cx="1612942" cy="323165"/>
+            <a:off x="2469259" y="935991"/>
+            <a:ext cx="1293944" cy="307777"/>
           </a:xfrm>
           <a:prstGeom prst="rect">
             <a:avLst/>
@@ -9935,11 +9801,11 @@
           <a:lstStyle/>
           <a:p>
             <a:r>
-              <a:rPr lang="en-IN" sz="1500" dirty="0">
+              <a:rPr lang="en-IN" sz="1400" dirty="0">
                 <a:latin typeface="Times New Roman" panose="02020603050405020304" pitchFamily="18" charset="0"/>
                 <a:cs typeface="Times New Roman" panose="02020603050405020304" pitchFamily="18" charset="0"/>
               </a:rPr>
-              <a:t>Docker image pull</a:t>
+              <a:t>(Starting Point)</a:t>
             </a:r>
           </a:p>
         </p:txBody>
@@ -9947,7 +9813,7 @@
     </p:spTree>
     <p:extLst>
       <p:ext uri="{BB962C8B-B14F-4D97-AF65-F5344CB8AC3E}">
-        <p14:creationId xmlns:p14="http://schemas.microsoft.com/office/powerpoint/2010/main" val="3755091390"/>
+        <p14:creationId xmlns:p14="http://schemas.microsoft.com/office/powerpoint/2010/main" val="503207019"/>
       </p:ext>
     </p:extLst>
   </p:cSld>
@@ -9960,11 +9826,6 @@
 <file path=ppt/slides/slide9.xml><?xml version="1.0" encoding="utf-8"?>
 <p:sld xmlns:a="http://schemas.openxmlformats.org/drawingml/2006/main" xmlns:r="http://schemas.openxmlformats.org/officeDocument/2006/relationships" xmlns:p="http://schemas.openxmlformats.org/presentationml/2006/main">
   <p:cSld>
-    <p:bg>
-      <p:bgRef idx="1001">
-        <a:schemeClr val="bg1"/>
-      </p:bgRef>
-    </p:bg>
     <p:spTree>
       <p:nvGrpSpPr>
         <p:cNvPr id="1" name=""/>
@@ -9994,7 +9855,7 @@
           <p:nvPr/>
         </p:nvPicPr>
         <p:blipFill>
-          <a:blip r:embed="rId3" cstate="email">
+          <a:blip r:embed="rId2" cstate="email">
             <a:extLst>
               <a:ext uri="{28A0092B-C50C-407E-A947-70E740481C1C}">
                 <a14:useLocalDpi xmlns:a14="http://schemas.microsoft.com/office/drawing/2010/main"/>
@@ -10010,9 +9871,22 @@
             <a:off x="0" y="0"/>
             <a:ext cx="12192000" cy="6858000"/>
           </a:xfrm>
-          <a:prstGeom prst="rect">
-            <a:avLst/>
-          </a:prstGeom>
+          <a:prstGeom prst="roundRect">
+            <a:avLst>
+              <a:gd name="adj" fmla="val 8594"/>
+            </a:avLst>
+          </a:prstGeom>
+          <a:solidFill>
+            <a:srgbClr val="FFFFFF">
+              <a:shade val="85000"/>
+            </a:srgbClr>
+          </a:solidFill>
+          <a:ln>
+            <a:noFill/>
+          </a:ln>
+          <a:effectLst>
+            <a:reflection blurRad="12700" stA="38000" endPos="28000" dist="5000" dir="5400000" sy="-100000" algn="bl" rotWithShape="0"/>
+          </a:effectLst>
         </p:spPr>
       </p:pic>
       <p:cxnSp>
@@ -10073,7 +9947,7 @@
           <p:nvPr/>
         </p:nvPicPr>
         <p:blipFill>
-          <a:blip r:embed="rId4">
+          <a:blip r:embed="rId3">
             <a:extLst>
               <a:ext uri="{28A0092B-C50C-407E-A947-70E740481C1C}">
                 <a14:useLocalDpi xmlns:a14="http://schemas.microsoft.com/office/drawing/2010/main" val="0"/>
@@ -10110,7 +9984,7 @@
         <p:spPr>
           <a:xfrm>
             <a:off x="2499360" y="383848"/>
-            <a:ext cx="8818879" cy="483017"/>
+            <a:ext cx="8818879" cy="385362"/>
           </a:xfrm>
           <a:prstGeom prst="rect">
             <a:avLst/>
@@ -10131,28 +10005,122 @@
               </a:lnSpc>
             </a:pPr>
             <a:r>
-              <a:rPr lang="en-IN" sz="2400" b="1" dirty="0">
+              <a:rPr lang="en-IN" b="1" i="0" dirty="0">
                 <a:solidFill>
                   <a:schemeClr val="bg1"/>
                 </a:solidFill>
-                <a:latin typeface="Times New Roman" panose="02020603050405020304" pitchFamily="18" charset="0"/>
-              </a:rPr>
-              <a:t>Deployment</a:t>
+                <a:effectLst/>
+                <a:latin typeface="Times New Roman" panose="02020603050405020304" pitchFamily="18" charset="0"/>
+                <a:cs typeface="Times New Roman" panose="02020603050405020304" pitchFamily="18" charset="0"/>
+              </a:rPr>
+              <a:t>Deployment Architecture</a:t>
+            </a:r>
+            <a:r>
+              <a:rPr lang="en-IN" dirty="0">
+                <a:solidFill>
+                  <a:schemeClr val="bg1"/>
+                </a:solidFill>
+                <a:effectLst/>
+                <a:latin typeface="Times New Roman" panose="02020603050405020304" pitchFamily="18" charset="0"/>
+                <a:ea typeface="Arial" panose="020B0604020202020204" pitchFamily="34" charset="0"/>
+                <a:cs typeface="Times New Roman" panose="02020603050405020304" pitchFamily="18" charset="0"/>
+              </a:rPr>
+              <a:t> </a:t>
             </a:r>
           </a:p>
         </p:txBody>
       </p:sp>
       <p:pic>
         <p:nvPicPr>
-          <p:cNvPr id="3" name="Picture 2">
-            <a:extLst>
-              <a:ext uri="{FF2B5EF4-FFF2-40B4-BE49-F238E27FC236}">
-                <a16:creationId xmlns:a16="http://schemas.microsoft.com/office/drawing/2014/main" id="{A309F8C1-5D2D-DE91-4D2C-42865E7B4CD0}"/>
+          <p:cNvPr id="2050" name="Picture 2" descr="12 Best Employee Management Systems 2023 - nTask">
+            <a:extLst>
+              <a:ext uri="{FF2B5EF4-FFF2-40B4-BE49-F238E27FC236}">
+                <a16:creationId xmlns:a16="http://schemas.microsoft.com/office/drawing/2014/main" id="{81783E89-4679-FD41-E500-F200F442B92A}"/>
               </a:ext>
             </a:extLst>
           </p:cNvPr>
           <p:cNvPicPr>
-            <a:picLocks noChangeAspect="1"/>
+            <a:picLocks noChangeAspect="1" noChangeArrowheads="1"/>
+          </p:cNvPicPr>
+          <p:nvPr/>
+        </p:nvPicPr>
+        <p:blipFill rotWithShape="1">
+          <a:blip r:embed="rId4">
+            <a:extLst>
+              <a:ext uri="{28A0092B-C50C-407E-A947-70E740481C1C}">
+                <a14:useLocalDpi xmlns:a14="http://schemas.microsoft.com/office/drawing/2010/main" val="0"/>
+              </a:ext>
+            </a:extLst>
+          </a:blip>
+          <a:srcRect l="25663" t="22316" r="31305"/>
+          <a:stretch/>
+        </p:blipFill>
+        <p:spPr bwMode="auto">
+          <a:xfrm>
+            <a:off x="449982" y="4748212"/>
+            <a:ext cx="2156861" cy="1557498"/>
+          </a:xfrm>
+          <a:prstGeom prst="rect">
+            <a:avLst/>
+          </a:prstGeom>
+          <a:noFill/>
+          <a:extLst>
+            <a:ext uri="{909E8E84-426E-40DD-AFC4-6F175D3DCCD1}">
+              <a14:hiddenFill xmlns:a14="http://schemas.microsoft.com/office/drawing/2010/main">
+                <a:solidFill>
+                  <a:srgbClr val="FFFFFF"/>
+                </a:solidFill>
+              </a14:hiddenFill>
+            </a:ext>
+          </a:extLst>
+        </p:spPr>
+      </p:pic>
+      <p:sp>
+        <p:nvSpPr>
+          <p:cNvPr id="2" name="TextBox 1">
+            <a:extLst>
+              <a:ext uri="{FF2B5EF4-FFF2-40B4-BE49-F238E27FC236}">
+                <a16:creationId xmlns:a16="http://schemas.microsoft.com/office/drawing/2014/main" id="{F5C6D6FC-BB09-19F3-B17C-5B9A1B492279}"/>
+              </a:ext>
+            </a:extLst>
+          </p:cNvPr>
+          <p:cNvSpPr txBox="1"/>
+          <p:nvPr/>
+        </p:nvSpPr>
+        <p:spPr>
+          <a:xfrm>
+            <a:off x="336885" y="4510422"/>
+            <a:ext cx="2569742" cy="369332"/>
+          </a:xfrm>
+          <a:prstGeom prst="rect">
+            <a:avLst/>
+          </a:prstGeom>
+          <a:noFill/>
+        </p:spPr>
+        <p:txBody>
+          <a:bodyPr wrap="none" rtlCol="0">
+            <a:spAutoFit/>
+          </a:bodyPr>
+          <a:lstStyle/>
+          <a:p>
+            <a:r>
+              <a:rPr lang="en-IN" dirty="0"/>
+              <a:t>Employee Sys Application</a:t>
+            </a:r>
+          </a:p>
+        </p:txBody>
+      </p:sp>
+      <p:pic>
+        <p:nvPicPr>
+          <p:cNvPr id="2052" name="Picture 4" descr="GitHub Logo, Git Hub Icon With Text On White and Black Background 17119660  Vector Art at Vecteezy">
+            <a:extLst>
+              <a:ext uri="{FF2B5EF4-FFF2-40B4-BE49-F238E27FC236}">
+                <a16:creationId xmlns:a16="http://schemas.microsoft.com/office/drawing/2014/main" id="{26433354-BCCF-5A4A-A06D-64E62099E5CA}"/>
+              </a:ext>
+            </a:extLst>
+          </p:cNvPr>
+          <p:cNvPicPr>
+            <a:picLocks noChangeAspect="1" noChangeArrowheads="1"/>
           </p:cNvPicPr>
           <p:nvPr/>
         </p:nvPicPr>
@@ -10164,29 +10132,565 @@
               </a:ext>
             </a:extLst>
           </a:blip>
+          <a:srcRect/>
           <a:stretch>
             <a:fillRect/>
           </a:stretch>
         </p:blipFill>
-        <p:spPr>
-          <a:xfrm>
-            <a:off x="830580" y="1520189"/>
-            <a:ext cx="10530840" cy="4530753"/>
+        <p:spPr bwMode="auto">
+          <a:xfrm>
+            <a:off x="784890" y="1911852"/>
+            <a:ext cx="1517722" cy="871452"/>
           </a:xfrm>
           <a:prstGeom prst="rect">
             <a:avLst/>
           </a:prstGeom>
+          <a:noFill/>
+          <a:extLst>
+            <a:ext uri="{909E8E84-426E-40DD-AFC4-6F175D3DCCD1}">
+              <a14:hiddenFill xmlns:a14="http://schemas.microsoft.com/office/drawing/2010/main">
+                <a:solidFill>
+                  <a:srgbClr val="FFFFFF"/>
+                </a:solidFill>
+              </a14:hiddenFill>
+            </a:ext>
+          </a:extLst>
         </p:spPr>
       </p:pic>
+      <p:pic>
+        <p:nvPicPr>
+          <p:cNvPr id="2054" name="Picture 6" descr="Logo Jenkins | Zend by Perforce">
+            <a:extLst>
+              <a:ext uri="{FF2B5EF4-FFF2-40B4-BE49-F238E27FC236}">
+                <a16:creationId xmlns:a16="http://schemas.microsoft.com/office/drawing/2014/main" id="{412D24A8-1A86-7BF0-6620-ED180F021099}"/>
+              </a:ext>
+            </a:extLst>
+          </p:cNvPr>
+          <p:cNvPicPr>
+            <a:picLocks noChangeAspect="1" noChangeArrowheads="1"/>
+          </p:cNvPicPr>
+          <p:nvPr/>
+        </p:nvPicPr>
+        <p:blipFill>
+          <a:blip r:embed="rId6">
+            <a:extLst>
+              <a:ext uri="{28A0092B-C50C-407E-A947-70E740481C1C}">
+                <a14:useLocalDpi xmlns:a14="http://schemas.microsoft.com/office/drawing/2010/main" val="0"/>
+              </a:ext>
+            </a:extLst>
+          </a:blip>
+          <a:srcRect/>
+          <a:stretch>
+            <a:fillRect/>
+          </a:stretch>
+        </p:blipFill>
+        <p:spPr bwMode="auto">
+          <a:xfrm>
+            <a:off x="5043437" y="2347578"/>
+            <a:ext cx="2105125" cy="1403416"/>
+          </a:xfrm>
+          <a:prstGeom prst="rect">
+            <a:avLst/>
+          </a:prstGeom>
+          <a:noFill/>
+          <a:extLst>
+            <a:ext uri="{909E8E84-426E-40DD-AFC4-6F175D3DCCD1}">
+              <a14:hiddenFill xmlns:a14="http://schemas.microsoft.com/office/drawing/2010/main">
+                <a:solidFill>
+                  <a:srgbClr val="FFFFFF"/>
+                </a:solidFill>
+              </a14:hiddenFill>
+            </a:ext>
+          </a:extLst>
+        </p:spPr>
+      </p:pic>
+      <p:sp>
+        <p:nvSpPr>
+          <p:cNvPr id="3" name="Arrow: Up 2">
+            <a:extLst>
+              <a:ext uri="{FF2B5EF4-FFF2-40B4-BE49-F238E27FC236}">
+                <a16:creationId xmlns:a16="http://schemas.microsoft.com/office/drawing/2014/main" id="{7E62DF75-2C58-340B-49D9-CC47B55A13C0}"/>
+              </a:ext>
+            </a:extLst>
+          </p:cNvPr>
+          <p:cNvSpPr/>
+          <p:nvPr/>
+        </p:nvSpPr>
+        <p:spPr>
+          <a:xfrm>
+            <a:off x="1475172" y="2922177"/>
+            <a:ext cx="146584" cy="1620693"/>
+          </a:xfrm>
+          <a:prstGeom prst="upArrow">
+            <a:avLst/>
+          </a:prstGeom>
+        </p:spPr>
+        <p:style>
+          <a:lnRef idx="2">
+            <a:schemeClr val="accent2">
+              <a:shade val="50000"/>
+            </a:schemeClr>
+          </a:lnRef>
+          <a:fillRef idx="1">
+            <a:schemeClr val="accent2"/>
+          </a:fillRef>
+          <a:effectRef idx="0">
+            <a:schemeClr val="accent2"/>
+          </a:effectRef>
+          <a:fontRef idx="minor">
+            <a:schemeClr val="lt1"/>
+          </a:fontRef>
+        </p:style>
+        <p:txBody>
+          <a:bodyPr rtlCol="0" anchor="ctr"/>
+          <a:lstStyle/>
+          <a:p>
+            <a:pPr algn="ctr"/>
+            <a:endParaRPr lang="en-IN"/>
+          </a:p>
+        </p:txBody>
+      </p:sp>
+      <p:sp>
+        <p:nvSpPr>
+          <p:cNvPr id="9" name="TextBox 8">
+            <a:extLst>
+              <a:ext uri="{FF2B5EF4-FFF2-40B4-BE49-F238E27FC236}">
+                <a16:creationId xmlns:a16="http://schemas.microsoft.com/office/drawing/2014/main" id="{8430F825-15EF-F9F6-3A08-ED6F1BFF3CE8}"/>
+              </a:ext>
+            </a:extLst>
+          </p:cNvPr>
+          <p:cNvSpPr txBox="1"/>
+          <p:nvPr/>
+        </p:nvSpPr>
+        <p:spPr>
+          <a:xfrm>
+            <a:off x="1547623" y="3596172"/>
+            <a:ext cx="1266693" cy="323165"/>
+          </a:xfrm>
+          <a:prstGeom prst="rect">
+            <a:avLst/>
+          </a:prstGeom>
+          <a:noFill/>
+        </p:spPr>
+        <p:txBody>
+          <a:bodyPr wrap="none" rtlCol="0">
+            <a:spAutoFit/>
+          </a:bodyPr>
+          <a:lstStyle/>
+          <a:p>
+            <a:r>
+              <a:rPr lang="en-IN" sz="1500" dirty="0">
+                <a:latin typeface="Times New Roman" panose="02020603050405020304" pitchFamily="18" charset="0"/>
+                <a:cs typeface="Times New Roman" panose="02020603050405020304" pitchFamily="18" charset="0"/>
+              </a:rPr>
+              <a:t>Commit Code</a:t>
+            </a:r>
+          </a:p>
+        </p:txBody>
+      </p:sp>
+      <p:cxnSp>
+        <p:nvCxnSpPr>
+          <p:cNvPr id="11" name="Straight Arrow Connector 10">
+            <a:extLst>
+              <a:ext uri="{FF2B5EF4-FFF2-40B4-BE49-F238E27FC236}">
+                <a16:creationId xmlns:a16="http://schemas.microsoft.com/office/drawing/2014/main" id="{ABC2864D-4BDF-0646-F9E9-0E99FED2A402}"/>
+              </a:ext>
+            </a:extLst>
+          </p:cNvPr>
+          <p:cNvCxnSpPr>
+            <a:cxnSpLocks/>
+          </p:cNvCxnSpPr>
+          <p:nvPr/>
+        </p:nvCxnSpPr>
+        <p:spPr>
+          <a:xfrm>
+            <a:off x="2838981" y="2276751"/>
+            <a:ext cx="1885419" cy="645426"/>
+          </a:xfrm>
+          <a:prstGeom prst="straightConnector1">
+            <a:avLst/>
+          </a:prstGeom>
+          <a:ln>
+            <a:tailEnd type="triangle"/>
+          </a:ln>
+        </p:spPr>
+        <p:style>
+          <a:lnRef idx="1">
+            <a:schemeClr val="accent2"/>
+          </a:lnRef>
+          <a:fillRef idx="0">
+            <a:schemeClr val="accent2"/>
+          </a:fillRef>
+          <a:effectRef idx="0">
+            <a:schemeClr val="accent2"/>
+          </a:effectRef>
+          <a:fontRef idx="minor">
+            <a:schemeClr val="tx1"/>
+          </a:fontRef>
+        </p:style>
+      </p:cxnSp>
+      <p:sp>
+        <p:nvSpPr>
+          <p:cNvPr id="13" name="TextBox 12">
+            <a:extLst>
+              <a:ext uri="{FF2B5EF4-FFF2-40B4-BE49-F238E27FC236}">
+                <a16:creationId xmlns:a16="http://schemas.microsoft.com/office/drawing/2014/main" id="{9E240624-4167-586D-5F39-B3E6012171F8}"/>
+              </a:ext>
+            </a:extLst>
+          </p:cNvPr>
+          <p:cNvSpPr txBox="1"/>
+          <p:nvPr/>
+        </p:nvSpPr>
+        <p:spPr>
+          <a:xfrm>
+            <a:off x="4854313" y="2024413"/>
+            <a:ext cx="2483372" cy="323165"/>
+          </a:xfrm>
+          <a:prstGeom prst="rect">
+            <a:avLst/>
+          </a:prstGeom>
+          <a:noFill/>
+        </p:spPr>
+        <p:txBody>
+          <a:bodyPr wrap="none" rtlCol="0">
+            <a:spAutoFit/>
+          </a:bodyPr>
+          <a:lstStyle/>
+          <a:p>
+            <a:r>
+              <a:rPr lang="en-IN" sz="1500" dirty="0">
+                <a:latin typeface="Times New Roman" panose="02020603050405020304" pitchFamily="18" charset="0"/>
+                <a:cs typeface="Times New Roman" panose="02020603050405020304" pitchFamily="18" charset="0"/>
+              </a:rPr>
+              <a:t>CI/Copy &amp; Build &amp; test Code</a:t>
+            </a:r>
+          </a:p>
+        </p:txBody>
+      </p:sp>
+      <p:pic>
+        <p:nvPicPr>
+          <p:cNvPr id="2056" name="Picture 8" descr="Docker Hub Introduction Tutorial - YouTube">
+            <a:extLst>
+              <a:ext uri="{FF2B5EF4-FFF2-40B4-BE49-F238E27FC236}">
+                <a16:creationId xmlns:a16="http://schemas.microsoft.com/office/drawing/2014/main" id="{B932BBD9-B790-E023-644F-4530A11783E1}"/>
+              </a:ext>
+            </a:extLst>
+          </p:cNvPr>
+          <p:cNvPicPr>
+            <a:picLocks noChangeAspect="1" noChangeArrowheads="1"/>
+          </p:cNvPicPr>
+          <p:nvPr/>
+        </p:nvPicPr>
+        <p:blipFill>
+          <a:blip r:embed="rId7">
+            <a:extLst>
+              <a:ext uri="{28A0092B-C50C-407E-A947-70E740481C1C}">
+                <a14:useLocalDpi xmlns:a14="http://schemas.microsoft.com/office/drawing/2010/main" val="0"/>
+              </a:ext>
+            </a:extLst>
+          </a:blip>
+          <a:srcRect/>
+          <a:stretch>
+            <a:fillRect/>
+          </a:stretch>
+        </p:blipFill>
+        <p:spPr bwMode="auto">
+          <a:xfrm>
+            <a:off x="8786289" y="1337125"/>
+            <a:ext cx="2046125" cy="871452"/>
+          </a:xfrm>
+          <a:prstGeom prst="rect">
+            <a:avLst/>
+          </a:prstGeom>
+          <a:noFill/>
+          <a:extLst>
+            <a:ext uri="{909E8E84-426E-40DD-AFC4-6F175D3DCCD1}">
+              <a14:hiddenFill xmlns:a14="http://schemas.microsoft.com/office/drawing/2010/main">
+                <a:solidFill>
+                  <a:srgbClr val="FFFFFF"/>
+                </a:solidFill>
+              </a14:hiddenFill>
+            </a:ext>
+          </a:extLst>
+        </p:spPr>
+      </p:pic>
+      <p:sp>
+        <p:nvSpPr>
+          <p:cNvPr id="14" name="Arrow: Up 13">
+            <a:extLst>
+              <a:ext uri="{FF2B5EF4-FFF2-40B4-BE49-F238E27FC236}">
+                <a16:creationId xmlns:a16="http://schemas.microsoft.com/office/drawing/2014/main" id="{81516FE1-E3A4-B24E-5861-5DAB0D00D4FF}"/>
+              </a:ext>
+            </a:extLst>
+          </p:cNvPr>
+          <p:cNvSpPr/>
+          <p:nvPr/>
+        </p:nvSpPr>
+        <p:spPr>
+          <a:xfrm rot="4076490">
+            <a:off x="8014998" y="1830296"/>
+            <a:ext cx="93980" cy="1351058"/>
+          </a:xfrm>
+          <a:prstGeom prst="upArrow">
+            <a:avLst/>
+          </a:prstGeom>
+        </p:spPr>
+        <p:style>
+          <a:lnRef idx="2">
+            <a:schemeClr val="accent2">
+              <a:shade val="50000"/>
+            </a:schemeClr>
+          </a:lnRef>
+          <a:fillRef idx="1">
+            <a:schemeClr val="accent2"/>
+          </a:fillRef>
+          <a:effectRef idx="0">
+            <a:schemeClr val="accent2"/>
+          </a:effectRef>
+          <a:fontRef idx="minor">
+            <a:schemeClr val="lt1"/>
+          </a:fontRef>
+        </p:style>
+        <p:txBody>
+          <a:bodyPr rtlCol="0" anchor="ctr"/>
+          <a:lstStyle/>
+          <a:p>
+            <a:pPr algn="ctr"/>
+            <a:endParaRPr lang="en-IN"/>
+          </a:p>
+        </p:txBody>
+      </p:sp>
+      <p:pic>
+        <p:nvPicPr>
+          <p:cNvPr id="2058" name="Picture 10" descr="Kubernetes Logo and symbol, meaning, history, PNG, brand">
+            <a:extLst>
+              <a:ext uri="{FF2B5EF4-FFF2-40B4-BE49-F238E27FC236}">
+                <a16:creationId xmlns:a16="http://schemas.microsoft.com/office/drawing/2014/main" id="{27A319AC-A1DD-005A-E596-C3E05844C2C2}"/>
+              </a:ext>
+            </a:extLst>
+          </p:cNvPr>
+          <p:cNvPicPr>
+            <a:picLocks noChangeAspect="1" noChangeArrowheads="1"/>
+          </p:cNvPicPr>
+          <p:nvPr/>
+        </p:nvPicPr>
+        <p:blipFill>
+          <a:blip r:embed="rId8">
+            <a:extLst>
+              <a:ext uri="{28A0092B-C50C-407E-A947-70E740481C1C}">
+                <a14:useLocalDpi xmlns:a14="http://schemas.microsoft.com/office/drawing/2010/main" val="0"/>
+              </a:ext>
+            </a:extLst>
+          </a:blip>
+          <a:srcRect/>
+          <a:stretch>
+            <a:fillRect/>
+          </a:stretch>
+        </p:blipFill>
+        <p:spPr bwMode="auto">
+          <a:xfrm>
+            <a:off x="8730920" y="4914258"/>
+            <a:ext cx="2156861" cy="1213234"/>
+          </a:xfrm>
+          <a:prstGeom prst="roundRect">
+            <a:avLst>
+              <a:gd name="adj" fmla="val 8594"/>
+            </a:avLst>
+          </a:prstGeom>
+          <a:solidFill>
+            <a:srgbClr val="FFFFFF">
+              <a:shade val="85000"/>
+            </a:srgbClr>
+          </a:solidFill>
+          <a:ln>
+            <a:noFill/>
+          </a:ln>
+          <a:effectLst>
+            <a:reflection blurRad="12700" stA="38000" endPos="28000" dist="5000" dir="5400000" sy="-100000" algn="bl" rotWithShape="0"/>
+          </a:effectLst>
+        </p:spPr>
+      </p:pic>
+      <p:sp>
+        <p:nvSpPr>
+          <p:cNvPr id="15" name="Arrow: Down 14">
+            <a:extLst>
+              <a:ext uri="{FF2B5EF4-FFF2-40B4-BE49-F238E27FC236}">
+                <a16:creationId xmlns:a16="http://schemas.microsoft.com/office/drawing/2014/main" id="{16A80E24-8AE0-90AF-3234-BD8805ED9718}"/>
+              </a:ext>
+            </a:extLst>
+          </p:cNvPr>
+          <p:cNvSpPr/>
+          <p:nvPr/>
+        </p:nvSpPr>
+        <p:spPr>
+          <a:xfrm rot="18674249">
+            <a:off x="8127132" y="3184151"/>
+            <a:ext cx="139554" cy="1948589"/>
+          </a:xfrm>
+          <a:prstGeom prst="downArrow">
+            <a:avLst/>
+          </a:prstGeom>
+        </p:spPr>
+        <p:style>
+          <a:lnRef idx="2">
+            <a:schemeClr val="accent2">
+              <a:shade val="50000"/>
+            </a:schemeClr>
+          </a:lnRef>
+          <a:fillRef idx="1">
+            <a:schemeClr val="accent2"/>
+          </a:fillRef>
+          <a:effectRef idx="0">
+            <a:schemeClr val="accent2"/>
+          </a:effectRef>
+          <a:fontRef idx="minor">
+            <a:schemeClr val="lt1"/>
+          </a:fontRef>
+        </p:style>
+        <p:txBody>
+          <a:bodyPr rtlCol="0" anchor="ctr"/>
+          <a:lstStyle/>
+          <a:p>
+            <a:pPr algn="ctr"/>
+            <a:endParaRPr lang="en-IN"/>
+          </a:p>
+        </p:txBody>
+      </p:sp>
+      <p:sp>
+        <p:nvSpPr>
+          <p:cNvPr id="16" name="TextBox 15">
+            <a:extLst>
+              <a:ext uri="{FF2B5EF4-FFF2-40B4-BE49-F238E27FC236}">
+                <a16:creationId xmlns:a16="http://schemas.microsoft.com/office/drawing/2014/main" id="{E628139C-640E-53AB-9E44-DC47CCEFB238}"/>
+              </a:ext>
+            </a:extLst>
+          </p:cNvPr>
+          <p:cNvSpPr txBox="1"/>
+          <p:nvPr/>
+        </p:nvSpPr>
+        <p:spPr>
+          <a:xfrm>
+            <a:off x="9030704" y="4471213"/>
+            <a:ext cx="1965157" cy="553998"/>
+          </a:xfrm>
+          <a:prstGeom prst="rect">
+            <a:avLst/>
+          </a:prstGeom>
+          <a:noFill/>
+        </p:spPr>
+        <p:txBody>
+          <a:bodyPr wrap="square" rtlCol="0">
+            <a:spAutoFit/>
+          </a:bodyPr>
+          <a:lstStyle/>
+          <a:p>
+            <a:r>
+              <a:rPr lang="en-US" sz="1500" dirty="0">
+                <a:latin typeface="Times New Roman" panose="02020603050405020304" pitchFamily="18" charset="0"/>
+                <a:cs typeface="Times New Roman" panose="02020603050405020304" pitchFamily="18" charset="0"/>
+              </a:rPr>
+              <a:t>Deploy Docker Image To Kubernetes Cluster</a:t>
+            </a:r>
+            <a:endParaRPr lang="en-IN" sz="1500" dirty="0">
+              <a:latin typeface="Times New Roman" panose="02020603050405020304" pitchFamily="18" charset="0"/>
+              <a:cs typeface="Times New Roman" panose="02020603050405020304" pitchFamily="18" charset="0"/>
+            </a:endParaRPr>
+          </a:p>
+        </p:txBody>
+      </p:sp>
+      <p:sp>
+        <p:nvSpPr>
+          <p:cNvPr id="17" name="Arrow: Down 16">
+            <a:extLst>
+              <a:ext uri="{FF2B5EF4-FFF2-40B4-BE49-F238E27FC236}">
+                <a16:creationId xmlns:a16="http://schemas.microsoft.com/office/drawing/2014/main" id="{75A05532-C25F-456F-3055-114665843DB6}"/>
+              </a:ext>
+            </a:extLst>
+          </p:cNvPr>
+          <p:cNvSpPr/>
+          <p:nvPr/>
+        </p:nvSpPr>
+        <p:spPr>
+          <a:xfrm>
+            <a:off x="9865895" y="2347578"/>
+            <a:ext cx="136358" cy="1831390"/>
+          </a:xfrm>
+          <a:prstGeom prst="downArrow">
+            <a:avLst/>
+          </a:prstGeom>
+        </p:spPr>
+        <p:style>
+          <a:lnRef idx="2">
+            <a:schemeClr val="accent2">
+              <a:shade val="50000"/>
+            </a:schemeClr>
+          </a:lnRef>
+          <a:fillRef idx="1">
+            <a:schemeClr val="accent2"/>
+          </a:fillRef>
+          <a:effectRef idx="0">
+            <a:schemeClr val="accent2"/>
+          </a:effectRef>
+          <a:fontRef idx="minor">
+            <a:schemeClr val="lt1"/>
+          </a:fontRef>
+        </p:style>
+        <p:txBody>
+          <a:bodyPr rtlCol="0" anchor="ctr"/>
+          <a:lstStyle/>
+          <a:p>
+            <a:pPr algn="ctr"/>
+            <a:endParaRPr lang="en-IN"/>
+          </a:p>
+        </p:txBody>
+      </p:sp>
+      <p:sp>
+        <p:nvSpPr>
+          <p:cNvPr id="18" name="TextBox 17">
+            <a:extLst>
+              <a:ext uri="{FF2B5EF4-FFF2-40B4-BE49-F238E27FC236}">
+                <a16:creationId xmlns:a16="http://schemas.microsoft.com/office/drawing/2014/main" id="{2030726B-B054-6ADF-47F9-5C1722C43065}"/>
+              </a:ext>
+            </a:extLst>
+          </p:cNvPr>
+          <p:cNvSpPr txBox="1"/>
+          <p:nvPr/>
+        </p:nvSpPr>
+        <p:spPr>
+          <a:xfrm>
+            <a:off x="10002253" y="2922177"/>
+            <a:ext cx="1612942" cy="323165"/>
+          </a:xfrm>
+          <a:prstGeom prst="rect">
+            <a:avLst/>
+          </a:prstGeom>
+          <a:noFill/>
+        </p:spPr>
+        <p:txBody>
+          <a:bodyPr wrap="none" rtlCol="0">
+            <a:spAutoFit/>
+          </a:bodyPr>
+          <a:lstStyle/>
+          <a:p>
+            <a:r>
+              <a:rPr lang="en-IN" sz="1500" dirty="0">
+                <a:latin typeface="Times New Roman" panose="02020603050405020304" pitchFamily="18" charset="0"/>
+                <a:cs typeface="Times New Roman" panose="02020603050405020304" pitchFamily="18" charset="0"/>
+              </a:rPr>
+              <a:t>Docker image pull</a:t>
+            </a:r>
+          </a:p>
+        </p:txBody>
+      </p:sp>
     </p:spTree>
     <p:extLst>
       <p:ext uri="{BB962C8B-B14F-4D97-AF65-F5344CB8AC3E}">
-        <p14:creationId xmlns:p14="http://schemas.microsoft.com/office/powerpoint/2010/main" val="294745817"/>
+        <p14:creationId xmlns:p14="http://schemas.microsoft.com/office/powerpoint/2010/main" val="3755091390"/>
       </p:ext>
     </p:extLst>
   </p:cSld>
   <p:clrMapOvr>
-    <a:overrideClrMapping bg1="lt1" tx1="dk1" bg2="lt2" tx2="dk2" accent1="accent1" accent2="accent2" accent3="accent3" accent4="accent4" accent5="accent5" accent6="accent6" hlink="hlink" folHlink="folHlink"/>
+    <a:masterClrMapping/>
   </p:clrMapOvr>
 </p:sld>
 </file>
@@ -10570,4 +11074,47 @@
     </a:folHlink>
   </a:clrScheme>
 </a:themeOverride>
+</file>
+
+<file path=ppt/theme/themeOverride3.xml><?xml version="1.0" encoding="utf-8"?>
+<a:themeOverride xmlns:a="http://schemas.openxmlformats.org/drawingml/2006/main">
+  <a:clrScheme name="Office">
+    <a:dk1>
+      <a:sysClr val="windowText" lastClr="000000"/>
+    </a:dk1>
+    <a:lt1>
+      <a:sysClr val="window" lastClr="FFFFFF"/>
+    </a:lt1>
+    <a:dk2>
+      <a:srgbClr val="44546A"/>
+    </a:dk2>
+    <a:lt2>
+      <a:srgbClr val="E7E6E6"/>
+    </a:lt2>
+    <a:accent1>
+      <a:srgbClr val="4472C4"/>
+    </a:accent1>
+    <a:accent2>
+      <a:srgbClr val="ED7D31"/>
+    </a:accent2>
+    <a:accent3>
+      <a:srgbClr val="A5A5A5"/>
+    </a:accent3>
+    <a:accent4>
+      <a:srgbClr val="FFC000"/>
+    </a:accent4>
+    <a:accent5>
+      <a:srgbClr val="5B9BD5"/>
+    </a:accent5>
+    <a:accent6>
+      <a:srgbClr val="70AD47"/>
+    </a:accent6>
+    <a:hlink>
+      <a:srgbClr val="0563C1"/>
+    </a:hlink>
+    <a:folHlink>
+      <a:srgbClr val="954F72"/>
+    </a:folHlink>
+  </a:clrScheme>
+</a:themeOverride>
 </file>